--- a/Track My Subscriptions(Final).pptx
+++ b/Track My Subscriptions(Final).pptx
@@ -143,7 +143,7 @@
   </p:defaultTextStyle>
   <p:extLst>
     <p:ext uri="{EFAFB233-063F-42B5-8137-9DF3F51BA10A}">
-      <p15:sldGuideLst xmlns:p15="http://schemas.microsoft.com/office/powerpoint/2012/main" xmlns="">
+      <p15:sldGuideLst xmlns="" xmlns:p15="http://schemas.microsoft.com/office/powerpoint/2012/main">
         <p15:guide id="1" orient="horz" pos="2160" userDrawn="1">
           <p15:clr>
             <a:srgbClr val="A4A3A4"/>
@@ -157,7 +157,7 @@
       </p15:sldGuideLst>
     </p:ext>
     <p:ext uri="{2D200454-40CA-4A62-9FC3-DE9A4176ACB9}">
-      <p15:notesGuideLst xmlns:p15="http://schemas.microsoft.com/office/powerpoint/2012/main" xmlns=""/>
+      <p15:notesGuideLst xmlns="" xmlns:p15="http://schemas.microsoft.com/office/powerpoint/2012/main"/>
     </p:ext>
   </p:extLst>
 </p:presentation>
@@ -190,7 +190,7 @@
           <p:cNvPr id="2" name="Header Placeholder 1">
             <a:extLst>
               <a:ext uri="{FF2B5EF4-FFF2-40B4-BE49-F238E27FC236}">
-                <a16:creationId xmlns:a16="http://schemas.microsoft.com/office/drawing/2014/main" xmlns="" id="{E62FF6B6-4F8A-40F7-B5F4-FC3996824D73}"/>
+                <a16:creationId xmlns="" xmlns:a16="http://schemas.microsoft.com/office/drawing/2014/main" id="{E62FF6B6-4F8A-40F7-B5F4-FC3996824D73}"/>
               </a:ext>
             </a:extLst>
           </p:cNvPr>
@@ -228,7 +228,7 @@
           <p:cNvPr id="3" name="Date Placeholder 2">
             <a:extLst>
               <a:ext uri="{FF2B5EF4-FFF2-40B4-BE49-F238E27FC236}">
-                <a16:creationId xmlns:a16="http://schemas.microsoft.com/office/drawing/2014/main" xmlns="" id="{8910A999-F365-48DF-976A-0517FE045440}"/>
+                <a16:creationId xmlns="" xmlns:a16="http://schemas.microsoft.com/office/drawing/2014/main" id="{8910A999-F365-48DF-976A-0517FE045440}"/>
               </a:ext>
             </a:extLst>
           </p:cNvPr>
@@ -260,7 +260,7 @@
             <a:fld id="{1C5E8405-9D99-4FA5-842E-D515212A7594}" type="datetime1">
               <a:rPr lang="en-GB" smtClean="0"/>
               <a:pPr rtl="0"/>
-              <a:t>26/06/2022</a:t>
+              <a:t>27/06/2022</a:t>
             </a:fld>
             <a:endParaRPr lang="en-GB"/>
           </a:p>
@@ -271,7 +271,7 @@
           <p:cNvPr id="4" name="Footer Placeholder 3">
             <a:extLst>
               <a:ext uri="{FF2B5EF4-FFF2-40B4-BE49-F238E27FC236}">
-                <a16:creationId xmlns:a16="http://schemas.microsoft.com/office/drawing/2014/main" xmlns="" id="{F8735C90-ADBF-4B9E-BE88-E1C8F83EB4D2}"/>
+                <a16:creationId xmlns="" xmlns:a16="http://schemas.microsoft.com/office/drawing/2014/main" id="{F8735C90-ADBF-4B9E-BE88-E1C8F83EB4D2}"/>
               </a:ext>
             </a:extLst>
           </p:cNvPr>
@@ -309,7 +309,7 @@
           <p:cNvPr id="5" name="Slide Number Placeholder 4">
             <a:extLst>
               <a:ext uri="{FF2B5EF4-FFF2-40B4-BE49-F238E27FC236}">
-                <a16:creationId xmlns:a16="http://schemas.microsoft.com/office/drawing/2014/main" xmlns="" id="{82506A01-6D0A-45EF-A584-05A3361D66F7}"/>
+                <a16:creationId xmlns="" xmlns:a16="http://schemas.microsoft.com/office/drawing/2014/main" id="{82506A01-6D0A-45EF-A584-05A3361D66F7}"/>
               </a:ext>
             </a:extLst>
           </p:cNvPr>
@@ -443,7 +443,7 @@
             <a:fld id="{77D70E3C-251E-4FDC-A619-AC9EE932F165}" type="datetime1">
               <a:rPr lang="en-GB" noProof="0" smtClean="0"/>
               <a:pPr/>
-              <a:t>26/06/2022</a:t>
+              <a:t>27/06/2022</a:t>
             </a:fld>
             <a:endParaRPr lang="en-GB" noProof="0"/>
           </a:p>
@@ -1421,7 +1421,7 @@
           <p:cNvPr id="21" name="Rectangle 20">
             <a:extLst>
               <a:ext uri="{FF2B5EF4-FFF2-40B4-BE49-F238E27FC236}">
-                <a16:creationId xmlns:a16="http://schemas.microsoft.com/office/drawing/2014/main" xmlns="" id="{6E739168-A5E8-443A-B392-7AD4CF8977AD}"/>
+                <a16:creationId xmlns="" xmlns:a16="http://schemas.microsoft.com/office/drawing/2014/main" id="{6E739168-A5E8-443A-B392-7AD4CF8977AD}"/>
               </a:ext>
             </a:extLst>
           </p:cNvPr>
@@ -1473,7 +1473,7 @@
           <p:cNvPr id="7" name="Group 6">
             <a:extLst>
               <a:ext uri="{FF2B5EF4-FFF2-40B4-BE49-F238E27FC236}">
-                <a16:creationId xmlns:a16="http://schemas.microsoft.com/office/drawing/2014/main" xmlns="" id="{4CA15AFD-4983-47DD-9ED0-D3B27E5A096F}"/>
+                <a16:creationId xmlns="" xmlns:a16="http://schemas.microsoft.com/office/drawing/2014/main" id="{4CA15AFD-4983-47DD-9ED0-D3B27E5A096F}"/>
               </a:ext>
             </a:extLst>
           </p:cNvPr>
@@ -1493,7 +1493,7 @@
             <p:cNvPr id="8" name="Group 7">
               <a:extLst>
                 <a:ext uri="{FF2B5EF4-FFF2-40B4-BE49-F238E27FC236}">
-                  <a16:creationId xmlns:a16="http://schemas.microsoft.com/office/drawing/2014/main" xmlns="" id="{2222D5E2-E9B4-4180-98B8-4E514C9ADB28}"/>
+                  <a16:creationId xmlns="" xmlns:a16="http://schemas.microsoft.com/office/drawing/2014/main" id="{2222D5E2-E9B4-4180-98B8-4E514C9ADB28}"/>
                 </a:ext>
               </a:extLst>
             </p:cNvPr>
@@ -1513,7 +1513,7 @@
               <p:cNvPr id="15" name="Freeform: Shape 14">
                 <a:extLst>
                   <a:ext uri="{FF2B5EF4-FFF2-40B4-BE49-F238E27FC236}">
-                    <a16:creationId xmlns:a16="http://schemas.microsoft.com/office/drawing/2014/main" xmlns="" id="{41E10E1E-5268-4F03-BA64-07E19DE26739}"/>
+                    <a16:creationId xmlns="" xmlns:a16="http://schemas.microsoft.com/office/drawing/2014/main" id="{41E10E1E-5268-4F03-BA64-07E19DE26739}"/>
                   </a:ext>
                 </a:extLst>
               </p:cNvPr>
@@ -1650,7 +1650,7 @@
               <p:cNvPr id="16" name="Freeform: Shape 15">
                 <a:extLst>
                   <a:ext uri="{FF2B5EF4-FFF2-40B4-BE49-F238E27FC236}">
-                    <a16:creationId xmlns:a16="http://schemas.microsoft.com/office/drawing/2014/main" xmlns="" id="{B989C45D-BDFF-418F-BE79-03FF70015770}"/>
+                    <a16:creationId xmlns="" xmlns:a16="http://schemas.microsoft.com/office/drawing/2014/main" id="{B989C45D-BDFF-418F-BE79-03FF70015770}"/>
                   </a:ext>
                 </a:extLst>
               </p:cNvPr>
@@ -1814,7 +1814,7 @@
               <p:cNvPr id="17" name="Right Triangle 16">
                 <a:extLst>
                   <a:ext uri="{FF2B5EF4-FFF2-40B4-BE49-F238E27FC236}">
-                    <a16:creationId xmlns:a16="http://schemas.microsoft.com/office/drawing/2014/main" xmlns="" id="{8DCD5806-2A2F-4ABF-8057-245681C498E6}"/>
+                    <a16:creationId xmlns="" xmlns:a16="http://schemas.microsoft.com/office/drawing/2014/main" id="{8DCD5806-2A2F-4ABF-8057-245681C498E6}"/>
                   </a:ext>
                 </a:extLst>
               </p:cNvPr>
@@ -1868,7 +1868,7 @@
               <p:cNvPr id="18" name="Right Triangle 17">
                 <a:extLst>
                   <a:ext uri="{FF2B5EF4-FFF2-40B4-BE49-F238E27FC236}">
-                    <a16:creationId xmlns:a16="http://schemas.microsoft.com/office/drawing/2014/main" xmlns="" id="{3A93038F-E9E4-4FFD-B3DF-28DB7C2C1490}"/>
+                    <a16:creationId xmlns="" xmlns:a16="http://schemas.microsoft.com/office/drawing/2014/main" id="{3A93038F-E9E4-4FFD-B3DF-28DB7C2C1490}"/>
                   </a:ext>
                 </a:extLst>
               </p:cNvPr>
@@ -1925,7 +1925,7 @@
               <p:cNvPr id="19" name="Right Triangle 18">
                 <a:extLst>
                   <a:ext uri="{FF2B5EF4-FFF2-40B4-BE49-F238E27FC236}">
-                    <a16:creationId xmlns:a16="http://schemas.microsoft.com/office/drawing/2014/main" xmlns="" id="{5DEA1E02-BBD0-4AE3-AF22-433B90272178}"/>
+                    <a16:creationId xmlns="" xmlns:a16="http://schemas.microsoft.com/office/drawing/2014/main" id="{5DEA1E02-BBD0-4AE3-AF22-433B90272178}"/>
                   </a:ext>
                 </a:extLst>
               </p:cNvPr>
@@ -1979,7 +1979,7 @@
               <p:cNvPr id="20" name="Freeform: Shape 19">
                 <a:extLst>
                   <a:ext uri="{FF2B5EF4-FFF2-40B4-BE49-F238E27FC236}">
-                    <a16:creationId xmlns:a16="http://schemas.microsoft.com/office/drawing/2014/main" xmlns="" id="{0027A677-9ACB-4264-B148-4806678FB83F}"/>
+                    <a16:creationId xmlns="" xmlns:a16="http://schemas.microsoft.com/office/drawing/2014/main" id="{0027A677-9ACB-4264-B148-4806678FB83F}"/>
                   </a:ext>
                 </a:extLst>
               </p:cNvPr>
@@ -2142,7 +2142,7 @@
             <p:cNvPr id="9" name="Freeform: Shape 12">
               <a:extLst>
                 <a:ext uri="{FF2B5EF4-FFF2-40B4-BE49-F238E27FC236}">
-                  <a16:creationId xmlns:a16="http://schemas.microsoft.com/office/drawing/2014/main" xmlns="" id="{E3AAB79D-382D-4A95-965E-526B6A681DA7}"/>
+                  <a16:creationId xmlns="" xmlns:a16="http://schemas.microsoft.com/office/drawing/2014/main" id="{E3AAB79D-382D-4A95-965E-526B6A681DA7}"/>
                 </a:ext>
               </a:extLst>
             </p:cNvPr>
@@ -2232,7 +2232,7 @@
             <p:cNvPr id="10" name="Freeform: Shape 9">
               <a:extLst>
                 <a:ext uri="{FF2B5EF4-FFF2-40B4-BE49-F238E27FC236}">
-                  <a16:creationId xmlns:a16="http://schemas.microsoft.com/office/drawing/2014/main" xmlns="" id="{C0A22127-2B4A-4B15-B0A9-F019A30347A1}"/>
+                  <a16:creationId xmlns="" xmlns:a16="http://schemas.microsoft.com/office/drawing/2014/main" id="{C0A22127-2B4A-4B15-B0A9-F019A30347A1}"/>
                 </a:ext>
               </a:extLst>
             </p:cNvPr>
@@ -2335,7 +2335,7 @@
             <p:cNvPr id="11" name="Freeform: Shape 12">
               <a:extLst>
                 <a:ext uri="{FF2B5EF4-FFF2-40B4-BE49-F238E27FC236}">
-                  <a16:creationId xmlns:a16="http://schemas.microsoft.com/office/drawing/2014/main" xmlns="" id="{F04D9FDC-1B67-4254-9535-CD32E81F0C3E}"/>
+                  <a16:creationId xmlns="" xmlns:a16="http://schemas.microsoft.com/office/drawing/2014/main" id="{F04D9FDC-1B67-4254-9535-CD32E81F0C3E}"/>
                 </a:ext>
               </a:extLst>
             </p:cNvPr>
@@ -2433,7 +2433,7 @@
             <p:cNvPr id="12" name="Group 11">
               <a:extLst>
                 <a:ext uri="{FF2B5EF4-FFF2-40B4-BE49-F238E27FC236}">
-                  <a16:creationId xmlns:a16="http://schemas.microsoft.com/office/drawing/2014/main" xmlns="" id="{0A86C4EA-4CF8-4531-845D-4FCB1E2F7422}"/>
+                  <a16:creationId xmlns="" xmlns:a16="http://schemas.microsoft.com/office/drawing/2014/main" id="{0A86C4EA-4CF8-4531-845D-4FCB1E2F7422}"/>
                 </a:ext>
               </a:extLst>
             </p:cNvPr>
@@ -2453,7 +2453,7 @@
               <p:cNvPr id="13" name="Freeform: Shape 12">
                 <a:extLst>
                   <a:ext uri="{FF2B5EF4-FFF2-40B4-BE49-F238E27FC236}">
-                    <a16:creationId xmlns:a16="http://schemas.microsoft.com/office/drawing/2014/main" xmlns="" id="{1101B195-C112-4D20-8D19-4D22479B150D}"/>
+                    <a16:creationId xmlns="" xmlns:a16="http://schemas.microsoft.com/office/drawing/2014/main" id="{1101B195-C112-4D20-8D19-4D22479B150D}"/>
                   </a:ext>
                 </a:extLst>
               </p:cNvPr>
@@ -2543,7 +2543,7 @@
               <p:cNvPr id="14" name="Freeform: Shape 12">
                 <a:extLst>
                   <a:ext uri="{FF2B5EF4-FFF2-40B4-BE49-F238E27FC236}">
-                    <a16:creationId xmlns:a16="http://schemas.microsoft.com/office/drawing/2014/main" xmlns="" id="{CA755F1F-9955-4CBB-8F34-F7801CA44CE7}"/>
+                    <a16:creationId xmlns="" xmlns:a16="http://schemas.microsoft.com/office/drawing/2014/main" id="{CA755F1F-9955-4CBB-8F34-F7801CA44CE7}"/>
                   </a:ext>
                 </a:extLst>
               </p:cNvPr>
@@ -2643,7 +2643,7 @@
           <p:cNvPr id="2" name="Title 1">
             <a:extLst>
               <a:ext uri="{FF2B5EF4-FFF2-40B4-BE49-F238E27FC236}">
-                <a16:creationId xmlns:a16="http://schemas.microsoft.com/office/drawing/2014/main" xmlns="" id="{9E597736-C478-4C26-9BAF-205FE31E977C}"/>
+                <a16:creationId xmlns="" xmlns:a16="http://schemas.microsoft.com/office/drawing/2014/main" id="{9E597736-C478-4C26-9BAF-205FE31E977C}"/>
               </a:ext>
             </a:extLst>
           </p:cNvPr>
@@ -2690,7 +2690,7 @@
           <p:cNvPr id="3" name="Subtitle 2">
             <a:extLst>
               <a:ext uri="{FF2B5EF4-FFF2-40B4-BE49-F238E27FC236}">
-                <a16:creationId xmlns:a16="http://schemas.microsoft.com/office/drawing/2014/main" xmlns="" id="{C3D2DEF0-A0B0-4CFE-B67D-A9D75E2368DC}"/>
+                <a16:creationId xmlns="" xmlns:a16="http://schemas.microsoft.com/office/drawing/2014/main" id="{C3D2DEF0-A0B0-4CFE-B67D-A9D75E2368DC}"/>
               </a:ext>
             </a:extLst>
           </p:cNvPr>
@@ -2779,7 +2779,7 @@
           <p:cNvPr id="11" name="Rectangle 10">
             <a:extLst>
               <a:ext uri="{FF2B5EF4-FFF2-40B4-BE49-F238E27FC236}">
-                <a16:creationId xmlns:a16="http://schemas.microsoft.com/office/drawing/2014/main" xmlns="" id="{EB3E033F-4449-40FA-BC85-BD2712D313DD}"/>
+                <a16:creationId xmlns="" xmlns:a16="http://schemas.microsoft.com/office/drawing/2014/main" id="{EB3E033F-4449-40FA-BC85-BD2712D313DD}"/>
               </a:ext>
             </a:extLst>
           </p:cNvPr>
@@ -2833,7 +2833,7 @@
           <p:cNvPr id="10" name="Freeform: Shape 9">
             <a:extLst>
               <a:ext uri="{FF2B5EF4-FFF2-40B4-BE49-F238E27FC236}">
-                <a16:creationId xmlns:a16="http://schemas.microsoft.com/office/drawing/2014/main" xmlns="" id="{63D26743-0505-444C-80B3-E88EE87DF72B}"/>
+                <a16:creationId xmlns="" xmlns:a16="http://schemas.microsoft.com/office/drawing/2014/main" id="{63D26743-0505-444C-80B3-E88EE87DF72B}"/>
               </a:ext>
             </a:extLst>
           </p:cNvPr>
@@ -2956,7 +2956,7 @@
           <p:cNvPr id="18" name="Freeform: Shape 17">
             <a:extLst>
               <a:ext uri="{FF2B5EF4-FFF2-40B4-BE49-F238E27FC236}">
-                <a16:creationId xmlns:a16="http://schemas.microsoft.com/office/drawing/2014/main" xmlns="" id="{E37145E9-AC61-47D5-9288-8789940F81B6}"/>
+                <a16:creationId xmlns="" xmlns:a16="http://schemas.microsoft.com/office/drawing/2014/main" id="{E37145E9-AC61-47D5-9288-8789940F81B6}"/>
               </a:ext>
             </a:extLst>
           </p:cNvPr>
@@ -3108,7 +3108,7 @@
           <p:cNvPr id="12" name="Freeform: Shape 11">
             <a:extLst>
               <a:ext uri="{FF2B5EF4-FFF2-40B4-BE49-F238E27FC236}">
-                <a16:creationId xmlns:a16="http://schemas.microsoft.com/office/drawing/2014/main" xmlns="" id="{A5E2B3ED-9A49-40A7-B8A3-62595FE513F9}"/>
+                <a16:creationId xmlns="" xmlns:a16="http://schemas.microsoft.com/office/drawing/2014/main" id="{A5E2B3ED-9A49-40A7-B8A3-62595FE513F9}"/>
               </a:ext>
             </a:extLst>
           </p:cNvPr>
@@ -3258,7 +3258,7 @@
           <p:cNvPr id="8" name="Freeform: Shape 7">
             <a:extLst>
               <a:ext uri="{FF2B5EF4-FFF2-40B4-BE49-F238E27FC236}">
-                <a16:creationId xmlns:a16="http://schemas.microsoft.com/office/drawing/2014/main" xmlns="" id="{1599AF7E-3E34-4597-AA72-9373A7FDB020}"/>
+                <a16:creationId xmlns="" xmlns:a16="http://schemas.microsoft.com/office/drawing/2014/main" id="{1599AF7E-3E34-4597-AA72-9373A7FDB020}"/>
               </a:ext>
             </a:extLst>
           </p:cNvPr>
@@ -3404,7 +3404,7 @@
           <p:cNvPr id="2" name="Title 1">
             <a:extLst>
               <a:ext uri="{FF2B5EF4-FFF2-40B4-BE49-F238E27FC236}">
-                <a16:creationId xmlns:a16="http://schemas.microsoft.com/office/drawing/2014/main" xmlns="" id="{4A2DF563-7FAC-46B3-B24C-7E45CD89DA2B}"/>
+                <a16:creationId xmlns="" xmlns:a16="http://schemas.microsoft.com/office/drawing/2014/main" id="{4A2DF563-7FAC-46B3-B24C-7E45CD89DA2B}"/>
               </a:ext>
             </a:extLst>
           </p:cNvPr>
@@ -3450,7 +3450,7 @@
           <p:cNvPr id="15" name="Group 14">
             <a:extLst>
               <a:ext uri="{FF2B5EF4-FFF2-40B4-BE49-F238E27FC236}">
-                <a16:creationId xmlns:a16="http://schemas.microsoft.com/office/drawing/2014/main" xmlns="" id="{7732E1E7-45E3-4264-8F26-66758696DD1E}"/>
+                <a16:creationId xmlns="" xmlns:a16="http://schemas.microsoft.com/office/drawing/2014/main" id="{7732E1E7-45E3-4264-8F26-66758696DD1E}"/>
               </a:ext>
             </a:extLst>
           </p:cNvPr>
@@ -3470,7 +3470,7 @@
             <p:cNvPr id="16" name="Freeform: Shape 15">
               <a:extLst>
                 <a:ext uri="{FF2B5EF4-FFF2-40B4-BE49-F238E27FC236}">
-                  <a16:creationId xmlns:a16="http://schemas.microsoft.com/office/drawing/2014/main" xmlns="" id="{2E3DF883-8093-49FA-81E1-E5D77F086A25}"/>
+                  <a16:creationId xmlns="" xmlns:a16="http://schemas.microsoft.com/office/drawing/2014/main" id="{2E3DF883-8093-49FA-81E1-E5D77F086A25}"/>
                 </a:ext>
               </a:extLst>
             </p:cNvPr>
@@ -3560,7 +3560,7 @@
             <p:cNvPr id="17" name="Freeform: Shape 16">
               <a:extLst>
                 <a:ext uri="{FF2B5EF4-FFF2-40B4-BE49-F238E27FC236}">
-                  <a16:creationId xmlns:a16="http://schemas.microsoft.com/office/drawing/2014/main" xmlns="" id="{18944C90-37E5-4BBE-89FF-060627168050}"/>
+                  <a16:creationId xmlns="" xmlns:a16="http://schemas.microsoft.com/office/drawing/2014/main" id="{18944C90-37E5-4BBE-89FF-060627168050}"/>
                 </a:ext>
               </a:extLst>
             </p:cNvPr>
@@ -3659,7 +3659,7 @@
           <p:cNvPr id="6" name="Group 5">
             <a:extLst>
               <a:ext uri="{FF2B5EF4-FFF2-40B4-BE49-F238E27FC236}">
-                <a16:creationId xmlns:a16="http://schemas.microsoft.com/office/drawing/2014/main" xmlns="" id="{D9EBF8BB-A805-4DDB-B459-082F99815B95}"/>
+                <a16:creationId xmlns="" xmlns:a16="http://schemas.microsoft.com/office/drawing/2014/main" id="{D9EBF8BB-A805-4DDB-B459-082F99815B95}"/>
               </a:ext>
             </a:extLst>
           </p:cNvPr>
@@ -3679,7 +3679,7 @@
             <p:cNvPr id="19" name="Rectangle: Single Corner Snipped 18">
               <a:extLst>
                 <a:ext uri="{FF2B5EF4-FFF2-40B4-BE49-F238E27FC236}">
-                  <a16:creationId xmlns:a16="http://schemas.microsoft.com/office/drawing/2014/main" xmlns="" id="{5D638788-DD47-45E7-939A-FA108A818173}"/>
+                  <a16:creationId xmlns="" xmlns:a16="http://schemas.microsoft.com/office/drawing/2014/main" id="{5D638788-DD47-45E7-939A-FA108A818173}"/>
                 </a:ext>
               </a:extLst>
             </p:cNvPr>
@@ -3740,7 +3740,7 @@
             <p:cNvPr id="3" name="Rectangle: Single Corner Snipped 2">
               <a:extLst>
                 <a:ext uri="{FF2B5EF4-FFF2-40B4-BE49-F238E27FC236}">
-                  <a16:creationId xmlns:a16="http://schemas.microsoft.com/office/drawing/2014/main" xmlns="" id="{74BDECEF-EEFE-4332-B3B2-BDE4F82C10FC}"/>
+                  <a16:creationId xmlns="" xmlns:a16="http://schemas.microsoft.com/office/drawing/2014/main" id="{74BDECEF-EEFE-4332-B3B2-BDE4F82C10FC}"/>
                 </a:ext>
               </a:extLst>
             </p:cNvPr>
@@ -3797,7 +3797,7 @@
           <p:cNvPr id="20" name="Picture Placeholder 8">
             <a:extLst>
               <a:ext uri="{FF2B5EF4-FFF2-40B4-BE49-F238E27FC236}">
-                <a16:creationId xmlns:a16="http://schemas.microsoft.com/office/drawing/2014/main" xmlns="" id="{6D00E6B4-1CBE-404E-B943-5F1832320C1C}"/>
+                <a16:creationId xmlns="" xmlns:a16="http://schemas.microsoft.com/office/drawing/2014/main" id="{6D00E6B4-1CBE-404E-B943-5F1832320C1C}"/>
               </a:ext>
             </a:extLst>
           </p:cNvPr>
@@ -3861,7 +3861,7 @@
           <p:cNvPr id="21" name="Picture Placeholder 8">
             <a:extLst>
               <a:ext uri="{FF2B5EF4-FFF2-40B4-BE49-F238E27FC236}">
-                <a16:creationId xmlns:a16="http://schemas.microsoft.com/office/drawing/2014/main" xmlns="" id="{7CD59BFD-62BE-4E33-92A5-B84A2A9A8D3B}"/>
+                <a16:creationId xmlns="" xmlns:a16="http://schemas.microsoft.com/office/drawing/2014/main" id="{7CD59BFD-62BE-4E33-92A5-B84A2A9A8D3B}"/>
               </a:ext>
             </a:extLst>
           </p:cNvPr>
@@ -3925,7 +3925,7 @@
           <p:cNvPr id="22" name="Picture Placeholder 8">
             <a:extLst>
               <a:ext uri="{FF2B5EF4-FFF2-40B4-BE49-F238E27FC236}">
-                <a16:creationId xmlns:a16="http://schemas.microsoft.com/office/drawing/2014/main" xmlns="" id="{60DC5978-55B8-421D-91B4-29F8210A7B2C}"/>
+                <a16:creationId xmlns="" xmlns:a16="http://schemas.microsoft.com/office/drawing/2014/main" id="{60DC5978-55B8-421D-91B4-29F8210A7B2C}"/>
               </a:ext>
             </a:extLst>
           </p:cNvPr>
@@ -3989,7 +3989,7 @@
           <p:cNvPr id="23" name="Picture Placeholder 8">
             <a:extLst>
               <a:ext uri="{FF2B5EF4-FFF2-40B4-BE49-F238E27FC236}">
-                <a16:creationId xmlns:a16="http://schemas.microsoft.com/office/drawing/2014/main" xmlns="" id="{BE3FB8C3-2C7E-4C59-8BD5-53FA2772DB56}"/>
+                <a16:creationId xmlns="" xmlns:a16="http://schemas.microsoft.com/office/drawing/2014/main" id="{BE3FB8C3-2C7E-4C59-8BD5-53FA2772DB56}"/>
               </a:ext>
             </a:extLst>
           </p:cNvPr>
@@ -4053,7 +4053,7 @@
           <p:cNvPr id="24" name="Picture Placeholder 8">
             <a:extLst>
               <a:ext uri="{FF2B5EF4-FFF2-40B4-BE49-F238E27FC236}">
-                <a16:creationId xmlns:a16="http://schemas.microsoft.com/office/drawing/2014/main" xmlns="" id="{FD8FA9DA-C36B-4889-B88F-28B5829E53E2}"/>
+                <a16:creationId xmlns="" xmlns:a16="http://schemas.microsoft.com/office/drawing/2014/main" id="{FD8FA9DA-C36B-4889-B88F-28B5829E53E2}"/>
               </a:ext>
             </a:extLst>
           </p:cNvPr>
@@ -4117,7 +4117,7 @@
           <p:cNvPr id="26" name="Text Placeholder 22">
             <a:extLst>
               <a:ext uri="{FF2B5EF4-FFF2-40B4-BE49-F238E27FC236}">
-                <a16:creationId xmlns:a16="http://schemas.microsoft.com/office/drawing/2014/main" xmlns="" id="{2A19101D-7C37-42BF-8167-5391EA65EC3A}"/>
+                <a16:creationId xmlns="" xmlns:a16="http://schemas.microsoft.com/office/drawing/2014/main" id="{2A19101D-7C37-42BF-8167-5391EA65EC3A}"/>
               </a:ext>
             </a:extLst>
           </p:cNvPr>
@@ -4227,7 +4227,7 @@
           <p:cNvPr id="27" name="Text Placeholder 22">
             <a:extLst>
               <a:ext uri="{FF2B5EF4-FFF2-40B4-BE49-F238E27FC236}">
-                <a16:creationId xmlns:a16="http://schemas.microsoft.com/office/drawing/2014/main" xmlns="" id="{05F72315-51A9-431C-B80A-45E4FB1D6BD6}"/>
+                <a16:creationId xmlns="" xmlns:a16="http://schemas.microsoft.com/office/drawing/2014/main" id="{05F72315-51A9-431C-B80A-45E4FB1D6BD6}"/>
               </a:ext>
             </a:extLst>
           </p:cNvPr>
@@ -4337,7 +4337,7 @@
           <p:cNvPr id="28" name="Text Placeholder 22">
             <a:extLst>
               <a:ext uri="{FF2B5EF4-FFF2-40B4-BE49-F238E27FC236}">
-                <a16:creationId xmlns:a16="http://schemas.microsoft.com/office/drawing/2014/main" xmlns="" id="{883D1F0C-34F1-46E1-B178-E4AB82B14631}"/>
+                <a16:creationId xmlns="" xmlns:a16="http://schemas.microsoft.com/office/drawing/2014/main" id="{883D1F0C-34F1-46E1-B178-E4AB82B14631}"/>
               </a:ext>
             </a:extLst>
           </p:cNvPr>
@@ -4447,7 +4447,7 @@
           <p:cNvPr id="29" name="Text Placeholder 22">
             <a:extLst>
               <a:ext uri="{FF2B5EF4-FFF2-40B4-BE49-F238E27FC236}">
-                <a16:creationId xmlns:a16="http://schemas.microsoft.com/office/drawing/2014/main" xmlns="" id="{7202A849-DF14-40E7-B38D-1185F72603EC}"/>
+                <a16:creationId xmlns="" xmlns:a16="http://schemas.microsoft.com/office/drawing/2014/main" id="{7202A849-DF14-40E7-B38D-1185F72603EC}"/>
               </a:ext>
             </a:extLst>
           </p:cNvPr>
@@ -4557,7 +4557,7 @@
           <p:cNvPr id="30" name="Text Placeholder 22">
             <a:extLst>
               <a:ext uri="{FF2B5EF4-FFF2-40B4-BE49-F238E27FC236}">
-                <a16:creationId xmlns:a16="http://schemas.microsoft.com/office/drawing/2014/main" xmlns="" id="{CCFC1ADF-AC11-4CCD-AC2D-478B6FFEA5EA}"/>
+                <a16:creationId xmlns="" xmlns:a16="http://schemas.microsoft.com/office/drawing/2014/main" id="{CCFC1ADF-AC11-4CCD-AC2D-478B6FFEA5EA}"/>
               </a:ext>
             </a:extLst>
           </p:cNvPr>
@@ -4667,7 +4667,7 @@
           <p:cNvPr id="7" name="Straight Connector 6">
             <a:extLst>
               <a:ext uri="{FF2B5EF4-FFF2-40B4-BE49-F238E27FC236}">
-                <a16:creationId xmlns:a16="http://schemas.microsoft.com/office/drawing/2014/main" xmlns="" id="{2B4CB326-DA0E-488E-B236-7017E8438FBB}"/>
+                <a16:creationId xmlns="" xmlns:a16="http://schemas.microsoft.com/office/drawing/2014/main" id="{2B4CB326-DA0E-488E-B236-7017E8438FBB}"/>
               </a:ext>
             </a:extLst>
           </p:cNvPr>
@@ -4708,7 +4708,7 @@
           <p:cNvPr id="31" name="Straight Connector 30">
             <a:extLst>
               <a:ext uri="{FF2B5EF4-FFF2-40B4-BE49-F238E27FC236}">
-                <a16:creationId xmlns:a16="http://schemas.microsoft.com/office/drawing/2014/main" xmlns="" id="{9366B533-7212-4A36-9CE2-D6302E721F8F}"/>
+                <a16:creationId xmlns="" xmlns:a16="http://schemas.microsoft.com/office/drawing/2014/main" id="{9366B533-7212-4A36-9CE2-D6302E721F8F}"/>
               </a:ext>
             </a:extLst>
           </p:cNvPr>
@@ -4749,7 +4749,7 @@
           <p:cNvPr id="32" name="Straight Connector 31">
             <a:extLst>
               <a:ext uri="{FF2B5EF4-FFF2-40B4-BE49-F238E27FC236}">
-                <a16:creationId xmlns:a16="http://schemas.microsoft.com/office/drawing/2014/main" xmlns="" id="{AD7474CD-E230-4E14-8274-5E20F673F401}"/>
+                <a16:creationId xmlns="" xmlns:a16="http://schemas.microsoft.com/office/drawing/2014/main" id="{AD7474CD-E230-4E14-8274-5E20F673F401}"/>
               </a:ext>
             </a:extLst>
           </p:cNvPr>
@@ -4790,7 +4790,7 @@
           <p:cNvPr id="33" name="Straight Connector 32">
             <a:extLst>
               <a:ext uri="{FF2B5EF4-FFF2-40B4-BE49-F238E27FC236}">
-                <a16:creationId xmlns:a16="http://schemas.microsoft.com/office/drawing/2014/main" xmlns="" id="{6BF71FCE-6F39-4D2F-82BE-7D9F1D2ED59F}"/>
+                <a16:creationId xmlns="" xmlns:a16="http://schemas.microsoft.com/office/drawing/2014/main" id="{6BF71FCE-6F39-4D2F-82BE-7D9F1D2ED59F}"/>
               </a:ext>
             </a:extLst>
           </p:cNvPr>
@@ -4831,7 +4831,7 @@
           <p:cNvPr id="34" name="Straight Connector 33">
             <a:extLst>
               <a:ext uri="{FF2B5EF4-FFF2-40B4-BE49-F238E27FC236}">
-                <a16:creationId xmlns:a16="http://schemas.microsoft.com/office/drawing/2014/main" xmlns="" id="{AE97AC7A-17D9-4F42-9DD0-94FE4FC6BF19}"/>
+                <a16:creationId xmlns="" xmlns:a16="http://schemas.microsoft.com/office/drawing/2014/main" id="{AE97AC7A-17D9-4F42-9DD0-94FE4FC6BF19}"/>
               </a:ext>
             </a:extLst>
           </p:cNvPr>
@@ -4872,7 +4872,7 @@
           <p:cNvPr id="35" name="Freeform: Shape 34">
             <a:extLst>
               <a:ext uri="{FF2B5EF4-FFF2-40B4-BE49-F238E27FC236}">
-                <a16:creationId xmlns:a16="http://schemas.microsoft.com/office/drawing/2014/main" xmlns="" id="{62EEBF51-DCAD-4335-85E9-52801031A1BF}"/>
+                <a16:creationId xmlns="" xmlns:a16="http://schemas.microsoft.com/office/drawing/2014/main" id="{62EEBF51-DCAD-4335-85E9-52801031A1BF}"/>
               </a:ext>
             </a:extLst>
           </p:cNvPr>
@@ -4967,7 +4967,7 @@
           <p:cNvPr id="5" name="Slide Number Placeholder 4">
             <a:extLst>
               <a:ext uri="{FF2B5EF4-FFF2-40B4-BE49-F238E27FC236}">
-                <a16:creationId xmlns:a16="http://schemas.microsoft.com/office/drawing/2014/main" xmlns="" id="{87B51822-97FF-47A7-8E4E-A0F79B4EB237}"/>
+                <a16:creationId xmlns="" xmlns:a16="http://schemas.microsoft.com/office/drawing/2014/main" id="{87B51822-97FF-47A7-8E4E-A0F79B4EB237}"/>
               </a:ext>
             </a:extLst>
           </p:cNvPr>
@@ -5053,7 +5053,7 @@
           <p:cNvPr id="11" name="Rectangle 10">
             <a:extLst>
               <a:ext uri="{FF2B5EF4-FFF2-40B4-BE49-F238E27FC236}">
-                <a16:creationId xmlns:a16="http://schemas.microsoft.com/office/drawing/2014/main" xmlns="" id="{EB3E033F-4449-40FA-BC85-BD2712D313DD}"/>
+                <a16:creationId xmlns="" xmlns:a16="http://schemas.microsoft.com/office/drawing/2014/main" id="{EB3E033F-4449-40FA-BC85-BD2712D313DD}"/>
               </a:ext>
             </a:extLst>
           </p:cNvPr>
@@ -5107,7 +5107,7 @@
           <p:cNvPr id="10" name="Freeform: Shape 9">
             <a:extLst>
               <a:ext uri="{FF2B5EF4-FFF2-40B4-BE49-F238E27FC236}">
-                <a16:creationId xmlns:a16="http://schemas.microsoft.com/office/drawing/2014/main" xmlns="" id="{63D26743-0505-444C-80B3-E88EE87DF72B}"/>
+                <a16:creationId xmlns="" xmlns:a16="http://schemas.microsoft.com/office/drawing/2014/main" id="{63D26743-0505-444C-80B3-E88EE87DF72B}"/>
               </a:ext>
             </a:extLst>
           </p:cNvPr>
@@ -5230,7 +5230,7 @@
           <p:cNvPr id="18" name="Freeform: Shape 17">
             <a:extLst>
               <a:ext uri="{FF2B5EF4-FFF2-40B4-BE49-F238E27FC236}">
-                <a16:creationId xmlns:a16="http://schemas.microsoft.com/office/drawing/2014/main" xmlns="" id="{E37145E9-AC61-47D5-9288-8789940F81B6}"/>
+                <a16:creationId xmlns="" xmlns:a16="http://schemas.microsoft.com/office/drawing/2014/main" id="{E37145E9-AC61-47D5-9288-8789940F81B6}"/>
               </a:ext>
             </a:extLst>
           </p:cNvPr>
@@ -5382,7 +5382,7 @@
           <p:cNvPr id="12" name="Freeform: Shape 11">
             <a:extLst>
               <a:ext uri="{FF2B5EF4-FFF2-40B4-BE49-F238E27FC236}">
-                <a16:creationId xmlns:a16="http://schemas.microsoft.com/office/drawing/2014/main" xmlns="" id="{A5E2B3ED-9A49-40A7-B8A3-62595FE513F9}"/>
+                <a16:creationId xmlns="" xmlns:a16="http://schemas.microsoft.com/office/drawing/2014/main" id="{A5E2B3ED-9A49-40A7-B8A3-62595FE513F9}"/>
               </a:ext>
             </a:extLst>
           </p:cNvPr>
@@ -5532,7 +5532,7 @@
           <p:cNvPr id="8" name="Freeform: Shape 7">
             <a:extLst>
               <a:ext uri="{FF2B5EF4-FFF2-40B4-BE49-F238E27FC236}">
-                <a16:creationId xmlns:a16="http://schemas.microsoft.com/office/drawing/2014/main" xmlns="" id="{1599AF7E-3E34-4597-AA72-9373A7FDB020}"/>
+                <a16:creationId xmlns="" xmlns:a16="http://schemas.microsoft.com/office/drawing/2014/main" id="{1599AF7E-3E34-4597-AA72-9373A7FDB020}"/>
               </a:ext>
             </a:extLst>
           </p:cNvPr>
@@ -5678,7 +5678,7 @@
           <p:cNvPr id="2" name="Title 1">
             <a:extLst>
               <a:ext uri="{FF2B5EF4-FFF2-40B4-BE49-F238E27FC236}">
-                <a16:creationId xmlns:a16="http://schemas.microsoft.com/office/drawing/2014/main" xmlns="" id="{4A2DF563-7FAC-46B3-B24C-7E45CD89DA2B}"/>
+                <a16:creationId xmlns="" xmlns:a16="http://schemas.microsoft.com/office/drawing/2014/main" id="{4A2DF563-7FAC-46B3-B24C-7E45CD89DA2B}"/>
               </a:ext>
             </a:extLst>
           </p:cNvPr>
@@ -5724,7 +5724,7 @@
           <p:cNvPr id="15" name="Group 14">
             <a:extLst>
               <a:ext uri="{FF2B5EF4-FFF2-40B4-BE49-F238E27FC236}">
-                <a16:creationId xmlns:a16="http://schemas.microsoft.com/office/drawing/2014/main" xmlns="" id="{7732E1E7-45E3-4264-8F26-66758696DD1E}"/>
+                <a16:creationId xmlns="" xmlns:a16="http://schemas.microsoft.com/office/drawing/2014/main" id="{7732E1E7-45E3-4264-8F26-66758696DD1E}"/>
               </a:ext>
             </a:extLst>
           </p:cNvPr>
@@ -5744,7 +5744,7 @@
             <p:cNvPr id="16" name="Freeform: Shape 15">
               <a:extLst>
                 <a:ext uri="{FF2B5EF4-FFF2-40B4-BE49-F238E27FC236}">
-                  <a16:creationId xmlns:a16="http://schemas.microsoft.com/office/drawing/2014/main" xmlns="" id="{2E3DF883-8093-49FA-81E1-E5D77F086A25}"/>
+                  <a16:creationId xmlns="" xmlns:a16="http://schemas.microsoft.com/office/drawing/2014/main" id="{2E3DF883-8093-49FA-81E1-E5D77F086A25}"/>
                 </a:ext>
               </a:extLst>
             </p:cNvPr>
@@ -5834,7 +5834,7 @@
             <p:cNvPr id="17" name="Freeform: Shape 16">
               <a:extLst>
                 <a:ext uri="{FF2B5EF4-FFF2-40B4-BE49-F238E27FC236}">
-                  <a16:creationId xmlns:a16="http://schemas.microsoft.com/office/drawing/2014/main" xmlns="" id="{18944C90-37E5-4BBE-89FF-060627168050}"/>
+                  <a16:creationId xmlns="" xmlns:a16="http://schemas.microsoft.com/office/drawing/2014/main" id="{18944C90-37E5-4BBE-89FF-060627168050}"/>
                 </a:ext>
               </a:extLst>
             </p:cNvPr>
@@ -5933,7 +5933,7 @@
           <p:cNvPr id="6" name="Group 5">
             <a:extLst>
               <a:ext uri="{FF2B5EF4-FFF2-40B4-BE49-F238E27FC236}">
-                <a16:creationId xmlns:a16="http://schemas.microsoft.com/office/drawing/2014/main" xmlns="" id="{D9EBF8BB-A805-4DDB-B459-082F99815B95}"/>
+                <a16:creationId xmlns="" xmlns:a16="http://schemas.microsoft.com/office/drawing/2014/main" id="{D9EBF8BB-A805-4DDB-B459-082F99815B95}"/>
               </a:ext>
             </a:extLst>
           </p:cNvPr>
@@ -5953,7 +5953,7 @@
             <p:cNvPr id="19" name="Rectangle: Single Corner Snipped 18">
               <a:extLst>
                 <a:ext uri="{FF2B5EF4-FFF2-40B4-BE49-F238E27FC236}">
-                  <a16:creationId xmlns:a16="http://schemas.microsoft.com/office/drawing/2014/main" xmlns="" id="{5D638788-DD47-45E7-939A-FA108A818173}"/>
+                  <a16:creationId xmlns="" xmlns:a16="http://schemas.microsoft.com/office/drawing/2014/main" id="{5D638788-DD47-45E7-939A-FA108A818173}"/>
                 </a:ext>
               </a:extLst>
             </p:cNvPr>
@@ -6014,7 +6014,7 @@
             <p:cNvPr id="3" name="Rectangle: Single Corner Snipped 2">
               <a:extLst>
                 <a:ext uri="{FF2B5EF4-FFF2-40B4-BE49-F238E27FC236}">
-                  <a16:creationId xmlns:a16="http://schemas.microsoft.com/office/drawing/2014/main" xmlns="" id="{74BDECEF-EEFE-4332-B3B2-BDE4F82C10FC}"/>
+                  <a16:creationId xmlns="" xmlns:a16="http://schemas.microsoft.com/office/drawing/2014/main" id="{74BDECEF-EEFE-4332-B3B2-BDE4F82C10FC}"/>
                 </a:ext>
               </a:extLst>
             </p:cNvPr>
@@ -6071,7 +6071,7 @@
           <p:cNvPr id="26" name="Text Placeholder 22">
             <a:extLst>
               <a:ext uri="{FF2B5EF4-FFF2-40B4-BE49-F238E27FC236}">
-                <a16:creationId xmlns:a16="http://schemas.microsoft.com/office/drawing/2014/main" xmlns="" id="{2A19101D-7C37-42BF-8167-5391EA65EC3A}"/>
+                <a16:creationId xmlns="" xmlns:a16="http://schemas.microsoft.com/office/drawing/2014/main" id="{2A19101D-7C37-42BF-8167-5391EA65EC3A}"/>
               </a:ext>
             </a:extLst>
           </p:cNvPr>
@@ -6181,7 +6181,7 @@
           <p:cNvPr id="35" name="Freeform: Shape 34">
             <a:extLst>
               <a:ext uri="{FF2B5EF4-FFF2-40B4-BE49-F238E27FC236}">
-                <a16:creationId xmlns:a16="http://schemas.microsoft.com/office/drawing/2014/main" xmlns="" id="{62EEBF51-DCAD-4335-85E9-52801031A1BF}"/>
+                <a16:creationId xmlns="" xmlns:a16="http://schemas.microsoft.com/office/drawing/2014/main" id="{62EEBF51-DCAD-4335-85E9-52801031A1BF}"/>
               </a:ext>
             </a:extLst>
           </p:cNvPr>
@@ -6276,7 +6276,7 @@
           <p:cNvPr id="5" name="Slide Number Placeholder 4">
             <a:extLst>
               <a:ext uri="{FF2B5EF4-FFF2-40B4-BE49-F238E27FC236}">
-                <a16:creationId xmlns:a16="http://schemas.microsoft.com/office/drawing/2014/main" xmlns="" id="{87B51822-97FF-47A7-8E4E-A0F79B4EB237}"/>
+                <a16:creationId xmlns="" xmlns:a16="http://schemas.microsoft.com/office/drawing/2014/main" id="{87B51822-97FF-47A7-8E4E-A0F79B4EB237}"/>
               </a:ext>
             </a:extLst>
           </p:cNvPr>
@@ -6321,7 +6321,7 @@
           <p:cNvPr id="13" name="Picture Placeholder 12">
             <a:extLst>
               <a:ext uri="{FF2B5EF4-FFF2-40B4-BE49-F238E27FC236}">
-                <a16:creationId xmlns:a16="http://schemas.microsoft.com/office/drawing/2014/main" xmlns="" id="{231B97CF-FD24-4932-8459-893B1AC73D33}"/>
+                <a16:creationId xmlns="" xmlns:a16="http://schemas.microsoft.com/office/drawing/2014/main" id="{231B97CF-FD24-4932-8459-893B1AC73D33}"/>
               </a:ext>
             </a:extLst>
           </p:cNvPr>
@@ -6367,7 +6367,7 @@
           <p:cNvPr id="36" name="Text Placeholder 22">
             <a:extLst>
               <a:ext uri="{FF2B5EF4-FFF2-40B4-BE49-F238E27FC236}">
-                <a16:creationId xmlns:a16="http://schemas.microsoft.com/office/drawing/2014/main" xmlns="" id="{642D3CE0-C3B4-4F3F-A650-AB452B3AD4BA}"/>
+                <a16:creationId xmlns="" xmlns:a16="http://schemas.microsoft.com/office/drawing/2014/main" id="{642D3CE0-C3B4-4F3F-A650-AB452B3AD4BA}"/>
               </a:ext>
             </a:extLst>
           </p:cNvPr>
@@ -6477,7 +6477,7 @@
           <p:cNvPr id="37" name="Text Placeholder 22">
             <a:extLst>
               <a:ext uri="{FF2B5EF4-FFF2-40B4-BE49-F238E27FC236}">
-                <a16:creationId xmlns:a16="http://schemas.microsoft.com/office/drawing/2014/main" xmlns="" id="{DBED2BB0-CDAD-40EE-8B35-C66DF45EE29D}"/>
+                <a16:creationId xmlns="" xmlns:a16="http://schemas.microsoft.com/office/drawing/2014/main" id="{DBED2BB0-CDAD-40EE-8B35-C66DF45EE29D}"/>
               </a:ext>
             </a:extLst>
           </p:cNvPr>
@@ -6628,7 +6628,7 @@
           <p:cNvPr id="11" name="Rectangle 10">
             <a:extLst>
               <a:ext uri="{FF2B5EF4-FFF2-40B4-BE49-F238E27FC236}">
-                <a16:creationId xmlns:a16="http://schemas.microsoft.com/office/drawing/2014/main" xmlns="" id="{EB3E033F-4449-40FA-BC85-BD2712D313DD}"/>
+                <a16:creationId xmlns="" xmlns:a16="http://schemas.microsoft.com/office/drawing/2014/main" id="{EB3E033F-4449-40FA-BC85-BD2712D313DD}"/>
               </a:ext>
             </a:extLst>
           </p:cNvPr>
@@ -6682,7 +6682,7 @@
           <p:cNvPr id="10" name="Freeform: Shape 9">
             <a:extLst>
               <a:ext uri="{FF2B5EF4-FFF2-40B4-BE49-F238E27FC236}">
-                <a16:creationId xmlns:a16="http://schemas.microsoft.com/office/drawing/2014/main" xmlns="" id="{63D26743-0505-444C-80B3-E88EE87DF72B}"/>
+                <a16:creationId xmlns="" xmlns:a16="http://schemas.microsoft.com/office/drawing/2014/main" id="{63D26743-0505-444C-80B3-E88EE87DF72B}"/>
               </a:ext>
             </a:extLst>
           </p:cNvPr>
@@ -6805,7 +6805,7 @@
           <p:cNvPr id="18" name="Freeform: Shape 17">
             <a:extLst>
               <a:ext uri="{FF2B5EF4-FFF2-40B4-BE49-F238E27FC236}">
-                <a16:creationId xmlns:a16="http://schemas.microsoft.com/office/drawing/2014/main" xmlns="" id="{E37145E9-AC61-47D5-9288-8789940F81B6}"/>
+                <a16:creationId xmlns="" xmlns:a16="http://schemas.microsoft.com/office/drawing/2014/main" id="{E37145E9-AC61-47D5-9288-8789940F81B6}"/>
               </a:ext>
             </a:extLst>
           </p:cNvPr>
@@ -6957,7 +6957,7 @@
           <p:cNvPr id="12" name="Freeform: Shape 11">
             <a:extLst>
               <a:ext uri="{FF2B5EF4-FFF2-40B4-BE49-F238E27FC236}">
-                <a16:creationId xmlns:a16="http://schemas.microsoft.com/office/drawing/2014/main" xmlns="" id="{A5E2B3ED-9A49-40A7-B8A3-62595FE513F9}"/>
+                <a16:creationId xmlns="" xmlns:a16="http://schemas.microsoft.com/office/drawing/2014/main" id="{A5E2B3ED-9A49-40A7-B8A3-62595FE513F9}"/>
               </a:ext>
             </a:extLst>
           </p:cNvPr>
@@ -7107,7 +7107,7 @@
           <p:cNvPr id="8" name="Freeform: Shape 7">
             <a:extLst>
               <a:ext uri="{FF2B5EF4-FFF2-40B4-BE49-F238E27FC236}">
-                <a16:creationId xmlns:a16="http://schemas.microsoft.com/office/drawing/2014/main" xmlns="" id="{1599AF7E-3E34-4597-AA72-9373A7FDB020}"/>
+                <a16:creationId xmlns="" xmlns:a16="http://schemas.microsoft.com/office/drawing/2014/main" id="{1599AF7E-3E34-4597-AA72-9373A7FDB020}"/>
               </a:ext>
             </a:extLst>
           </p:cNvPr>
@@ -7253,7 +7253,7 @@
           <p:cNvPr id="2" name="Title 1">
             <a:extLst>
               <a:ext uri="{FF2B5EF4-FFF2-40B4-BE49-F238E27FC236}">
-                <a16:creationId xmlns:a16="http://schemas.microsoft.com/office/drawing/2014/main" xmlns="" id="{4A2DF563-7FAC-46B3-B24C-7E45CD89DA2B}"/>
+                <a16:creationId xmlns="" xmlns:a16="http://schemas.microsoft.com/office/drawing/2014/main" id="{4A2DF563-7FAC-46B3-B24C-7E45CD89DA2B}"/>
               </a:ext>
             </a:extLst>
           </p:cNvPr>
@@ -7299,7 +7299,7 @@
           <p:cNvPr id="15" name="Group 14">
             <a:extLst>
               <a:ext uri="{FF2B5EF4-FFF2-40B4-BE49-F238E27FC236}">
-                <a16:creationId xmlns:a16="http://schemas.microsoft.com/office/drawing/2014/main" xmlns="" id="{7732E1E7-45E3-4264-8F26-66758696DD1E}"/>
+                <a16:creationId xmlns="" xmlns:a16="http://schemas.microsoft.com/office/drawing/2014/main" id="{7732E1E7-45E3-4264-8F26-66758696DD1E}"/>
               </a:ext>
             </a:extLst>
           </p:cNvPr>
@@ -7319,7 +7319,7 @@
             <p:cNvPr id="16" name="Freeform: Shape 15">
               <a:extLst>
                 <a:ext uri="{FF2B5EF4-FFF2-40B4-BE49-F238E27FC236}">
-                  <a16:creationId xmlns:a16="http://schemas.microsoft.com/office/drawing/2014/main" xmlns="" id="{2E3DF883-8093-49FA-81E1-E5D77F086A25}"/>
+                  <a16:creationId xmlns="" xmlns:a16="http://schemas.microsoft.com/office/drawing/2014/main" id="{2E3DF883-8093-49FA-81E1-E5D77F086A25}"/>
                 </a:ext>
               </a:extLst>
             </p:cNvPr>
@@ -7409,7 +7409,7 @@
             <p:cNvPr id="17" name="Freeform: Shape 16">
               <a:extLst>
                 <a:ext uri="{FF2B5EF4-FFF2-40B4-BE49-F238E27FC236}">
-                  <a16:creationId xmlns:a16="http://schemas.microsoft.com/office/drawing/2014/main" xmlns="" id="{18944C90-37E5-4BBE-89FF-060627168050}"/>
+                  <a16:creationId xmlns="" xmlns:a16="http://schemas.microsoft.com/office/drawing/2014/main" id="{18944C90-37E5-4BBE-89FF-060627168050}"/>
                 </a:ext>
               </a:extLst>
             </p:cNvPr>
@@ -7508,7 +7508,7 @@
           <p:cNvPr id="6" name="Group 5">
             <a:extLst>
               <a:ext uri="{FF2B5EF4-FFF2-40B4-BE49-F238E27FC236}">
-                <a16:creationId xmlns:a16="http://schemas.microsoft.com/office/drawing/2014/main" xmlns="" id="{D9EBF8BB-A805-4DDB-B459-082F99815B95}"/>
+                <a16:creationId xmlns="" xmlns:a16="http://schemas.microsoft.com/office/drawing/2014/main" id="{D9EBF8BB-A805-4DDB-B459-082F99815B95}"/>
               </a:ext>
             </a:extLst>
           </p:cNvPr>
@@ -7528,7 +7528,7 @@
             <p:cNvPr id="19" name="Rectangle: Single Corner Snipped 18">
               <a:extLst>
                 <a:ext uri="{FF2B5EF4-FFF2-40B4-BE49-F238E27FC236}">
-                  <a16:creationId xmlns:a16="http://schemas.microsoft.com/office/drawing/2014/main" xmlns="" id="{5D638788-DD47-45E7-939A-FA108A818173}"/>
+                  <a16:creationId xmlns="" xmlns:a16="http://schemas.microsoft.com/office/drawing/2014/main" id="{5D638788-DD47-45E7-939A-FA108A818173}"/>
                 </a:ext>
               </a:extLst>
             </p:cNvPr>
@@ -7589,7 +7589,7 @@
             <p:cNvPr id="3" name="Rectangle: Single Corner Snipped 2">
               <a:extLst>
                 <a:ext uri="{FF2B5EF4-FFF2-40B4-BE49-F238E27FC236}">
-                  <a16:creationId xmlns:a16="http://schemas.microsoft.com/office/drawing/2014/main" xmlns="" id="{74BDECEF-EEFE-4332-B3B2-BDE4F82C10FC}"/>
+                  <a16:creationId xmlns="" xmlns:a16="http://schemas.microsoft.com/office/drawing/2014/main" id="{74BDECEF-EEFE-4332-B3B2-BDE4F82C10FC}"/>
                 </a:ext>
               </a:extLst>
             </p:cNvPr>
@@ -7646,7 +7646,7 @@
           <p:cNvPr id="26" name="Text Placeholder 22">
             <a:extLst>
               <a:ext uri="{FF2B5EF4-FFF2-40B4-BE49-F238E27FC236}">
-                <a16:creationId xmlns:a16="http://schemas.microsoft.com/office/drawing/2014/main" xmlns="" id="{2A19101D-7C37-42BF-8167-5391EA65EC3A}"/>
+                <a16:creationId xmlns="" xmlns:a16="http://schemas.microsoft.com/office/drawing/2014/main" id="{2A19101D-7C37-42BF-8167-5391EA65EC3A}"/>
               </a:ext>
             </a:extLst>
           </p:cNvPr>
@@ -7756,7 +7756,7 @@
           <p:cNvPr id="35" name="Freeform: Shape 34">
             <a:extLst>
               <a:ext uri="{FF2B5EF4-FFF2-40B4-BE49-F238E27FC236}">
-                <a16:creationId xmlns:a16="http://schemas.microsoft.com/office/drawing/2014/main" xmlns="" id="{62EEBF51-DCAD-4335-85E9-52801031A1BF}"/>
+                <a16:creationId xmlns="" xmlns:a16="http://schemas.microsoft.com/office/drawing/2014/main" id="{62EEBF51-DCAD-4335-85E9-52801031A1BF}"/>
               </a:ext>
             </a:extLst>
           </p:cNvPr>
@@ -7851,7 +7851,7 @@
           <p:cNvPr id="5" name="Slide Number Placeholder 4">
             <a:extLst>
               <a:ext uri="{FF2B5EF4-FFF2-40B4-BE49-F238E27FC236}">
-                <a16:creationId xmlns:a16="http://schemas.microsoft.com/office/drawing/2014/main" xmlns="" id="{87B51822-97FF-47A7-8E4E-A0F79B4EB237}"/>
+                <a16:creationId xmlns="" xmlns:a16="http://schemas.microsoft.com/office/drawing/2014/main" id="{87B51822-97FF-47A7-8E4E-A0F79B4EB237}"/>
               </a:ext>
             </a:extLst>
           </p:cNvPr>
@@ -7896,7 +7896,7 @@
           <p:cNvPr id="13" name="Picture Placeholder 12">
             <a:extLst>
               <a:ext uri="{FF2B5EF4-FFF2-40B4-BE49-F238E27FC236}">
-                <a16:creationId xmlns:a16="http://schemas.microsoft.com/office/drawing/2014/main" xmlns="" id="{231B97CF-FD24-4932-8459-893B1AC73D33}"/>
+                <a16:creationId xmlns="" xmlns:a16="http://schemas.microsoft.com/office/drawing/2014/main" id="{231B97CF-FD24-4932-8459-893B1AC73D33}"/>
               </a:ext>
             </a:extLst>
           </p:cNvPr>
@@ -7983,7 +7983,7 @@
           <p:cNvPr id="11" name="Rectangle 10">
             <a:extLst>
               <a:ext uri="{FF2B5EF4-FFF2-40B4-BE49-F238E27FC236}">
-                <a16:creationId xmlns:a16="http://schemas.microsoft.com/office/drawing/2014/main" xmlns="" id="{EB3E033F-4449-40FA-BC85-BD2712D313DD}"/>
+                <a16:creationId xmlns="" xmlns:a16="http://schemas.microsoft.com/office/drawing/2014/main" id="{EB3E033F-4449-40FA-BC85-BD2712D313DD}"/>
               </a:ext>
             </a:extLst>
           </p:cNvPr>
@@ -8037,7 +8037,7 @@
           <p:cNvPr id="10" name="Freeform: Shape 9">
             <a:extLst>
               <a:ext uri="{FF2B5EF4-FFF2-40B4-BE49-F238E27FC236}">
-                <a16:creationId xmlns:a16="http://schemas.microsoft.com/office/drawing/2014/main" xmlns="" id="{63D26743-0505-444C-80B3-E88EE87DF72B}"/>
+                <a16:creationId xmlns="" xmlns:a16="http://schemas.microsoft.com/office/drawing/2014/main" id="{63D26743-0505-444C-80B3-E88EE87DF72B}"/>
               </a:ext>
             </a:extLst>
           </p:cNvPr>
@@ -8160,7 +8160,7 @@
           <p:cNvPr id="18" name="Freeform: Shape 17">
             <a:extLst>
               <a:ext uri="{FF2B5EF4-FFF2-40B4-BE49-F238E27FC236}">
-                <a16:creationId xmlns:a16="http://schemas.microsoft.com/office/drawing/2014/main" xmlns="" id="{E37145E9-AC61-47D5-9288-8789940F81B6}"/>
+                <a16:creationId xmlns="" xmlns:a16="http://schemas.microsoft.com/office/drawing/2014/main" id="{E37145E9-AC61-47D5-9288-8789940F81B6}"/>
               </a:ext>
             </a:extLst>
           </p:cNvPr>
@@ -8312,7 +8312,7 @@
           <p:cNvPr id="12" name="Freeform: Shape 11">
             <a:extLst>
               <a:ext uri="{FF2B5EF4-FFF2-40B4-BE49-F238E27FC236}">
-                <a16:creationId xmlns:a16="http://schemas.microsoft.com/office/drawing/2014/main" xmlns="" id="{A5E2B3ED-9A49-40A7-B8A3-62595FE513F9}"/>
+                <a16:creationId xmlns="" xmlns:a16="http://schemas.microsoft.com/office/drawing/2014/main" id="{A5E2B3ED-9A49-40A7-B8A3-62595FE513F9}"/>
               </a:ext>
             </a:extLst>
           </p:cNvPr>
@@ -8462,7 +8462,7 @@
           <p:cNvPr id="8" name="Freeform: Shape 7">
             <a:extLst>
               <a:ext uri="{FF2B5EF4-FFF2-40B4-BE49-F238E27FC236}">
-                <a16:creationId xmlns:a16="http://schemas.microsoft.com/office/drawing/2014/main" xmlns="" id="{1599AF7E-3E34-4597-AA72-9373A7FDB020}"/>
+                <a16:creationId xmlns="" xmlns:a16="http://schemas.microsoft.com/office/drawing/2014/main" id="{1599AF7E-3E34-4597-AA72-9373A7FDB020}"/>
               </a:ext>
             </a:extLst>
           </p:cNvPr>
@@ -8608,7 +8608,7 @@
           <p:cNvPr id="2" name="Title 1">
             <a:extLst>
               <a:ext uri="{FF2B5EF4-FFF2-40B4-BE49-F238E27FC236}">
-                <a16:creationId xmlns:a16="http://schemas.microsoft.com/office/drawing/2014/main" xmlns="" id="{4A2DF563-7FAC-46B3-B24C-7E45CD89DA2B}"/>
+                <a16:creationId xmlns="" xmlns:a16="http://schemas.microsoft.com/office/drawing/2014/main" id="{4A2DF563-7FAC-46B3-B24C-7E45CD89DA2B}"/>
               </a:ext>
             </a:extLst>
           </p:cNvPr>
@@ -8654,7 +8654,7 @@
           <p:cNvPr id="15" name="Group 14">
             <a:extLst>
               <a:ext uri="{FF2B5EF4-FFF2-40B4-BE49-F238E27FC236}">
-                <a16:creationId xmlns:a16="http://schemas.microsoft.com/office/drawing/2014/main" xmlns="" id="{7732E1E7-45E3-4264-8F26-66758696DD1E}"/>
+                <a16:creationId xmlns="" xmlns:a16="http://schemas.microsoft.com/office/drawing/2014/main" id="{7732E1E7-45E3-4264-8F26-66758696DD1E}"/>
               </a:ext>
             </a:extLst>
           </p:cNvPr>
@@ -8674,7 +8674,7 @@
             <p:cNvPr id="16" name="Freeform: Shape 15">
               <a:extLst>
                 <a:ext uri="{FF2B5EF4-FFF2-40B4-BE49-F238E27FC236}">
-                  <a16:creationId xmlns:a16="http://schemas.microsoft.com/office/drawing/2014/main" xmlns="" id="{2E3DF883-8093-49FA-81E1-E5D77F086A25}"/>
+                  <a16:creationId xmlns="" xmlns:a16="http://schemas.microsoft.com/office/drawing/2014/main" id="{2E3DF883-8093-49FA-81E1-E5D77F086A25}"/>
                 </a:ext>
               </a:extLst>
             </p:cNvPr>
@@ -8764,7 +8764,7 @@
             <p:cNvPr id="17" name="Freeform: Shape 16">
               <a:extLst>
                 <a:ext uri="{FF2B5EF4-FFF2-40B4-BE49-F238E27FC236}">
-                  <a16:creationId xmlns:a16="http://schemas.microsoft.com/office/drawing/2014/main" xmlns="" id="{18944C90-37E5-4BBE-89FF-060627168050}"/>
+                  <a16:creationId xmlns="" xmlns:a16="http://schemas.microsoft.com/office/drawing/2014/main" id="{18944C90-37E5-4BBE-89FF-060627168050}"/>
                 </a:ext>
               </a:extLst>
             </p:cNvPr>
@@ -8863,7 +8863,7 @@
           <p:cNvPr id="6" name="Group 5">
             <a:extLst>
               <a:ext uri="{FF2B5EF4-FFF2-40B4-BE49-F238E27FC236}">
-                <a16:creationId xmlns:a16="http://schemas.microsoft.com/office/drawing/2014/main" xmlns="" id="{D9EBF8BB-A805-4DDB-B459-082F99815B95}"/>
+                <a16:creationId xmlns="" xmlns:a16="http://schemas.microsoft.com/office/drawing/2014/main" id="{D9EBF8BB-A805-4DDB-B459-082F99815B95}"/>
               </a:ext>
             </a:extLst>
           </p:cNvPr>
@@ -8883,7 +8883,7 @@
             <p:cNvPr id="19" name="Rectangle: Single Corner Snipped 18">
               <a:extLst>
                 <a:ext uri="{FF2B5EF4-FFF2-40B4-BE49-F238E27FC236}">
-                  <a16:creationId xmlns:a16="http://schemas.microsoft.com/office/drawing/2014/main" xmlns="" id="{5D638788-DD47-45E7-939A-FA108A818173}"/>
+                  <a16:creationId xmlns="" xmlns:a16="http://schemas.microsoft.com/office/drawing/2014/main" id="{5D638788-DD47-45E7-939A-FA108A818173}"/>
                 </a:ext>
               </a:extLst>
             </p:cNvPr>
@@ -8944,7 +8944,7 @@
             <p:cNvPr id="3" name="Rectangle: Single Corner Snipped 2">
               <a:extLst>
                 <a:ext uri="{FF2B5EF4-FFF2-40B4-BE49-F238E27FC236}">
-                  <a16:creationId xmlns:a16="http://schemas.microsoft.com/office/drawing/2014/main" xmlns="" id="{74BDECEF-EEFE-4332-B3B2-BDE4F82C10FC}"/>
+                  <a16:creationId xmlns="" xmlns:a16="http://schemas.microsoft.com/office/drawing/2014/main" id="{74BDECEF-EEFE-4332-B3B2-BDE4F82C10FC}"/>
                 </a:ext>
               </a:extLst>
             </p:cNvPr>
@@ -9001,7 +9001,7 @@
           <p:cNvPr id="35" name="Freeform: Shape 34">
             <a:extLst>
               <a:ext uri="{FF2B5EF4-FFF2-40B4-BE49-F238E27FC236}">
-                <a16:creationId xmlns:a16="http://schemas.microsoft.com/office/drawing/2014/main" xmlns="" id="{62EEBF51-DCAD-4335-85E9-52801031A1BF}"/>
+                <a16:creationId xmlns="" xmlns:a16="http://schemas.microsoft.com/office/drawing/2014/main" id="{62EEBF51-DCAD-4335-85E9-52801031A1BF}"/>
               </a:ext>
             </a:extLst>
           </p:cNvPr>
@@ -9096,7 +9096,7 @@
           <p:cNvPr id="5" name="Slide Number Placeholder 4">
             <a:extLst>
               <a:ext uri="{FF2B5EF4-FFF2-40B4-BE49-F238E27FC236}">
-                <a16:creationId xmlns:a16="http://schemas.microsoft.com/office/drawing/2014/main" xmlns="" id="{87B51822-97FF-47A7-8E4E-A0F79B4EB237}"/>
+                <a16:creationId xmlns="" xmlns:a16="http://schemas.microsoft.com/office/drawing/2014/main" id="{87B51822-97FF-47A7-8E4E-A0F79B4EB237}"/>
               </a:ext>
             </a:extLst>
           </p:cNvPr>
@@ -9141,7 +9141,7 @@
           <p:cNvPr id="20" name="Picture Placeholder 2">
             <a:extLst>
               <a:ext uri="{FF2B5EF4-FFF2-40B4-BE49-F238E27FC236}">
-                <a16:creationId xmlns:a16="http://schemas.microsoft.com/office/drawing/2014/main" xmlns="" id="{30B3A574-7940-4E35-857E-5CA35A5910E5}"/>
+                <a16:creationId xmlns="" xmlns:a16="http://schemas.microsoft.com/office/drawing/2014/main" id="{30B3A574-7940-4E35-857E-5CA35A5910E5}"/>
               </a:ext>
             </a:extLst>
           </p:cNvPr>
@@ -9219,7 +9219,7 @@
           <p:cNvPr id="21" name="Text Placeholder 3">
             <a:extLst>
               <a:ext uri="{FF2B5EF4-FFF2-40B4-BE49-F238E27FC236}">
-                <a16:creationId xmlns:a16="http://schemas.microsoft.com/office/drawing/2014/main" xmlns="" id="{912B51EA-3E6F-4BF6-BE48-62128AF32B85}"/>
+                <a16:creationId xmlns="" xmlns:a16="http://schemas.microsoft.com/office/drawing/2014/main" id="{912B51EA-3E6F-4BF6-BE48-62128AF32B85}"/>
               </a:ext>
             </a:extLst>
           </p:cNvPr>
@@ -9336,7 +9336,7 @@
           <p:cNvPr id="11" name="Rectangle 10">
             <a:extLst>
               <a:ext uri="{FF2B5EF4-FFF2-40B4-BE49-F238E27FC236}">
-                <a16:creationId xmlns:a16="http://schemas.microsoft.com/office/drawing/2014/main" xmlns="" id="{EB3E033F-4449-40FA-BC85-BD2712D313DD}"/>
+                <a16:creationId xmlns="" xmlns:a16="http://schemas.microsoft.com/office/drawing/2014/main" id="{EB3E033F-4449-40FA-BC85-BD2712D313DD}"/>
               </a:ext>
             </a:extLst>
           </p:cNvPr>
@@ -9390,7 +9390,7 @@
           <p:cNvPr id="10" name="Freeform: Shape 9">
             <a:extLst>
               <a:ext uri="{FF2B5EF4-FFF2-40B4-BE49-F238E27FC236}">
-                <a16:creationId xmlns:a16="http://schemas.microsoft.com/office/drawing/2014/main" xmlns="" id="{63D26743-0505-444C-80B3-E88EE87DF72B}"/>
+                <a16:creationId xmlns="" xmlns:a16="http://schemas.microsoft.com/office/drawing/2014/main" id="{63D26743-0505-444C-80B3-E88EE87DF72B}"/>
               </a:ext>
             </a:extLst>
           </p:cNvPr>
@@ -9513,7 +9513,7 @@
           <p:cNvPr id="18" name="Freeform: Shape 17">
             <a:extLst>
               <a:ext uri="{FF2B5EF4-FFF2-40B4-BE49-F238E27FC236}">
-                <a16:creationId xmlns:a16="http://schemas.microsoft.com/office/drawing/2014/main" xmlns="" id="{E37145E9-AC61-47D5-9288-8789940F81B6}"/>
+                <a16:creationId xmlns="" xmlns:a16="http://schemas.microsoft.com/office/drawing/2014/main" id="{E37145E9-AC61-47D5-9288-8789940F81B6}"/>
               </a:ext>
             </a:extLst>
           </p:cNvPr>
@@ -9665,7 +9665,7 @@
           <p:cNvPr id="12" name="Freeform: Shape 11">
             <a:extLst>
               <a:ext uri="{FF2B5EF4-FFF2-40B4-BE49-F238E27FC236}">
-                <a16:creationId xmlns:a16="http://schemas.microsoft.com/office/drawing/2014/main" xmlns="" id="{A5E2B3ED-9A49-40A7-B8A3-62595FE513F9}"/>
+                <a16:creationId xmlns="" xmlns:a16="http://schemas.microsoft.com/office/drawing/2014/main" id="{A5E2B3ED-9A49-40A7-B8A3-62595FE513F9}"/>
               </a:ext>
             </a:extLst>
           </p:cNvPr>
@@ -9815,7 +9815,7 @@
           <p:cNvPr id="8" name="Freeform: Shape 7">
             <a:extLst>
               <a:ext uri="{FF2B5EF4-FFF2-40B4-BE49-F238E27FC236}">
-                <a16:creationId xmlns:a16="http://schemas.microsoft.com/office/drawing/2014/main" xmlns="" id="{1599AF7E-3E34-4597-AA72-9373A7FDB020}"/>
+                <a16:creationId xmlns="" xmlns:a16="http://schemas.microsoft.com/office/drawing/2014/main" id="{1599AF7E-3E34-4597-AA72-9373A7FDB020}"/>
               </a:ext>
             </a:extLst>
           </p:cNvPr>
@@ -9961,7 +9961,7 @@
           <p:cNvPr id="2" name="Title 1">
             <a:extLst>
               <a:ext uri="{FF2B5EF4-FFF2-40B4-BE49-F238E27FC236}">
-                <a16:creationId xmlns:a16="http://schemas.microsoft.com/office/drawing/2014/main" xmlns="" id="{4A2DF563-7FAC-46B3-B24C-7E45CD89DA2B}"/>
+                <a16:creationId xmlns="" xmlns:a16="http://schemas.microsoft.com/office/drawing/2014/main" id="{4A2DF563-7FAC-46B3-B24C-7E45CD89DA2B}"/>
               </a:ext>
             </a:extLst>
           </p:cNvPr>
@@ -10007,7 +10007,7 @@
           <p:cNvPr id="15" name="Group 14">
             <a:extLst>
               <a:ext uri="{FF2B5EF4-FFF2-40B4-BE49-F238E27FC236}">
-                <a16:creationId xmlns:a16="http://schemas.microsoft.com/office/drawing/2014/main" xmlns="" id="{7732E1E7-45E3-4264-8F26-66758696DD1E}"/>
+                <a16:creationId xmlns="" xmlns:a16="http://schemas.microsoft.com/office/drawing/2014/main" id="{7732E1E7-45E3-4264-8F26-66758696DD1E}"/>
               </a:ext>
             </a:extLst>
           </p:cNvPr>
@@ -10027,7 +10027,7 @@
             <p:cNvPr id="16" name="Freeform: Shape 15">
               <a:extLst>
                 <a:ext uri="{FF2B5EF4-FFF2-40B4-BE49-F238E27FC236}">
-                  <a16:creationId xmlns:a16="http://schemas.microsoft.com/office/drawing/2014/main" xmlns="" id="{2E3DF883-8093-49FA-81E1-E5D77F086A25}"/>
+                  <a16:creationId xmlns="" xmlns:a16="http://schemas.microsoft.com/office/drawing/2014/main" id="{2E3DF883-8093-49FA-81E1-E5D77F086A25}"/>
                 </a:ext>
               </a:extLst>
             </p:cNvPr>
@@ -10117,7 +10117,7 @@
             <p:cNvPr id="17" name="Freeform: Shape 16">
               <a:extLst>
                 <a:ext uri="{FF2B5EF4-FFF2-40B4-BE49-F238E27FC236}">
-                  <a16:creationId xmlns:a16="http://schemas.microsoft.com/office/drawing/2014/main" xmlns="" id="{18944C90-37E5-4BBE-89FF-060627168050}"/>
+                  <a16:creationId xmlns="" xmlns:a16="http://schemas.microsoft.com/office/drawing/2014/main" id="{18944C90-37E5-4BBE-89FF-060627168050}"/>
                 </a:ext>
               </a:extLst>
             </p:cNvPr>
@@ -10216,7 +10216,7 @@
           <p:cNvPr id="6" name="Group 5">
             <a:extLst>
               <a:ext uri="{FF2B5EF4-FFF2-40B4-BE49-F238E27FC236}">
-                <a16:creationId xmlns:a16="http://schemas.microsoft.com/office/drawing/2014/main" xmlns="" id="{D9EBF8BB-A805-4DDB-B459-082F99815B95}"/>
+                <a16:creationId xmlns="" xmlns:a16="http://schemas.microsoft.com/office/drawing/2014/main" id="{D9EBF8BB-A805-4DDB-B459-082F99815B95}"/>
               </a:ext>
             </a:extLst>
           </p:cNvPr>
@@ -10236,7 +10236,7 @@
             <p:cNvPr id="19" name="Rectangle: Single Corner Snipped 18">
               <a:extLst>
                 <a:ext uri="{FF2B5EF4-FFF2-40B4-BE49-F238E27FC236}">
-                  <a16:creationId xmlns:a16="http://schemas.microsoft.com/office/drawing/2014/main" xmlns="" id="{5D638788-DD47-45E7-939A-FA108A818173}"/>
+                  <a16:creationId xmlns="" xmlns:a16="http://schemas.microsoft.com/office/drawing/2014/main" id="{5D638788-DD47-45E7-939A-FA108A818173}"/>
                 </a:ext>
               </a:extLst>
             </p:cNvPr>
@@ -10297,7 +10297,7 @@
             <p:cNvPr id="3" name="Rectangle: Single Corner Snipped 2">
               <a:extLst>
                 <a:ext uri="{FF2B5EF4-FFF2-40B4-BE49-F238E27FC236}">
-                  <a16:creationId xmlns:a16="http://schemas.microsoft.com/office/drawing/2014/main" xmlns="" id="{74BDECEF-EEFE-4332-B3B2-BDE4F82C10FC}"/>
+                  <a16:creationId xmlns="" xmlns:a16="http://schemas.microsoft.com/office/drawing/2014/main" id="{74BDECEF-EEFE-4332-B3B2-BDE4F82C10FC}"/>
                 </a:ext>
               </a:extLst>
             </p:cNvPr>
@@ -10354,7 +10354,7 @@
           <p:cNvPr id="35" name="Freeform: Shape 34">
             <a:extLst>
               <a:ext uri="{FF2B5EF4-FFF2-40B4-BE49-F238E27FC236}">
-                <a16:creationId xmlns:a16="http://schemas.microsoft.com/office/drawing/2014/main" xmlns="" id="{62EEBF51-DCAD-4335-85E9-52801031A1BF}"/>
+                <a16:creationId xmlns="" xmlns:a16="http://schemas.microsoft.com/office/drawing/2014/main" id="{62EEBF51-DCAD-4335-85E9-52801031A1BF}"/>
               </a:ext>
             </a:extLst>
           </p:cNvPr>
@@ -10449,7 +10449,7 @@
           <p:cNvPr id="5" name="Slide Number Placeholder 4">
             <a:extLst>
               <a:ext uri="{FF2B5EF4-FFF2-40B4-BE49-F238E27FC236}">
-                <a16:creationId xmlns:a16="http://schemas.microsoft.com/office/drawing/2014/main" xmlns="" id="{87B51822-97FF-47A7-8E4E-A0F79B4EB237}"/>
+                <a16:creationId xmlns="" xmlns:a16="http://schemas.microsoft.com/office/drawing/2014/main" id="{87B51822-97FF-47A7-8E4E-A0F79B4EB237}"/>
               </a:ext>
             </a:extLst>
           </p:cNvPr>
@@ -10494,7 +10494,7 @@
           <p:cNvPr id="21" name="Text Placeholder 3">
             <a:extLst>
               <a:ext uri="{FF2B5EF4-FFF2-40B4-BE49-F238E27FC236}">
-                <a16:creationId xmlns:a16="http://schemas.microsoft.com/office/drawing/2014/main" xmlns="" id="{912B51EA-3E6F-4BF6-BE48-62128AF32B85}"/>
+                <a16:creationId xmlns="" xmlns:a16="http://schemas.microsoft.com/office/drawing/2014/main" id="{912B51EA-3E6F-4BF6-BE48-62128AF32B85}"/>
               </a:ext>
             </a:extLst>
           </p:cNvPr>
@@ -10570,7 +10570,7 @@
           <p:cNvPr id="22" name="Content Placeholder 2">
             <a:extLst>
               <a:ext uri="{FF2B5EF4-FFF2-40B4-BE49-F238E27FC236}">
-                <a16:creationId xmlns:a16="http://schemas.microsoft.com/office/drawing/2014/main" xmlns="" id="{A015C605-1D30-48BC-A0D6-3B11AF56CC53}"/>
+                <a16:creationId xmlns="" xmlns:a16="http://schemas.microsoft.com/office/drawing/2014/main" id="{A015C605-1D30-48BC-A0D6-3B11AF56CC53}"/>
               </a:ext>
             </a:extLst>
           </p:cNvPr>
@@ -10715,7 +10715,7 @@
           <p:cNvPr id="18" name="Rectangle 17">
             <a:extLst>
               <a:ext uri="{FF2B5EF4-FFF2-40B4-BE49-F238E27FC236}">
-                <a16:creationId xmlns:a16="http://schemas.microsoft.com/office/drawing/2014/main" xmlns="" id="{D4494CD2-CCDD-0248-96F8-741002C44255}"/>
+                <a16:creationId xmlns="" xmlns:a16="http://schemas.microsoft.com/office/drawing/2014/main" id="{D4494CD2-CCDD-0248-96F8-741002C44255}"/>
               </a:ext>
             </a:extLst>
           </p:cNvPr>
@@ -10769,7 +10769,7 @@
           <p:cNvPr id="19" name="Freeform: Shape 9">
             <a:extLst>
               <a:ext uri="{FF2B5EF4-FFF2-40B4-BE49-F238E27FC236}">
-                <a16:creationId xmlns:a16="http://schemas.microsoft.com/office/drawing/2014/main" xmlns="" id="{07077B00-C1EE-7241-B441-7814F92A7EDF}"/>
+                <a16:creationId xmlns="" xmlns:a16="http://schemas.microsoft.com/office/drawing/2014/main" id="{07077B00-C1EE-7241-B441-7814F92A7EDF}"/>
               </a:ext>
             </a:extLst>
           </p:cNvPr>
@@ -10892,7 +10892,7 @@
           <p:cNvPr id="20" name="Freeform: Shape 17">
             <a:extLst>
               <a:ext uri="{FF2B5EF4-FFF2-40B4-BE49-F238E27FC236}">
-                <a16:creationId xmlns:a16="http://schemas.microsoft.com/office/drawing/2014/main" xmlns="" id="{3A1AEBC4-637E-F64C-9192-69AC4BB26D0C}"/>
+                <a16:creationId xmlns="" xmlns:a16="http://schemas.microsoft.com/office/drawing/2014/main" id="{3A1AEBC4-637E-F64C-9192-69AC4BB26D0C}"/>
               </a:ext>
             </a:extLst>
           </p:cNvPr>
@@ -11044,7 +11044,7 @@
           <p:cNvPr id="21" name="Freeform: Shape 11">
             <a:extLst>
               <a:ext uri="{FF2B5EF4-FFF2-40B4-BE49-F238E27FC236}">
-                <a16:creationId xmlns:a16="http://schemas.microsoft.com/office/drawing/2014/main" xmlns="" id="{669A7039-C54C-8E46-9A8B-DDB2547D989C}"/>
+                <a16:creationId xmlns="" xmlns:a16="http://schemas.microsoft.com/office/drawing/2014/main" id="{669A7039-C54C-8E46-9A8B-DDB2547D989C}"/>
               </a:ext>
             </a:extLst>
           </p:cNvPr>
@@ -11194,7 +11194,7 @@
           <p:cNvPr id="22" name="Freeform: Shape 7">
             <a:extLst>
               <a:ext uri="{FF2B5EF4-FFF2-40B4-BE49-F238E27FC236}">
-                <a16:creationId xmlns:a16="http://schemas.microsoft.com/office/drawing/2014/main" xmlns="" id="{4F173B32-87BB-9A40-8C91-4C1EED2B7ABF}"/>
+                <a16:creationId xmlns="" xmlns:a16="http://schemas.microsoft.com/office/drawing/2014/main" id="{4F173B32-87BB-9A40-8C91-4C1EED2B7ABF}"/>
               </a:ext>
             </a:extLst>
           </p:cNvPr>
@@ -11340,7 +11340,7 @@
           <p:cNvPr id="24" name="Group 23">
             <a:extLst>
               <a:ext uri="{FF2B5EF4-FFF2-40B4-BE49-F238E27FC236}">
-                <a16:creationId xmlns:a16="http://schemas.microsoft.com/office/drawing/2014/main" xmlns="" id="{4AC87F4E-12B5-1B42-AFD2-4DB39B7645C9}"/>
+                <a16:creationId xmlns="" xmlns:a16="http://schemas.microsoft.com/office/drawing/2014/main" id="{4AC87F4E-12B5-1B42-AFD2-4DB39B7645C9}"/>
               </a:ext>
             </a:extLst>
           </p:cNvPr>
@@ -11360,7 +11360,7 @@
             <p:cNvPr id="25" name="Freeform: Shape 15">
               <a:extLst>
                 <a:ext uri="{FF2B5EF4-FFF2-40B4-BE49-F238E27FC236}">
-                  <a16:creationId xmlns:a16="http://schemas.microsoft.com/office/drawing/2014/main" xmlns="" id="{03DD8765-59DF-A045-ADB5-E39FAEE153A0}"/>
+                  <a16:creationId xmlns="" xmlns:a16="http://schemas.microsoft.com/office/drawing/2014/main" id="{03DD8765-59DF-A045-ADB5-E39FAEE153A0}"/>
                 </a:ext>
               </a:extLst>
             </p:cNvPr>
@@ -11450,7 +11450,7 @@
             <p:cNvPr id="26" name="Freeform: Shape 16">
               <a:extLst>
                 <a:ext uri="{FF2B5EF4-FFF2-40B4-BE49-F238E27FC236}">
-                  <a16:creationId xmlns:a16="http://schemas.microsoft.com/office/drawing/2014/main" xmlns="" id="{B34B796C-A407-7B4D-B4F0-E58A44FE8DB4}"/>
+                  <a16:creationId xmlns="" xmlns:a16="http://schemas.microsoft.com/office/drawing/2014/main" id="{B34B796C-A407-7B4D-B4F0-E58A44FE8DB4}"/>
                 </a:ext>
               </a:extLst>
             </p:cNvPr>
@@ -11549,7 +11549,7 @@
           <p:cNvPr id="30" name="Freeform: Shape 23">
             <a:extLst>
               <a:ext uri="{FF2B5EF4-FFF2-40B4-BE49-F238E27FC236}">
-                <a16:creationId xmlns:a16="http://schemas.microsoft.com/office/drawing/2014/main" xmlns="" id="{CBE3FDC9-67CB-FA42-B127-A36BFF4678BB}"/>
+                <a16:creationId xmlns="" xmlns:a16="http://schemas.microsoft.com/office/drawing/2014/main" id="{CBE3FDC9-67CB-FA42-B127-A36BFF4678BB}"/>
               </a:ext>
             </a:extLst>
           </p:cNvPr>
@@ -11644,7 +11644,7 @@
           <p:cNvPr id="31" name="Slide Number Placeholder 4">
             <a:extLst>
               <a:ext uri="{FF2B5EF4-FFF2-40B4-BE49-F238E27FC236}">
-                <a16:creationId xmlns:a16="http://schemas.microsoft.com/office/drawing/2014/main" xmlns="" id="{1E902BFF-CA8F-D745-A819-A7BB38B30ED9}"/>
+                <a16:creationId xmlns="" xmlns:a16="http://schemas.microsoft.com/office/drawing/2014/main" id="{1E902BFF-CA8F-D745-A819-A7BB38B30ED9}"/>
               </a:ext>
             </a:extLst>
           </p:cNvPr>
@@ -11722,7 +11722,7 @@
           <p:cNvPr id="21" name="Rectangle 20">
             <a:extLst>
               <a:ext uri="{FF2B5EF4-FFF2-40B4-BE49-F238E27FC236}">
-                <a16:creationId xmlns:a16="http://schemas.microsoft.com/office/drawing/2014/main" xmlns="" id="{6E739168-A5E8-443A-B392-7AD4CF8977AD}"/>
+                <a16:creationId xmlns="" xmlns:a16="http://schemas.microsoft.com/office/drawing/2014/main" id="{6E739168-A5E8-443A-B392-7AD4CF8977AD}"/>
               </a:ext>
             </a:extLst>
           </p:cNvPr>
@@ -11774,7 +11774,7 @@
           <p:cNvPr id="15" name="Freeform: Shape 14">
             <a:extLst>
               <a:ext uri="{FF2B5EF4-FFF2-40B4-BE49-F238E27FC236}">
-                <a16:creationId xmlns:a16="http://schemas.microsoft.com/office/drawing/2014/main" xmlns="" id="{41E10E1E-5268-4F03-BA64-07E19DE26739}"/>
+                <a16:creationId xmlns="" xmlns:a16="http://schemas.microsoft.com/office/drawing/2014/main" id="{41E10E1E-5268-4F03-BA64-07E19DE26739}"/>
               </a:ext>
             </a:extLst>
           </p:cNvPr>
@@ -11911,7 +11911,7 @@
           <p:cNvPr id="16" name="Freeform: Shape 15">
             <a:extLst>
               <a:ext uri="{FF2B5EF4-FFF2-40B4-BE49-F238E27FC236}">
-                <a16:creationId xmlns:a16="http://schemas.microsoft.com/office/drawing/2014/main" xmlns="" id="{B989C45D-BDFF-418F-BE79-03FF70015770}"/>
+                <a16:creationId xmlns="" xmlns:a16="http://schemas.microsoft.com/office/drawing/2014/main" id="{B989C45D-BDFF-418F-BE79-03FF70015770}"/>
               </a:ext>
             </a:extLst>
           </p:cNvPr>
@@ -12075,7 +12075,7 @@
           <p:cNvPr id="20" name="Freeform: Shape 19">
             <a:extLst>
               <a:ext uri="{FF2B5EF4-FFF2-40B4-BE49-F238E27FC236}">
-                <a16:creationId xmlns:a16="http://schemas.microsoft.com/office/drawing/2014/main" xmlns="" id="{0027A677-9ACB-4264-B148-4806678FB83F}"/>
+                <a16:creationId xmlns="" xmlns:a16="http://schemas.microsoft.com/office/drawing/2014/main" id="{0027A677-9ACB-4264-B148-4806678FB83F}"/>
               </a:ext>
             </a:extLst>
           </p:cNvPr>
@@ -12237,7 +12237,7 @@
           <p:cNvPr id="6" name="Group 5">
             <a:extLst>
               <a:ext uri="{FF2B5EF4-FFF2-40B4-BE49-F238E27FC236}">
-                <a16:creationId xmlns:a16="http://schemas.microsoft.com/office/drawing/2014/main" xmlns="" id="{EA7FF9D7-8545-4547-AC77-A0421EEB9B99}"/>
+                <a16:creationId xmlns="" xmlns:a16="http://schemas.microsoft.com/office/drawing/2014/main" id="{EA7FF9D7-8545-4547-AC77-A0421EEB9B99}"/>
               </a:ext>
             </a:extLst>
           </p:cNvPr>
@@ -12257,7 +12257,7 @@
             <p:cNvPr id="17" name="Right Triangle 16">
               <a:extLst>
                 <a:ext uri="{FF2B5EF4-FFF2-40B4-BE49-F238E27FC236}">
-                  <a16:creationId xmlns:a16="http://schemas.microsoft.com/office/drawing/2014/main" xmlns="" id="{8DCD5806-2A2F-4ABF-8057-245681C498E6}"/>
+                  <a16:creationId xmlns="" xmlns:a16="http://schemas.microsoft.com/office/drawing/2014/main" id="{8DCD5806-2A2F-4ABF-8057-245681C498E6}"/>
                 </a:ext>
               </a:extLst>
             </p:cNvPr>
@@ -12311,7 +12311,7 @@
             <p:cNvPr id="18" name="Right Triangle 17">
               <a:extLst>
                 <a:ext uri="{FF2B5EF4-FFF2-40B4-BE49-F238E27FC236}">
-                  <a16:creationId xmlns:a16="http://schemas.microsoft.com/office/drawing/2014/main" xmlns="" id="{3A93038F-E9E4-4FFD-B3DF-28DB7C2C1490}"/>
+                  <a16:creationId xmlns="" xmlns:a16="http://schemas.microsoft.com/office/drawing/2014/main" id="{3A93038F-E9E4-4FFD-B3DF-28DB7C2C1490}"/>
                 </a:ext>
               </a:extLst>
             </p:cNvPr>
@@ -12368,7 +12368,7 @@
             <p:cNvPr id="19" name="Right Triangle 18">
               <a:extLst>
                 <a:ext uri="{FF2B5EF4-FFF2-40B4-BE49-F238E27FC236}">
-                  <a16:creationId xmlns:a16="http://schemas.microsoft.com/office/drawing/2014/main" xmlns="" id="{5DEA1E02-BBD0-4AE3-AF22-433B90272178}"/>
+                  <a16:creationId xmlns="" xmlns:a16="http://schemas.microsoft.com/office/drawing/2014/main" id="{5DEA1E02-BBD0-4AE3-AF22-433B90272178}"/>
                 </a:ext>
               </a:extLst>
             </p:cNvPr>
@@ -12423,7 +12423,7 @@
           <p:cNvPr id="2" name="Title 1">
             <a:extLst>
               <a:ext uri="{FF2B5EF4-FFF2-40B4-BE49-F238E27FC236}">
-                <a16:creationId xmlns:a16="http://schemas.microsoft.com/office/drawing/2014/main" xmlns="" id="{9E597736-C478-4C26-9BAF-205FE31E977C}"/>
+                <a16:creationId xmlns="" xmlns:a16="http://schemas.microsoft.com/office/drawing/2014/main" id="{9E597736-C478-4C26-9BAF-205FE31E977C}"/>
               </a:ext>
             </a:extLst>
           </p:cNvPr>
@@ -12503,7 +12503,7 @@
           <p:cNvPr id="21" name="Rectangle 20">
             <a:extLst>
               <a:ext uri="{FF2B5EF4-FFF2-40B4-BE49-F238E27FC236}">
-                <a16:creationId xmlns:a16="http://schemas.microsoft.com/office/drawing/2014/main" xmlns="" id="{6E739168-A5E8-443A-B392-7AD4CF8977AD}"/>
+                <a16:creationId xmlns="" xmlns:a16="http://schemas.microsoft.com/office/drawing/2014/main" id="{6E739168-A5E8-443A-B392-7AD4CF8977AD}"/>
               </a:ext>
             </a:extLst>
           </p:cNvPr>
@@ -12555,7 +12555,7 @@
           <p:cNvPr id="15" name="Freeform: Shape 14">
             <a:extLst>
               <a:ext uri="{FF2B5EF4-FFF2-40B4-BE49-F238E27FC236}">
-                <a16:creationId xmlns:a16="http://schemas.microsoft.com/office/drawing/2014/main" xmlns="" id="{41E10E1E-5268-4F03-BA64-07E19DE26739}"/>
+                <a16:creationId xmlns="" xmlns:a16="http://schemas.microsoft.com/office/drawing/2014/main" id="{41E10E1E-5268-4F03-BA64-07E19DE26739}"/>
               </a:ext>
             </a:extLst>
           </p:cNvPr>
@@ -12692,7 +12692,7 @@
           <p:cNvPr id="16" name="Freeform: Shape 15">
             <a:extLst>
               <a:ext uri="{FF2B5EF4-FFF2-40B4-BE49-F238E27FC236}">
-                <a16:creationId xmlns:a16="http://schemas.microsoft.com/office/drawing/2014/main" xmlns="" id="{B989C45D-BDFF-418F-BE79-03FF70015770}"/>
+                <a16:creationId xmlns="" xmlns:a16="http://schemas.microsoft.com/office/drawing/2014/main" id="{B989C45D-BDFF-418F-BE79-03FF70015770}"/>
               </a:ext>
             </a:extLst>
           </p:cNvPr>
@@ -12856,7 +12856,7 @@
           <p:cNvPr id="20" name="Freeform: Shape 19">
             <a:extLst>
               <a:ext uri="{FF2B5EF4-FFF2-40B4-BE49-F238E27FC236}">
-                <a16:creationId xmlns:a16="http://schemas.microsoft.com/office/drawing/2014/main" xmlns="" id="{0027A677-9ACB-4264-B148-4806678FB83F}"/>
+                <a16:creationId xmlns="" xmlns:a16="http://schemas.microsoft.com/office/drawing/2014/main" id="{0027A677-9ACB-4264-B148-4806678FB83F}"/>
               </a:ext>
             </a:extLst>
           </p:cNvPr>
@@ -13018,7 +13018,7 @@
           <p:cNvPr id="2" name="Title 1">
             <a:extLst>
               <a:ext uri="{FF2B5EF4-FFF2-40B4-BE49-F238E27FC236}">
-                <a16:creationId xmlns:a16="http://schemas.microsoft.com/office/drawing/2014/main" xmlns="" id="{9E597736-C478-4C26-9BAF-205FE31E977C}"/>
+                <a16:creationId xmlns="" xmlns:a16="http://schemas.microsoft.com/office/drawing/2014/main" id="{9E597736-C478-4C26-9BAF-205FE31E977C}"/>
               </a:ext>
             </a:extLst>
           </p:cNvPr>
@@ -13065,7 +13065,7 @@
           <p:cNvPr id="35" name="Freeform: Shape 34">
             <a:extLst>
               <a:ext uri="{FF2B5EF4-FFF2-40B4-BE49-F238E27FC236}">
-                <a16:creationId xmlns:a16="http://schemas.microsoft.com/office/drawing/2014/main" xmlns="" id="{C024DCDB-C6BF-455E-AAB8-EAF9DAB302A1}"/>
+                <a16:creationId xmlns="" xmlns:a16="http://schemas.microsoft.com/office/drawing/2014/main" id="{C024DCDB-C6BF-455E-AAB8-EAF9DAB302A1}"/>
               </a:ext>
             </a:extLst>
           </p:cNvPr>
@@ -13173,7 +13173,7 @@
           <p:cNvPr id="32" name="Freeform: Shape 31">
             <a:extLst>
               <a:ext uri="{FF2B5EF4-FFF2-40B4-BE49-F238E27FC236}">
-                <a16:creationId xmlns:a16="http://schemas.microsoft.com/office/drawing/2014/main" xmlns="" id="{26AFB47A-5D51-4F9C-B01B-977CE5E3C093}"/>
+                <a16:creationId xmlns="" xmlns:a16="http://schemas.microsoft.com/office/drawing/2014/main" id="{26AFB47A-5D51-4F9C-B01B-977CE5E3C093}"/>
               </a:ext>
             </a:extLst>
           </p:cNvPr>
@@ -13289,7 +13289,7 @@
           <p:cNvPr id="30" name="Freeform: Shape 29">
             <a:extLst>
               <a:ext uri="{FF2B5EF4-FFF2-40B4-BE49-F238E27FC236}">
-                <a16:creationId xmlns:a16="http://schemas.microsoft.com/office/drawing/2014/main" xmlns="" id="{6997A4FF-7390-4173-8ACD-6CF7145AACEC}"/>
+                <a16:creationId xmlns="" xmlns:a16="http://schemas.microsoft.com/office/drawing/2014/main" id="{6997A4FF-7390-4173-8ACD-6CF7145AACEC}"/>
               </a:ext>
             </a:extLst>
           </p:cNvPr>
@@ -13431,7 +13431,7 @@
           <p:cNvPr id="7" name="Rectangle 6">
             <a:extLst>
               <a:ext uri="{FF2B5EF4-FFF2-40B4-BE49-F238E27FC236}">
-                <a16:creationId xmlns:a16="http://schemas.microsoft.com/office/drawing/2014/main" xmlns="" id="{B2838D16-809E-4EB1-8C0C-0E63D8139112}"/>
+                <a16:creationId xmlns="" xmlns:a16="http://schemas.microsoft.com/office/drawing/2014/main" id="{B2838D16-809E-4EB1-8C0C-0E63D8139112}"/>
               </a:ext>
             </a:extLst>
           </p:cNvPr>
@@ -13483,7 +13483,7 @@
           <p:cNvPr id="8" name="Freeform: Shape 7">
             <a:extLst>
               <a:ext uri="{FF2B5EF4-FFF2-40B4-BE49-F238E27FC236}">
-                <a16:creationId xmlns:a16="http://schemas.microsoft.com/office/drawing/2014/main" xmlns="" id="{01FEB333-94B4-4E53-9019-D584810903BB}"/>
+                <a16:creationId xmlns="" xmlns:a16="http://schemas.microsoft.com/office/drawing/2014/main" id="{01FEB333-94B4-4E53-9019-D584810903BB}"/>
               </a:ext>
             </a:extLst>
           </p:cNvPr>
@@ -13604,7 +13604,7 @@
           <p:cNvPr id="9" name="Freeform: Shape 8">
             <a:extLst>
               <a:ext uri="{FF2B5EF4-FFF2-40B4-BE49-F238E27FC236}">
-                <a16:creationId xmlns:a16="http://schemas.microsoft.com/office/drawing/2014/main" xmlns="" id="{A59B9489-0CD9-4DB7-AC82-6E7867F91403}"/>
+                <a16:creationId xmlns="" xmlns:a16="http://schemas.microsoft.com/office/drawing/2014/main" id="{A59B9489-0CD9-4DB7-AC82-6E7867F91403}"/>
               </a:ext>
             </a:extLst>
           </p:cNvPr>
@@ -13744,7 +13744,7 @@
           <p:cNvPr id="10" name="Right Triangle 9">
             <a:extLst>
               <a:ext uri="{FF2B5EF4-FFF2-40B4-BE49-F238E27FC236}">
-                <a16:creationId xmlns:a16="http://schemas.microsoft.com/office/drawing/2014/main" xmlns="" id="{A55D1C76-C591-4FA5-9780-87AB6B37C0FA}"/>
+                <a16:creationId xmlns="" xmlns:a16="http://schemas.microsoft.com/office/drawing/2014/main" id="{A55D1C76-C591-4FA5-9780-87AB6B37C0FA}"/>
               </a:ext>
             </a:extLst>
           </p:cNvPr>
@@ -13798,7 +13798,7 @@
           <p:cNvPr id="11" name="Freeform: Shape 10">
             <a:extLst>
               <a:ext uri="{FF2B5EF4-FFF2-40B4-BE49-F238E27FC236}">
-                <a16:creationId xmlns:a16="http://schemas.microsoft.com/office/drawing/2014/main" xmlns="" id="{A7DC1D12-670F-4235-8791-FA8C2B330871}"/>
+                <a16:creationId xmlns="" xmlns:a16="http://schemas.microsoft.com/office/drawing/2014/main" id="{A7DC1D12-670F-4235-8791-FA8C2B330871}"/>
               </a:ext>
             </a:extLst>
           </p:cNvPr>
@@ -13944,7 +13944,7 @@
           <p:cNvPr id="12" name="Freeform: Shape 11">
             <a:extLst>
               <a:ext uri="{FF2B5EF4-FFF2-40B4-BE49-F238E27FC236}">
-                <a16:creationId xmlns:a16="http://schemas.microsoft.com/office/drawing/2014/main" xmlns="" id="{859569CF-FDAC-47C4-A0F5-296F7117C398}"/>
+                <a16:creationId xmlns="" xmlns:a16="http://schemas.microsoft.com/office/drawing/2014/main" id="{859569CF-FDAC-47C4-A0F5-296F7117C398}"/>
               </a:ext>
             </a:extLst>
           </p:cNvPr>
@@ -14044,7 +14044,7 @@
           <p:cNvPr id="13" name="Freeform: Shape 12">
             <a:extLst>
               <a:ext uri="{FF2B5EF4-FFF2-40B4-BE49-F238E27FC236}">
-                <a16:creationId xmlns:a16="http://schemas.microsoft.com/office/drawing/2014/main" xmlns="" id="{D68D0C72-2B2C-4C85-A091-157853C71784}"/>
+                <a16:creationId xmlns="" xmlns:a16="http://schemas.microsoft.com/office/drawing/2014/main" id="{D68D0C72-2B2C-4C85-A091-157853C71784}"/>
               </a:ext>
             </a:extLst>
           </p:cNvPr>
@@ -14152,7 +14152,7 @@
           <p:cNvPr id="14" name="Freeform: Shape 13">
             <a:extLst>
               <a:ext uri="{FF2B5EF4-FFF2-40B4-BE49-F238E27FC236}">
-                <a16:creationId xmlns:a16="http://schemas.microsoft.com/office/drawing/2014/main" xmlns="" id="{8E25334A-5FE3-4DDA-8D32-4796CCFCAA74}"/>
+                <a16:creationId xmlns="" xmlns:a16="http://schemas.microsoft.com/office/drawing/2014/main" id="{8E25334A-5FE3-4DDA-8D32-4796CCFCAA74}"/>
               </a:ext>
             </a:extLst>
           </p:cNvPr>
@@ -14244,7 +14244,7 @@
           <p:cNvPr id="15" name="Freeform: Shape 14">
             <a:extLst>
               <a:ext uri="{FF2B5EF4-FFF2-40B4-BE49-F238E27FC236}">
-                <a16:creationId xmlns:a16="http://schemas.microsoft.com/office/drawing/2014/main" xmlns="" id="{18818DF1-D7FD-4C0F-875D-7A07E8F75C06}"/>
+                <a16:creationId xmlns="" xmlns:a16="http://schemas.microsoft.com/office/drawing/2014/main" id="{18818DF1-D7FD-4C0F-875D-7A07E8F75C06}"/>
               </a:ext>
             </a:extLst>
           </p:cNvPr>
@@ -14344,7 +14344,7 @@
           <p:cNvPr id="16" name="Group 15">
             <a:extLst>
               <a:ext uri="{FF2B5EF4-FFF2-40B4-BE49-F238E27FC236}">
-                <a16:creationId xmlns:a16="http://schemas.microsoft.com/office/drawing/2014/main" xmlns="" id="{8F9BB384-9E14-4CEA-82C1-21837229D3EF}"/>
+                <a16:creationId xmlns="" xmlns:a16="http://schemas.microsoft.com/office/drawing/2014/main" id="{8F9BB384-9E14-4CEA-82C1-21837229D3EF}"/>
               </a:ext>
             </a:extLst>
           </p:cNvPr>
@@ -14364,7 +14364,7 @@
             <p:cNvPr id="17" name="Freeform: Shape 16">
               <a:extLst>
                 <a:ext uri="{FF2B5EF4-FFF2-40B4-BE49-F238E27FC236}">
-                  <a16:creationId xmlns:a16="http://schemas.microsoft.com/office/drawing/2014/main" xmlns="" id="{0862A81A-959D-4EAB-90ED-DB20759BB397}"/>
+                  <a16:creationId xmlns="" xmlns:a16="http://schemas.microsoft.com/office/drawing/2014/main" id="{0862A81A-959D-4EAB-90ED-DB20759BB397}"/>
                 </a:ext>
               </a:extLst>
             </p:cNvPr>
@@ -14454,7 +14454,7 @@
             <p:cNvPr id="18" name="Freeform: Shape 17">
               <a:extLst>
                 <a:ext uri="{FF2B5EF4-FFF2-40B4-BE49-F238E27FC236}">
-                  <a16:creationId xmlns:a16="http://schemas.microsoft.com/office/drawing/2014/main" xmlns="" id="{AAB9E28C-9422-42BD-AECE-29B44B5D63E2}"/>
+                  <a16:creationId xmlns="" xmlns:a16="http://schemas.microsoft.com/office/drawing/2014/main" id="{AAB9E28C-9422-42BD-AECE-29B44B5D63E2}"/>
                 </a:ext>
               </a:extLst>
             </p:cNvPr>
@@ -14553,7 +14553,7 @@
           <p:cNvPr id="19" name="Group 18">
             <a:extLst>
               <a:ext uri="{FF2B5EF4-FFF2-40B4-BE49-F238E27FC236}">
-                <a16:creationId xmlns:a16="http://schemas.microsoft.com/office/drawing/2014/main" xmlns="" id="{2772239B-C46D-4458-BB4B-DDB12FAB0172}"/>
+                <a16:creationId xmlns="" xmlns:a16="http://schemas.microsoft.com/office/drawing/2014/main" id="{2772239B-C46D-4458-BB4B-DDB12FAB0172}"/>
               </a:ext>
             </a:extLst>
           </p:cNvPr>
@@ -14573,7 +14573,7 @@
             <p:cNvPr id="20" name="Freeform: Shape 19">
               <a:extLst>
                 <a:ext uri="{FF2B5EF4-FFF2-40B4-BE49-F238E27FC236}">
-                  <a16:creationId xmlns:a16="http://schemas.microsoft.com/office/drawing/2014/main" xmlns="" id="{3C8A2A1A-1FB9-4CA1-B74E-B293187E51AA}"/>
+                  <a16:creationId xmlns="" xmlns:a16="http://schemas.microsoft.com/office/drawing/2014/main" id="{3C8A2A1A-1FB9-4CA1-B74E-B293187E51AA}"/>
                 </a:ext>
               </a:extLst>
             </p:cNvPr>
@@ -14663,7 +14663,7 @@
             <p:cNvPr id="21" name="Freeform: Shape 20">
               <a:extLst>
                 <a:ext uri="{FF2B5EF4-FFF2-40B4-BE49-F238E27FC236}">
-                  <a16:creationId xmlns:a16="http://schemas.microsoft.com/office/drawing/2014/main" xmlns="" id="{DF2B18BA-6B43-40FA-A23B-D894D6AB468B}"/>
+                  <a16:creationId xmlns="" xmlns:a16="http://schemas.microsoft.com/office/drawing/2014/main" id="{DF2B18BA-6B43-40FA-A23B-D894D6AB468B}"/>
                 </a:ext>
               </a:extLst>
             </p:cNvPr>
@@ -14762,7 +14762,7 @@
           <p:cNvPr id="3" name="Text Placeholder 2">
             <a:extLst>
               <a:ext uri="{FF2B5EF4-FFF2-40B4-BE49-F238E27FC236}">
-                <a16:creationId xmlns:a16="http://schemas.microsoft.com/office/drawing/2014/main" xmlns="" id="{5E194264-A3F5-42E2-9A63-DCCED0457E1B}"/>
+                <a16:creationId xmlns="" xmlns:a16="http://schemas.microsoft.com/office/drawing/2014/main" id="{5E194264-A3F5-42E2-9A63-DCCED0457E1B}"/>
               </a:ext>
             </a:extLst>
           </p:cNvPr>
@@ -14812,7 +14812,7 @@
           <p:cNvPr id="22" name="Slide Number Placeholder 4">
             <a:extLst>
               <a:ext uri="{FF2B5EF4-FFF2-40B4-BE49-F238E27FC236}">
-                <a16:creationId xmlns:a16="http://schemas.microsoft.com/office/drawing/2014/main" xmlns="" id="{0F332671-6296-47C8-BF26-B2D962F5D03D}"/>
+                <a16:creationId xmlns="" xmlns:a16="http://schemas.microsoft.com/office/drawing/2014/main" id="{0F332671-6296-47C8-BF26-B2D962F5D03D}"/>
               </a:ext>
             </a:extLst>
           </p:cNvPr>
@@ -14857,7 +14857,7 @@
           <p:cNvPr id="23" name="Title 1">
             <a:extLst>
               <a:ext uri="{FF2B5EF4-FFF2-40B4-BE49-F238E27FC236}">
-                <a16:creationId xmlns:a16="http://schemas.microsoft.com/office/drawing/2014/main" xmlns="" id="{7772A652-7229-2B42-B87B-298C31D6F0CB}"/>
+                <a16:creationId xmlns="" xmlns:a16="http://schemas.microsoft.com/office/drawing/2014/main" id="{7772A652-7229-2B42-B87B-298C31D6F0CB}"/>
               </a:ext>
             </a:extLst>
           </p:cNvPr>
@@ -14935,7 +14935,7 @@
           <p:cNvPr id="22" name="Rectangle 21">
             <a:extLst>
               <a:ext uri="{FF2B5EF4-FFF2-40B4-BE49-F238E27FC236}">
-                <a16:creationId xmlns:a16="http://schemas.microsoft.com/office/drawing/2014/main" xmlns="" id="{2CDBB6E5-B91E-4946-9390-E8693855103A}"/>
+                <a16:creationId xmlns="" xmlns:a16="http://schemas.microsoft.com/office/drawing/2014/main" id="{2CDBB6E5-B91E-4946-9390-E8693855103A}"/>
               </a:ext>
             </a:extLst>
           </p:cNvPr>
@@ -14989,7 +14989,7 @@
           <p:cNvPr id="34" name="Freeform: Shape 33">
             <a:extLst>
               <a:ext uri="{FF2B5EF4-FFF2-40B4-BE49-F238E27FC236}">
-                <a16:creationId xmlns:a16="http://schemas.microsoft.com/office/drawing/2014/main" xmlns="" id="{0C3CC1C9-1FA0-4FE4-8984-4A8B3728D674}"/>
+                <a16:creationId xmlns="" xmlns:a16="http://schemas.microsoft.com/office/drawing/2014/main" id="{0C3CC1C9-1FA0-4FE4-8984-4A8B3728D674}"/>
               </a:ext>
             </a:extLst>
           </p:cNvPr>
@@ -15134,7 +15134,7 @@
           <p:cNvPr id="24" name="Freeform: Shape 23">
             <a:extLst>
               <a:ext uri="{FF2B5EF4-FFF2-40B4-BE49-F238E27FC236}">
-                <a16:creationId xmlns:a16="http://schemas.microsoft.com/office/drawing/2014/main" xmlns="" id="{8E049265-431E-48DE-B7F7-4959930171DC}"/>
+                <a16:creationId xmlns="" xmlns:a16="http://schemas.microsoft.com/office/drawing/2014/main" id="{8E049265-431E-48DE-B7F7-4959930171DC}"/>
               </a:ext>
             </a:extLst>
           </p:cNvPr>
@@ -15274,7 +15274,7 @@
           <p:cNvPr id="25" name="Freeform: Shape 24">
             <a:extLst>
               <a:ext uri="{FF2B5EF4-FFF2-40B4-BE49-F238E27FC236}">
-                <a16:creationId xmlns:a16="http://schemas.microsoft.com/office/drawing/2014/main" xmlns="" id="{173E5F2D-1F8E-4DCC-857F-932C6C6539BB}"/>
+                <a16:creationId xmlns="" xmlns:a16="http://schemas.microsoft.com/office/drawing/2014/main" id="{173E5F2D-1F8E-4DCC-857F-932C6C6539BB}"/>
               </a:ext>
             </a:extLst>
           </p:cNvPr>
@@ -15420,7 +15420,7 @@
           <p:cNvPr id="26" name="Group 25">
             <a:extLst>
               <a:ext uri="{FF2B5EF4-FFF2-40B4-BE49-F238E27FC236}">
-                <a16:creationId xmlns:a16="http://schemas.microsoft.com/office/drawing/2014/main" xmlns="" id="{E9318B2B-E019-4078-9EF0-C9D6281AE31B}"/>
+                <a16:creationId xmlns="" xmlns:a16="http://schemas.microsoft.com/office/drawing/2014/main" id="{E9318B2B-E019-4078-9EF0-C9D6281AE31B}"/>
               </a:ext>
             </a:extLst>
           </p:cNvPr>
@@ -15440,7 +15440,7 @@
             <p:cNvPr id="27" name="Freeform: Shape 26">
               <a:extLst>
                 <a:ext uri="{FF2B5EF4-FFF2-40B4-BE49-F238E27FC236}">
-                  <a16:creationId xmlns:a16="http://schemas.microsoft.com/office/drawing/2014/main" xmlns="" id="{D3E625C0-9656-421F-861F-67C8F93362ED}"/>
+                  <a16:creationId xmlns="" xmlns:a16="http://schemas.microsoft.com/office/drawing/2014/main" id="{D3E625C0-9656-421F-861F-67C8F93362ED}"/>
                 </a:ext>
               </a:extLst>
             </p:cNvPr>
@@ -15540,7 +15540,7 @@
             <p:cNvPr id="28" name="Freeform: Shape 27">
               <a:extLst>
                 <a:ext uri="{FF2B5EF4-FFF2-40B4-BE49-F238E27FC236}">
-                  <a16:creationId xmlns:a16="http://schemas.microsoft.com/office/drawing/2014/main" xmlns="" id="{49F8E490-C6E3-4D00-866F-CD85DD88996E}"/>
+                  <a16:creationId xmlns="" xmlns:a16="http://schemas.microsoft.com/office/drawing/2014/main" id="{49F8E490-C6E3-4D00-866F-CD85DD88996E}"/>
                 </a:ext>
               </a:extLst>
             </p:cNvPr>
@@ -15649,7 +15649,7 @@
           <p:cNvPr id="29" name="Freeform: Shape 28">
             <a:extLst>
               <a:ext uri="{FF2B5EF4-FFF2-40B4-BE49-F238E27FC236}">
-                <a16:creationId xmlns:a16="http://schemas.microsoft.com/office/drawing/2014/main" xmlns="" id="{EE8F5B31-1523-46AE-9455-C33DFC1BDDE0}"/>
+                <a16:creationId xmlns="" xmlns:a16="http://schemas.microsoft.com/office/drawing/2014/main" id="{EE8F5B31-1523-46AE-9455-C33DFC1BDDE0}"/>
               </a:ext>
             </a:extLst>
           </p:cNvPr>
@@ -15741,7 +15741,7 @@
           <p:cNvPr id="30" name="Freeform: Shape 29">
             <a:extLst>
               <a:ext uri="{FF2B5EF4-FFF2-40B4-BE49-F238E27FC236}">
-                <a16:creationId xmlns:a16="http://schemas.microsoft.com/office/drawing/2014/main" xmlns="" id="{5D17048F-C2E1-4775-BC32-50BD6219F89D}"/>
+                <a16:creationId xmlns="" xmlns:a16="http://schemas.microsoft.com/office/drawing/2014/main" id="{5D17048F-C2E1-4775-BC32-50BD6219F89D}"/>
               </a:ext>
             </a:extLst>
           </p:cNvPr>
@@ -15841,7 +15841,7 @@
           <p:cNvPr id="31" name="Group 30">
             <a:extLst>
               <a:ext uri="{FF2B5EF4-FFF2-40B4-BE49-F238E27FC236}">
-                <a16:creationId xmlns:a16="http://schemas.microsoft.com/office/drawing/2014/main" xmlns="" id="{EAB002AA-4848-49C8-A834-036F860C79A3}"/>
+                <a16:creationId xmlns="" xmlns:a16="http://schemas.microsoft.com/office/drawing/2014/main" id="{EAB002AA-4848-49C8-A834-036F860C79A3}"/>
               </a:ext>
             </a:extLst>
           </p:cNvPr>
@@ -15861,7 +15861,7 @@
             <p:cNvPr id="32" name="Freeform: Shape 31">
               <a:extLst>
                 <a:ext uri="{FF2B5EF4-FFF2-40B4-BE49-F238E27FC236}">
-                  <a16:creationId xmlns:a16="http://schemas.microsoft.com/office/drawing/2014/main" xmlns="" id="{14B187A8-7F8D-469D-A03B-4F835A5746DE}"/>
+                  <a16:creationId xmlns="" xmlns:a16="http://schemas.microsoft.com/office/drawing/2014/main" id="{14B187A8-7F8D-469D-A03B-4F835A5746DE}"/>
                 </a:ext>
               </a:extLst>
             </p:cNvPr>
@@ -15951,7 +15951,7 @@
             <p:cNvPr id="33" name="Freeform: Shape 32">
               <a:extLst>
                 <a:ext uri="{FF2B5EF4-FFF2-40B4-BE49-F238E27FC236}">
-                  <a16:creationId xmlns:a16="http://schemas.microsoft.com/office/drawing/2014/main" xmlns="" id="{03D871D1-A11A-48FB-82A8-8D61AB5CB85C}"/>
+                  <a16:creationId xmlns="" xmlns:a16="http://schemas.microsoft.com/office/drawing/2014/main" id="{03D871D1-A11A-48FB-82A8-8D61AB5CB85C}"/>
                 </a:ext>
               </a:extLst>
             </p:cNvPr>
@@ -16050,7 +16050,7 @@
           <p:cNvPr id="2" name="Title 1">
             <a:extLst>
               <a:ext uri="{FF2B5EF4-FFF2-40B4-BE49-F238E27FC236}">
-                <a16:creationId xmlns:a16="http://schemas.microsoft.com/office/drawing/2014/main" xmlns="" id="{42374B20-3E42-44AF-BEF1-8AB33067395C}"/>
+                <a16:creationId xmlns="" xmlns:a16="http://schemas.microsoft.com/office/drawing/2014/main" id="{42374B20-3E42-44AF-BEF1-8AB33067395C}"/>
               </a:ext>
             </a:extLst>
           </p:cNvPr>
@@ -16095,7 +16095,7 @@
           <p:cNvPr id="3" name="Text Placeholder 2">
             <a:extLst>
               <a:ext uri="{FF2B5EF4-FFF2-40B4-BE49-F238E27FC236}">
-                <a16:creationId xmlns:a16="http://schemas.microsoft.com/office/drawing/2014/main" xmlns="" id="{5E194264-A3F5-42E2-9A63-DCCED0457E1B}"/>
+                <a16:creationId xmlns="" xmlns:a16="http://schemas.microsoft.com/office/drawing/2014/main" id="{5E194264-A3F5-42E2-9A63-DCCED0457E1B}"/>
               </a:ext>
             </a:extLst>
           </p:cNvPr>
@@ -16145,7 +16145,7 @@
           <p:cNvPr id="35" name="Slide Number Placeholder 4">
             <a:extLst>
               <a:ext uri="{FF2B5EF4-FFF2-40B4-BE49-F238E27FC236}">
-                <a16:creationId xmlns:a16="http://schemas.microsoft.com/office/drawing/2014/main" xmlns="" id="{6F73F836-940E-4B65-A29C-D0869263C935}"/>
+                <a16:creationId xmlns="" xmlns:a16="http://schemas.microsoft.com/office/drawing/2014/main" id="{6F73F836-940E-4B65-A29C-D0869263C935}"/>
               </a:ext>
             </a:extLst>
           </p:cNvPr>
@@ -16223,7 +16223,7 @@
           <p:cNvPr id="22" name="Rectangle 21">
             <a:extLst>
               <a:ext uri="{FF2B5EF4-FFF2-40B4-BE49-F238E27FC236}">
-                <a16:creationId xmlns:a16="http://schemas.microsoft.com/office/drawing/2014/main" xmlns="" id="{2CDBB6E5-B91E-4946-9390-E8693855103A}"/>
+                <a16:creationId xmlns="" xmlns:a16="http://schemas.microsoft.com/office/drawing/2014/main" id="{2CDBB6E5-B91E-4946-9390-E8693855103A}"/>
               </a:ext>
             </a:extLst>
           </p:cNvPr>
@@ -16277,7 +16277,7 @@
           <p:cNvPr id="34" name="Freeform: Shape 33">
             <a:extLst>
               <a:ext uri="{FF2B5EF4-FFF2-40B4-BE49-F238E27FC236}">
-                <a16:creationId xmlns:a16="http://schemas.microsoft.com/office/drawing/2014/main" xmlns="" id="{0C3CC1C9-1FA0-4FE4-8984-4A8B3728D674}"/>
+                <a16:creationId xmlns="" xmlns:a16="http://schemas.microsoft.com/office/drawing/2014/main" id="{0C3CC1C9-1FA0-4FE4-8984-4A8B3728D674}"/>
               </a:ext>
             </a:extLst>
           </p:cNvPr>
@@ -16422,7 +16422,7 @@
           <p:cNvPr id="24" name="Freeform: Shape 23">
             <a:extLst>
               <a:ext uri="{FF2B5EF4-FFF2-40B4-BE49-F238E27FC236}">
-                <a16:creationId xmlns:a16="http://schemas.microsoft.com/office/drawing/2014/main" xmlns="" id="{8E049265-431E-48DE-B7F7-4959930171DC}"/>
+                <a16:creationId xmlns="" xmlns:a16="http://schemas.microsoft.com/office/drawing/2014/main" id="{8E049265-431E-48DE-B7F7-4959930171DC}"/>
               </a:ext>
             </a:extLst>
           </p:cNvPr>
@@ -16562,7 +16562,7 @@
           <p:cNvPr id="25" name="Freeform: Shape 24">
             <a:extLst>
               <a:ext uri="{FF2B5EF4-FFF2-40B4-BE49-F238E27FC236}">
-                <a16:creationId xmlns:a16="http://schemas.microsoft.com/office/drawing/2014/main" xmlns="" id="{173E5F2D-1F8E-4DCC-857F-932C6C6539BB}"/>
+                <a16:creationId xmlns="" xmlns:a16="http://schemas.microsoft.com/office/drawing/2014/main" id="{173E5F2D-1F8E-4DCC-857F-932C6C6539BB}"/>
               </a:ext>
             </a:extLst>
           </p:cNvPr>
@@ -16708,7 +16708,7 @@
           <p:cNvPr id="4" name="Oval 3">
             <a:extLst>
               <a:ext uri="{FF2B5EF4-FFF2-40B4-BE49-F238E27FC236}">
-                <a16:creationId xmlns:a16="http://schemas.microsoft.com/office/drawing/2014/main" xmlns="" id="{ECB4C115-EFF9-405C-98BE-F4077B9730D0}"/>
+                <a16:creationId xmlns="" xmlns:a16="http://schemas.microsoft.com/office/drawing/2014/main" id="{ECB4C115-EFF9-405C-98BE-F4077B9730D0}"/>
               </a:ext>
             </a:extLst>
           </p:cNvPr>
@@ -16766,7 +16766,7 @@
           <p:cNvPr id="18" name="Title 1">
             <a:extLst>
               <a:ext uri="{FF2B5EF4-FFF2-40B4-BE49-F238E27FC236}">
-                <a16:creationId xmlns:a16="http://schemas.microsoft.com/office/drawing/2014/main" xmlns="" id="{C9A300DD-BB54-44ED-A7E4-01CD41EC930F}"/>
+                <a16:creationId xmlns="" xmlns:a16="http://schemas.microsoft.com/office/drawing/2014/main" id="{C9A300DD-BB54-44ED-A7E4-01CD41EC930F}"/>
               </a:ext>
             </a:extLst>
           </p:cNvPr>
@@ -16829,7 +16829,7 @@
           <p:cNvPr id="2" name="Title 1">
             <a:extLst>
               <a:ext uri="{FF2B5EF4-FFF2-40B4-BE49-F238E27FC236}">
-                <a16:creationId xmlns:a16="http://schemas.microsoft.com/office/drawing/2014/main" xmlns="" id="{42374B20-3E42-44AF-BEF1-8AB33067395C}"/>
+                <a16:creationId xmlns="" xmlns:a16="http://schemas.microsoft.com/office/drawing/2014/main" id="{42374B20-3E42-44AF-BEF1-8AB33067395C}"/>
               </a:ext>
             </a:extLst>
           </p:cNvPr>
@@ -16877,7 +16877,7 @@
           <p:cNvPr id="19" name="Slide Number Placeholder 4">
             <a:extLst>
               <a:ext uri="{FF2B5EF4-FFF2-40B4-BE49-F238E27FC236}">
-                <a16:creationId xmlns:a16="http://schemas.microsoft.com/office/drawing/2014/main" xmlns="" id="{A4E6C1FF-5925-42B3-B7F9-0A0031BDAD30}"/>
+                <a16:creationId xmlns="" xmlns:a16="http://schemas.microsoft.com/office/drawing/2014/main" id="{A4E6C1FF-5925-42B3-B7F9-0A0031BDAD30}"/>
               </a:ext>
             </a:extLst>
           </p:cNvPr>
@@ -16963,7 +16963,7 @@
           <p:cNvPr id="11" name="Rectangle 10">
             <a:extLst>
               <a:ext uri="{FF2B5EF4-FFF2-40B4-BE49-F238E27FC236}">
-                <a16:creationId xmlns:a16="http://schemas.microsoft.com/office/drawing/2014/main" xmlns="" id="{EB3E033F-4449-40FA-BC85-BD2712D313DD}"/>
+                <a16:creationId xmlns="" xmlns:a16="http://schemas.microsoft.com/office/drawing/2014/main" id="{EB3E033F-4449-40FA-BC85-BD2712D313DD}"/>
               </a:ext>
             </a:extLst>
           </p:cNvPr>
@@ -17017,7 +17017,7 @@
           <p:cNvPr id="10" name="Freeform: Shape 9">
             <a:extLst>
               <a:ext uri="{FF2B5EF4-FFF2-40B4-BE49-F238E27FC236}">
-                <a16:creationId xmlns:a16="http://schemas.microsoft.com/office/drawing/2014/main" xmlns="" id="{63D26743-0505-444C-80B3-E88EE87DF72B}"/>
+                <a16:creationId xmlns="" xmlns:a16="http://schemas.microsoft.com/office/drawing/2014/main" id="{63D26743-0505-444C-80B3-E88EE87DF72B}"/>
               </a:ext>
             </a:extLst>
           </p:cNvPr>
@@ -17140,7 +17140,7 @@
           <p:cNvPr id="8" name="Freeform: Shape 7">
             <a:extLst>
               <a:ext uri="{FF2B5EF4-FFF2-40B4-BE49-F238E27FC236}">
-                <a16:creationId xmlns:a16="http://schemas.microsoft.com/office/drawing/2014/main" xmlns="" id="{1599AF7E-3E34-4597-AA72-9373A7FDB020}"/>
+                <a16:creationId xmlns="" xmlns:a16="http://schemas.microsoft.com/office/drawing/2014/main" id="{1599AF7E-3E34-4597-AA72-9373A7FDB020}"/>
               </a:ext>
             </a:extLst>
           </p:cNvPr>
@@ -17286,7 +17286,7 @@
           <p:cNvPr id="2" name="Title 1">
             <a:extLst>
               <a:ext uri="{FF2B5EF4-FFF2-40B4-BE49-F238E27FC236}">
-                <a16:creationId xmlns:a16="http://schemas.microsoft.com/office/drawing/2014/main" xmlns="" id="{4A2DF563-7FAC-46B3-B24C-7E45CD89DA2B}"/>
+                <a16:creationId xmlns="" xmlns:a16="http://schemas.microsoft.com/office/drawing/2014/main" id="{4A2DF563-7FAC-46B3-B24C-7E45CD89DA2B}"/>
               </a:ext>
             </a:extLst>
           </p:cNvPr>
@@ -17332,7 +17332,7 @@
           <p:cNvPr id="5" name="Slide Number Placeholder 4">
             <a:extLst>
               <a:ext uri="{FF2B5EF4-FFF2-40B4-BE49-F238E27FC236}">
-                <a16:creationId xmlns:a16="http://schemas.microsoft.com/office/drawing/2014/main" xmlns="" id="{87B51822-97FF-47A7-8E4E-A0F79B4EB237}"/>
+                <a16:creationId xmlns="" xmlns:a16="http://schemas.microsoft.com/office/drawing/2014/main" id="{87B51822-97FF-47A7-8E4E-A0F79B4EB237}"/>
               </a:ext>
             </a:extLst>
           </p:cNvPr>
@@ -17377,7 +17377,7 @@
           <p:cNvPr id="15" name="Group 14">
             <a:extLst>
               <a:ext uri="{FF2B5EF4-FFF2-40B4-BE49-F238E27FC236}">
-                <a16:creationId xmlns:a16="http://schemas.microsoft.com/office/drawing/2014/main" xmlns="" id="{7732E1E7-45E3-4264-8F26-66758696DD1E}"/>
+                <a16:creationId xmlns="" xmlns:a16="http://schemas.microsoft.com/office/drawing/2014/main" id="{7732E1E7-45E3-4264-8F26-66758696DD1E}"/>
               </a:ext>
             </a:extLst>
           </p:cNvPr>
@@ -17397,7 +17397,7 @@
             <p:cNvPr id="16" name="Freeform: Shape 15">
               <a:extLst>
                 <a:ext uri="{FF2B5EF4-FFF2-40B4-BE49-F238E27FC236}">
-                  <a16:creationId xmlns:a16="http://schemas.microsoft.com/office/drawing/2014/main" xmlns="" id="{2E3DF883-8093-49FA-81E1-E5D77F086A25}"/>
+                  <a16:creationId xmlns="" xmlns:a16="http://schemas.microsoft.com/office/drawing/2014/main" id="{2E3DF883-8093-49FA-81E1-E5D77F086A25}"/>
                 </a:ext>
               </a:extLst>
             </p:cNvPr>
@@ -17487,7 +17487,7 @@
             <p:cNvPr id="17" name="Freeform: Shape 16">
               <a:extLst>
                 <a:ext uri="{FF2B5EF4-FFF2-40B4-BE49-F238E27FC236}">
-                  <a16:creationId xmlns:a16="http://schemas.microsoft.com/office/drawing/2014/main" xmlns="" id="{18944C90-37E5-4BBE-89FF-060627168050}"/>
+                  <a16:creationId xmlns="" xmlns:a16="http://schemas.microsoft.com/office/drawing/2014/main" id="{18944C90-37E5-4BBE-89FF-060627168050}"/>
                 </a:ext>
               </a:extLst>
             </p:cNvPr>
@@ -17586,7 +17586,7 @@
           <p:cNvPr id="23" name="Text Placeholder 22">
             <a:extLst>
               <a:ext uri="{FF2B5EF4-FFF2-40B4-BE49-F238E27FC236}">
-                <a16:creationId xmlns:a16="http://schemas.microsoft.com/office/drawing/2014/main" xmlns="" id="{03618670-D1E4-466C-BDB5-FC890AC31457}"/>
+                <a16:creationId xmlns="" xmlns:a16="http://schemas.microsoft.com/office/drawing/2014/main" id="{03618670-D1E4-466C-BDB5-FC890AC31457}"/>
               </a:ext>
             </a:extLst>
           </p:cNvPr>
@@ -17750,7 +17750,7 @@
           <p:cNvPr id="11" name="Rectangle 10">
             <a:extLst>
               <a:ext uri="{FF2B5EF4-FFF2-40B4-BE49-F238E27FC236}">
-                <a16:creationId xmlns:a16="http://schemas.microsoft.com/office/drawing/2014/main" xmlns="" id="{EB3E033F-4449-40FA-BC85-BD2712D313DD}"/>
+                <a16:creationId xmlns="" xmlns:a16="http://schemas.microsoft.com/office/drawing/2014/main" id="{EB3E033F-4449-40FA-BC85-BD2712D313DD}"/>
               </a:ext>
             </a:extLst>
           </p:cNvPr>
@@ -17804,7 +17804,7 @@
           <p:cNvPr id="10" name="Freeform: Shape 9">
             <a:extLst>
               <a:ext uri="{FF2B5EF4-FFF2-40B4-BE49-F238E27FC236}">
-                <a16:creationId xmlns:a16="http://schemas.microsoft.com/office/drawing/2014/main" xmlns="" id="{63D26743-0505-444C-80B3-E88EE87DF72B}"/>
+                <a16:creationId xmlns="" xmlns:a16="http://schemas.microsoft.com/office/drawing/2014/main" id="{63D26743-0505-444C-80B3-E88EE87DF72B}"/>
               </a:ext>
             </a:extLst>
           </p:cNvPr>
@@ -17927,7 +17927,7 @@
           <p:cNvPr id="18" name="Freeform: Shape 17">
             <a:extLst>
               <a:ext uri="{FF2B5EF4-FFF2-40B4-BE49-F238E27FC236}">
-                <a16:creationId xmlns:a16="http://schemas.microsoft.com/office/drawing/2014/main" xmlns="" id="{E37145E9-AC61-47D5-9288-8789940F81B6}"/>
+                <a16:creationId xmlns="" xmlns:a16="http://schemas.microsoft.com/office/drawing/2014/main" id="{E37145E9-AC61-47D5-9288-8789940F81B6}"/>
               </a:ext>
             </a:extLst>
           </p:cNvPr>
@@ -18079,7 +18079,7 @@
           <p:cNvPr id="12" name="Freeform: Shape 11">
             <a:extLst>
               <a:ext uri="{FF2B5EF4-FFF2-40B4-BE49-F238E27FC236}">
-                <a16:creationId xmlns:a16="http://schemas.microsoft.com/office/drawing/2014/main" xmlns="" id="{A5E2B3ED-9A49-40A7-B8A3-62595FE513F9}"/>
+                <a16:creationId xmlns="" xmlns:a16="http://schemas.microsoft.com/office/drawing/2014/main" id="{A5E2B3ED-9A49-40A7-B8A3-62595FE513F9}"/>
               </a:ext>
             </a:extLst>
           </p:cNvPr>
@@ -18229,7 +18229,7 @@
           <p:cNvPr id="8" name="Freeform: Shape 7">
             <a:extLst>
               <a:ext uri="{FF2B5EF4-FFF2-40B4-BE49-F238E27FC236}">
-                <a16:creationId xmlns:a16="http://schemas.microsoft.com/office/drawing/2014/main" xmlns="" id="{1599AF7E-3E34-4597-AA72-9373A7FDB020}"/>
+                <a16:creationId xmlns="" xmlns:a16="http://schemas.microsoft.com/office/drawing/2014/main" id="{1599AF7E-3E34-4597-AA72-9373A7FDB020}"/>
               </a:ext>
             </a:extLst>
           </p:cNvPr>
@@ -18375,7 +18375,7 @@
           <p:cNvPr id="2" name="Title 1">
             <a:extLst>
               <a:ext uri="{FF2B5EF4-FFF2-40B4-BE49-F238E27FC236}">
-                <a16:creationId xmlns:a16="http://schemas.microsoft.com/office/drawing/2014/main" xmlns="" id="{4A2DF563-7FAC-46B3-B24C-7E45CD89DA2B}"/>
+                <a16:creationId xmlns="" xmlns:a16="http://schemas.microsoft.com/office/drawing/2014/main" id="{4A2DF563-7FAC-46B3-B24C-7E45CD89DA2B}"/>
               </a:ext>
             </a:extLst>
           </p:cNvPr>
@@ -18421,7 +18421,7 @@
           <p:cNvPr id="15" name="Group 14">
             <a:extLst>
               <a:ext uri="{FF2B5EF4-FFF2-40B4-BE49-F238E27FC236}">
-                <a16:creationId xmlns:a16="http://schemas.microsoft.com/office/drawing/2014/main" xmlns="" id="{7732E1E7-45E3-4264-8F26-66758696DD1E}"/>
+                <a16:creationId xmlns="" xmlns:a16="http://schemas.microsoft.com/office/drawing/2014/main" id="{7732E1E7-45E3-4264-8F26-66758696DD1E}"/>
               </a:ext>
             </a:extLst>
           </p:cNvPr>
@@ -18441,7 +18441,7 @@
             <p:cNvPr id="16" name="Freeform: Shape 15">
               <a:extLst>
                 <a:ext uri="{FF2B5EF4-FFF2-40B4-BE49-F238E27FC236}">
-                  <a16:creationId xmlns:a16="http://schemas.microsoft.com/office/drawing/2014/main" xmlns="" id="{2E3DF883-8093-49FA-81E1-E5D77F086A25}"/>
+                  <a16:creationId xmlns="" xmlns:a16="http://schemas.microsoft.com/office/drawing/2014/main" id="{2E3DF883-8093-49FA-81E1-E5D77F086A25}"/>
                 </a:ext>
               </a:extLst>
             </p:cNvPr>
@@ -18531,7 +18531,7 @@
             <p:cNvPr id="17" name="Freeform: Shape 16">
               <a:extLst>
                 <a:ext uri="{FF2B5EF4-FFF2-40B4-BE49-F238E27FC236}">
-                  <a16:creationId xmlns:a16="http://schemas.microsoft.com/office/drawing/2014/main" xmlns="" id="{18944C90-37E5-4BBE-89FF-060627168050}"/>
+                  <a16:creationId xmlns="" xmlns:a16="http://schemas.microsoft.com/office/drawing/2014/main" id="{18944C90-37E5-4BBE-89FF-060627168050}"/>
                 </a:ext>
               </a:extLst>
             </p:cNvPr>
@@ -18630,7 +18630,7 @@
           <p:cNvPr id="6" name="Group 5">
             <a:extLst>
               <a:ext uri="{FF2B5EF4-FFF2-40B4-BE49-F238E27FC236}">
-                <a16:creationId xmlns:a16="http://schemas.microsoft.com/office/drawing/2014/main" xmlns="" id="{D9EBF8BB-A805-4DDB-B459-082F99815B95}"/>
+                <a16:creationId xmlns="" xmlns:a16="http://schemas.microsoft.com/office/drawing/2014/main" id="{D9EBF8BB-A805-4DDB-B459-082F99815B95}"/>
               </a:ext>
             </a:extLst>
           </p:cNvPr>
@@ -18650,7 +18650,7 @@
             <p:cNvPr id="19" name="Rectangle: Single Corner Snipped 18">
               <a:extLst>
                 <a:ext uri="{FF2B5EF4-FFF2-40B4-BE49-F238E27FC236}">
-                  <a16:creationId xmlns:a16="http://schemas.microsoft.com/office/drawing/2014/main" xmlns="" id="{5D638788-DD47-45E7-939A-FA108A818173}"/>
+                  <a16:creationId xmlns="" xmlns:a16="http://schemas.microsoft.com/office/drawing/2014/main" id="{5D638788-DD47-45E7-939A-FA108A818173}"/>
                 </a:ext>
               </a:extLst>
             </p:cNvPr>
@@ -18716,7 +18716,7 @@
             <p:cNvPr id="3" name="Rectangle: Single Corner Snipped 2">
               <a:extLst>
                 <a:ext uri="{FF2B5EF4-FFF2-40B4-BE49-F238E27FC236}">
-                  <a16:creationId xmlns:a16="http://schemas.microsoft.com/office/drawing/2014/main" xmlns="" id="{74BDECEF-EEFE-4332-B3B2-BDE4F82C10FC}"/>
+                  <a16:creationId xmlns="" xmlns:a16="http://schemas.microsoft.com/office/drawing/2014/main" id="{74BDECEF-EEFE-4332-B3B2-BDE4F82C10FC}"/>
                 </a:ext>
               </a:extLst>
             </p:cNvPr>
@@ -18773,7 +18773,7 @@
           <p:cNvPr id="24" name="Freeform: Shape 23">
             <a:extLst>
               <a:ext uri="{FF2B5EF4-FFF2-40B4-BE49-F238E27FC236}">
-                <a16:creationId xmlns:a16="http://schemas.microsoft.com/office/drawing/2014/main" xmlns="" id="{18103E00-7E4A-44CD-81AC-06433CAE1110}"/>
+                <a16:creationId xmlns="" xmlns:a16="http://schemas.microsoft.com/office/drawing/2014/main" id="{18103E00-7E4A-44CD-81AC-06433CAE1110}"/>
               </a:ext>
             </a:extLst>
           </p:cNvPr>
@@ -18868,7 +18868,7 @@
           <p:cNvPr id="5" name="Slide Number Placeholder 4">
             <a:extLst>
               <a:ext uri="{FF2B5EF4-FFF2-40B4-BE49-F238E27FC236}">
-                <a16:creationId xmlns:a16="http://schemas.microsoft.com/office/drawing/2014/main" xmlns="" id="{87B51822-97FF-47A7-8E4E-A0F79B4EB237}"/>
+                <a16:creationId xmlns="" xmlns:a16="http://schemas.microsoft.com/office/drawing/2014/main" id="{87B51822-97FF-47A7-8E4E-A0F79B4EB237}"/>
               </a:ext>
             </a:extLst>
           </p:cNvPr>
@@ -18954,7 +18954,7 @@
           <p:cNvPr id="11" name="Rectangle 10">
             <a:extLst>
               <a:ext uri="{FF2B5EF4-FFF2-40B4-BE49-F238E27FC236}">
-                <a16:creationId xmlns:a16="http://schemas.microsoft.com/office/drawing/2014/main" xmlns="" id="{EB3E033F-4449-40FA-BC85-BD2712D313DD}"/>
+                <a16:creationId xmlns="" xmlns:a16="http://schemas.microsoft.com/office/drawing/2014/main" id="{EB3E033F-4449-40FA-BC85-BD2712D313DD}"/>
               </a:ext>
             </a:extLst>
           </p:cNvPr>
@@ -19008,7 +19008,7 @@
           <p:cNvPr id="10" name="Freeform: Shape 9">
             <a:extLst>
               <a:ext uri="{FF2B5EF4-FFF2-40B4-BE49-F238E27FC236}">
-                <a16:creationId xmlns:a16="http://schemas.microsoft.com/office/drawing/2014/main" xmlns="" id="{63D26743-0505-444C-80B3-E88EE87DF72B}"/>
+                <a16:creationId xmlns="" xmlns:a16="http://schemas.microsoft.com/office/drawing/2014/main" id="{63D26743-0505-444C-80B3-E88EE87DF72B}"/>
               </a:ext>
             </a:extLst>
           </p:cNvPr>
@@ -19131,7 +19131,7 @@
           <p:cNvPr id="18" name="Freeform: Shape 17">
             <a:extLst>
               <a:ext uri="{FF2B5EF4-FFF2-40B4-BE49-F238E27FC236}">
-                <a16:creationId xmlns:a16="http://schemas.microsoft.com/office/drawing/2014/main" xmlns="" id="{E37145E9-AC61-47D5-9288-8789940F81B6}"/>
+                <a16:creationId xmlns="" xmlns:a16="http://schemas.microsoft.com/office/drawing/2014/main" id="{E37145E9-AC61-47D5-9288-8789940F81B6}"/>
               </a:ext>
             </a:extLst>
           </p:cNvPr>
@@ -19283,7 +19283,7 @@
           <p:cNvPr id="12" name="Freeform: Shape 11">
             <a:extLst>
               <a:ext uri="{FF2B5EF4-FFF2-40B4-BE49-F238E27FC236}">
-                <a16:creationId xmlns:a16="http://schemas.microsoft.com/office/drawing/2014/main" xmlns="" id="{A5E2B3ED-9A49-40A7-B8A3-62595FE513F9}"/>
+                <a16:creationId xmlns="" xmlns:a16="http://schemas.microsoft.com/office/drawing/2014/main" id="{A5E2B3ED-9A49-40A7-B8A3-62595FE513F9}"/>
               </a:ext>
             </a:extLst>
           </p:cNvPr>
@@ -19433,7 +19433,7 @@
           <p:cNvPr id="8" name="Freeform: Shape 7">
             <a:extLst>
               <a:ext uri="{FF2B5EF4-FFF2-40B4-BE49-F238E27FC236}">
-                <a16:creationId xmlns:a16="http://schemas.microsoft.com/office/drawing/2014/main" xmlns="" id="{1599AF7E-3E34-4597-AA72-9373A7FDB020}"/>
+                <a16:creationId xmlns="" xmlns:a16="http://schemas.microsoft.com/office/drawing/2014/main" id="{1599AF7E-3E34-4597-AA72-9373A7FDB020}"/>
               </a:ext>
             </a:extLst>
           </p:cNvPr>
@@ -19579,7 +19579,7 @@
           <p:cNvPr id="2" name="Title 1">
             <a:extLst>
               <a:ext uri="{FF2B5EF4-FFF2-40B4-BE49-F238E27FC236}">
-                <a16:creationId xmlns:a16="http://schemas.microsoft.com/office/drawing/2014/main" xmlns="" id="{4A2DF563-7FAC-46B3-B24C-7E45CD89DA2B}"/>
+                <a16:creationId xmlns="" xmlns:a16="http://schemas.microsoft.com/office/drawing/2014/main" id="{4A2DF563-7FAC-46B3-B24C-7E45CD89DA2B}"/>
               </a:ext>
             </a:extLst>
           </p:cNvPr>
@@ -19625,7 +19625,7 @@
           <p:cNvPr id="15" name="Group 14">
             <a:extLst>
               <a:ext uri="{FF2B5EF4-FFF2-40B4-BE49-F238E27FC236}">
-                <a16:creationId xmlns:a16="http://schemas.microsoft.com/office/drawing/2014/main" xmlns="" id="{7732E1E7-45E3-4264-8F26-66758696DD1E}"/>
+                <a16:creationId xmlns="" xmlns:a16="http://schemas.microsoft.com/office/drawing/2014/main" id="{7732E1E7-45E3-4264-8F26-66758696DD1E}"/>
               </a:ext>
             </a:extLst>
           </p:cNvPr>
@@ -19645,7 +19645,7 @@
             <p:cNvPr id="16" name="Freeform: Shape 15">
               <a:extLst>
                 <a:ext uri="{FF2B5EF4-FFF2-40B4-BE49-F238E27FC236}">
-                  <a16:creationId xmlns:a16="http://schemas.microsoft.com/office/drawing/2014/main" xmlns="" id="{2E3DF883-8093-49FA-81E1-E5D77F086A25}"/>
+                  <a16:creationId xmlns="" xmlns:a16="http://schemas.microsoft.com/office/drawing/2014/main" id="{2E3DF883-8093-49FA-81E1-E5D77F086A25}"/>
                 </a:ext>
               </a:extLst>
             </p:cNvPr>
@@ -19735,7 +19735,7 @@
             <p:cNvPr id="17" name="Freeform: Shape 16">
               <a:extLst>
                 <a:ext uri="{FF2B5EF4-FFF2-40B4-BE49-F238E27FC236}">
-                  <a16:creationId xmlns:a16="http://schemas.microsoft.com/office/drawing/2014/main" xmlns="" id="{18944C90-37E5-4BBE-89FF-060627168050}"/>
+                  <a16:creationId xmlns="" xmlns:a16="http://schemas.microsoft.com/office/drawing/2014/main" id="{18944C90-37E5-4BBE-89FF-060627168050}"/>
                 </a:ext>
               </a:extLst>
             </p:cNvPr>
@@ -19834,7 +19834,7 @@
           <p:cNvPr id="6" name="Group 5">
             <a:extLst>
               <a:ext uri="{FF2B5EF4-FFF2-40B4-BE49-F238E27FC236}">
-                <a16:creationId xmlns:a16="http://schemas.microsoft.com/office/drawing/2014/main" xmlns="" id="{D9EBF8BB-A805-4DDB-B459-082F99815B95}"/>
+                <a16:creationId xmlns="" xmlns:a16="http://schemas.microsoft.com/office/drawing/2014/main" id="{D9EBF8BB-A805-4DDB-B459-082F99815B95}"/>
               </a:ext>
             </a:extLst>
           </p:cNvPr>
@@ -19854,7 +19854,7 @@
             <p:cNvPr id="19" name="Rectangle: Single Corner Snipped 18">
               <a:extLst>
                 <a:ext uri="{FF2B5EF4-FFF2-40B4-BE49-F238E27FC236}">
-                  <a16:creationId xmlns:a16="http://schemas.microsoft.com/office/drawing/2014/main" xmlns="" id="{5D638788-DD47-45E7-939A-FA108A818173}"/>
+                  <a16:creationId xmlns="" xmlns:a16="http://schemas.microsoft.com/office/drawing/2014/main" id="{5D638788-DD47-45E7-939A-FA108A818173}"/>
                 </a:ext>
               </a:extLst>
             </p:cNvPr>
@@ -19920,7 +19920,7 @@
             <p:cNvPr id="3" name="Rectangle: Single Corner Snipped 2">
               <a:extLst>
                 <a:ext uri="{FF2B5EF4-FFF2-40B4-BE49-F238E27FC236}">
-                  <a16:creationId xmlns:a16="http://schemas.microsoft.com/office/drawing/2014/main" xmlns="" id="{74BDECEF-EEFE-4332-B3B2-BDE4F82C10FC}"/>
+                  <a16:creationId xmlns="" xmlns:a16="http://schemas.microsoft.com/office/drawing/2014/main" id="{74BDECEF-EEFE-4332-B3B2-BDE4F82C10FC}"/>
                 </a:ext>
               </a:extLst>
             </p:cNvPr>
@@ -19977,7 +19977,7 @@
           <p:cNvPr id="24" name="Freeform: Shape 23">
             <a:extLst>
               <a:ext uri="{FF2B5EF4-FFF2-40B4-BE49-F238E27FC236}">
-                <a16:creationId xmlns:a16="http://schemas.microsoft.com/office/drawing/2014/main" xmlns="" id="{18103E00-7E4A-44CD-81AC-06433CAE1110}"/>
+                <a16:creationId xmlns="" xmlns:a16="http://schemas.microsoft.com/office/drawing/2014/main" id="{18103E00-7E4A-44CD-81AC-06433CAE1110}"/>
               </a:ext>
             </a:extLst>
           </p:cNvPr>
@@ -20072,7 +20072,7 @@
           <p:cNvPr id="5" name="Slide Number Placeholder 4">
             <a:extLst>
               <a:ext uri="{FF2B5EF4-FFF2-40B4-BE49-F238E27FC236}">
-                <a16:creationId xmlns:a16="http://schemas.microsoft.com/office/drawing/2014/main" xmlns="" id="{87B51822-97FF-47A7-8E4E-A0F79B4EB237}"/>
+                <a16:creationId xmlns="" xmlns:a16="http://schemas.microsoft.com/office/drawing/2014/main" id="{87B51822-97FF-47A7-8E4E-A0F79B4EB237}"/>
               </a:ext>
             </a:extLst>
           </p:cNvPr>
@@ -20117,7 +20117,7 @@
           <p:cNvPr id="20" name="Content Placeholder 2">
             <a:extLst>
               <a:ext uri="{FF2B5EF4-FFF2-40B4-BE49-F238E27FC236}">
-                <a16:creationId xmlns:a16="http://schemas.microsoft.com/office/drawing/2014/main" xmlns="" id="{0103A49C-32FF-49E6-86F3-FC2E19517BD5}"/>
+                <a16:creationId xmlns="" xmlns:a16="http://schemas.microsoft.com/office/drawing/2014/main" id="{0103A49C-32FF-49E6-86F3-FC2E19517BD5}"/>
               </a:ext>
             </a:extLst>
           </p:cNvPr>
@@ -20256,7 +20256,7 @@
           <p:cNvPr id="11" name="Rectangle 10">
             <a:extLst>
               <a:ext uri="{FF2B5EF4-FFF2-40B4-BE49-F238E27FC236}">
-                <a16:creationId xmlns:a16="http://schemas.microsoft.com/office/drawing/2014/main" xmlns="" id="{EB3E033F-4449-40FA-BC85-BD2712D313DD}"/>
+                <a16:creationId xmlns="" xmlns:a16="http://schemas.microsoft.com/office/drawing/2014/main" id="{EB3E033F-4449-40FA-BC85-BD2712D313DD}"/>
               </a:ext>
             </a:extLst>
           </p:cNvPr>
@@ -20310,7 +20310,7 @@
           <p:cNvPr id="10" name="Freeform: Shape 9">
             <a:extLst>
               <a:ext uri="{FF2B5EF4-FFF2-40B4-BE49-F238E27FC236}">
-                <a16:creationId xmlns:a16="http://schemas.microsoft.com/office/drawing/2014/main" xmlns="" id="{63D26743-0505-444C-80B3-E88EE87DF72B}"/>
+                <a16:creationId xmlns="" xmlns:a16="http://schemas.microsoft.com/office/drawing/2014/main" id="{63D26743-0505-444C-80B3-E88EE87DF72B}"/>
               </a:ext>
             </a:extLst>
           </p:cNvPr>
@@ -20433,7 +20433,7 @@
           <p:cNvPr id="18" name="Freeform: Shape 17">
             <a:extLst>
               <a:ext uri="{FF2B5EF4-FFF2-40B4-BE49-F238E27FC236}">
-                <a16:creationId xmlns:a16="http://schemas.microsoft.com/office/drawing/2014/main" xmlns="" id="{E37145E9-AC61-47D5-9288-8789940F81B6}"/>
+                <a16:creationId xmlns="" xmlns:a16="http://schemas.microsoft.com/office/drawing/2014/main" id="{E37145E9-AC61-47D5-9288-8789940F81B6}"/>
               </a:ext>
             </a:extLst>
           </p:cNvPr>
@@ -20585,7 +20585,7 @@
           <p:cNvPr id="12" name="Freeform: Shape 11">
             <a:extLst>
               <a:ext uri="{FF2B5EF4-FFF2-40B4-BE49-F238E27FC236}">
-                <a16:creationId xmlns:a16="http://schemas.microsoft.com/office/drawing/2014/main" xmlns="" id="{A5E2B3ED-9A49-40A7-B8A3-62595FE513F9}"/>
+                <a16:creationId xmlns="" xmlns:a16="http://schemas.microsoft.com/office/drawing/2014/main" id="{A5E2B3ED-9A49-40A7-B8A3-62595FE513F9}"/>
               </a:ext>
             </a:extLst>
           </p:cNvPr>
@@ -20735,7 +20735,7 @@
           <p:cNvPr id="8" name="Freeform: Shape 7">
             <a:extLst>
               <a:ext uri="{FF2B5EF4-FFF2-40B4-BE49-F238E27FC236}">
-                <a16:creationId xmlns:a16="http://schemas.microsoft.com/office/drawing/2014/main" xmlns="" id="{1599AF7E-3E34-4597-AA72-9373A7FDB020}"/>
+                <a16:creationId xmlns="" xmlns:a16="http://schemas.microsoft.com/office/drawing/2014/main" id="{1599AF7E-3E34-4597-AA72-9373A7FDB020}"/>
               </a:ext>
             </a:extLst>
           </p:cNvPr>
@@ -20881,7 +20881,7 @@
           <p:cNvPr id="2" name="Title 1">
             <a:extLst>
               <a:ext uri="{FF2B5EF4-FFF2-40B4-BE49-F238E27FC236}">
-                <a16:creationId xmlns:a16="http://schemas.microsoft.com/office/drawing/2014/main" xmlns="" id="{4A2DF563-7FAC-46B3-B24C-7E45CD89DA2B}"/>
+                <a16:creationId xmlns="" xmlns:a16="http://schemas.microsoft.com/office/drawing/2014/main" id="{4A2DF563-7FAC-46B3-B24C-7E45CD89DA2B}"/>
               </a:ext>
             </a:extLst>
           </p:cNvPr>
@@ -20927,7 +20927,7 @@
           <p:cNvPr id="15" name="Group 14">
             <a:extLst>
               <a:ext uri="{FF2B5EF4-FFF2-40B4-BE49-F238E27FC236}">
-                <a16:creationId xmlns:a16="http://schemas.microsoft.com/office/drawing/2014/main" xmlns="" id="{7732E1E7-45E3-4264-8F26-66758696DD1E}"/>
+                <a16:creationId xmlns="" xmlns:a16="http://schemas.microsoft.com/office/drawing/2014/main" id="{7732E1E7-45E3-4264-8F26-66758696DD1E}"/>
               </a:ext>
             </a:extLst>
           </p:cNvPr>
@@ -20947,7 +20947,7 @@
             <p:cNvPr id="16" name="Freeform: Shape 15">
               <a:extLst>
                 <a:ext uri="{FF2B5EF4-FFF2-40B4-BE49-F238E27FC236}">
-                  <a16:creationId xmlns:a16="http://schemas.microsoft.com/office/drawing/2014/main" xmlns="" id="{2E3DF883-8093-49FA-81E1-E5D77F086A25}"/>
+                  <a16:creationId xmlns="" xmlns:a16="http://schemas.microsoft.com/office/drawing/2014/main" id="{2E3DF883-8093-49FA-81E1-E5D77F086A25}"/>
                 </a:ext>
               </a:extLst>
             </p:cNvPr>
@@ -21037,7 +21037,7 @@
             <p:cNvPr id="17" name="Freeform: Shape 16">
               <a:extLst>
                 <a:ext uri="{FF2B5EF4-FFF2-40B4-BE49-F238E27FC236}">
-                  <a16:creationId xmlns:a16="http://schemas.microsoft.com/office/drawing/2014/main" xmlns="" id="{18944C90-37E5-4BBE-89FF-060627168050}"/>
+                  <a16:creationId xmlns="" xmlns:a16="http://schemas.microsoft.com/office/drawing/2014/main" id="{18944C90-37E5-4BBE-89FF-060627168050}"/>
                 </a:ext>
               </a:extLst>
             </p:cNvPr>
@@ -21136,7 +21136,7 @@
           <p:cNvPr id="6" name="Group 5">
             <a:extLst>
               <a:ext uri="{FF2B5EF4-FFF2-40B4-BE49-F238E27FC236}">
-                <a16:creationId xmlns:a16="http://schemas.microsoft.com/office/drawing/2014/main" xmlns="" id="{D9EBF8BB-A805-4DDB-B459-082F99815B95}"/>
+                <a16:creationId xmlns="" xmlns:a16="http://schemas.microsoft.com/office/drawing/2014/main" id="{D9EBF8BB-A805-4DDB-B459-082F99815B95}"/>
               </a:ext>
             </a:extLst>
           </p:cNvPr>
@@ -21156,7 +21156,7 @@
             <p:cNvPr id="19" name="Rectangle: Single Corner Snipped 18">
               <a:extLst>
                 <a:ext uri="{FF2B5EF4-FFF2-40B4-BE49-F238E27FC236}">
-                  <a16:creationId xmlns:a16="http://schemas.microsoft.com/office/drawing/2014/main" xmlns="" id="{5D638788-DD47-45E7-939A-FA108A818173}"/>
+                  <a16:creationId xmlns="" xmlns:a16="http://schemas.microsoft.com/office/drawing/2014/main" id="{5D638788-DD47-45E7-939A-FA108A818173}"/>
                 </a:ext>
               </a:extLst>
             </p:cNvPr>
@@ -21222,7 +21222,7 @@
             <p:cNvPr id="3" name="Rectangle: Single Corner Snipped 2">
               <a:extLst>
                 <a:ext uri="{FF2B5EF4-FFF2-40B4-BE49-F238E27FC236}">
-                  <a16:creationId xmlns:a16="http://schemas.microsoft.com/office/drawing/2014/main" xmlns="" id="{74BDECEF-EEFE-4332-B3B2-BDE4F82C10FC}"/>
+                  <a16:creationId xmlns="" xmlns:a16="http://schemas.microsoft.com/office/drawing/2014/main" id="{74BDECEF-EEFE-4332-B3B2-BDE4F82C10FC}"/>
                 </a:ext>
               </a:extLst>
             </p:cNvPr>
@@ -21279,7 +21279,7 @@
           <p:cNvPr id="24" name="Freeform: Shape 23">
             <a:extLst>
               <a:ext uri="{FF2B5EF4-FFF2-40B4-BE49-F238E27FC236}">
-                <a16:creationId xmlns:a16="http://schemas.microsoft.com/office/drawing/2014/main" xmlns="" id="{18103E00-7E4A-44CD-81AC-06433CAE1110}"/>
+                <a16:creationId xmlns="" xmlns:a16="http://schemas.microsoft.com/office/drawing/2014/main" id="{18103E00-7E4A-44CD-81AC-06433CAE1110}"/>
               </a:ext>
             </a:extLst>
           </p:cNvPr>
@@ -21374,7 +21374,7 @@
           <p:cNvPr id="5" name="Slide Number Placeholder 4">
             <a:extLst>
               <a:ext uri="{FF2B5EF4-FFF2-40B4-BE49-F238E27FC236}">
-                <a16:creationId xmlns:a16="http://schemas.microsoft.com/office/drawing/2014/main" xmlns="" id="{87B51822-97FF-47A7-8E4E-A0F79B4EB237}"/>
+                <a16:creationId xmlns="" xmlns:a16="http://schemas.microsoft.com/office/drawing/2014/main" id="{87B51822-97FF-47A7-8E4E-A0F79B4EB237}"/>
               </a:ext>
             </a:extLst>
           </p:cNvPr>
@@ -21419,7 +21419,7 @@
           <p:cNvPr id="25" name="Text Placeholder 2">
             <a:extLst>
               <a:ext uri="{FF2B5EF4-FFF2-40B4-BE49-F238E27FC236}">
-                <a16:creationId xmlns:a16="http://schemas.microsoft.com/office/drawing/2014/main" xmlns="" id="{7FA80A70-18DE-4DB9-9982-BA75BE54CF93}"/>
+                <a16:creationId xmlns="" xmlns:a16="http://schemas.microsoft.com/office/drawing/2014/main" id="{7FA80A70-18DE-4DB9-9982-BA75BE54CF93}"/>
               </a:ext>
             </a:extLst>
           </p:cNvPr>
@@ -21497,7 +21497,7 @@
           <p:cNvPr id="26" name="Text Placeholder 4">
             <a:extLst>
               <a:ext uri="{FF2B5EF4-FFF2-40B4-BE49-F238E27FC236}">
-                <a16:creationId xmlns:a16="http://schemas.microsoft.com/office/drawing/2014/main" xmlns="" id="{2801C0EF-C078-44B0-AD01-4850E9A65EE0}"/>
+                <a16:creationId xmlns="" xmlns:a16="http://schemas.microsoft.com/office/drawing/2014/main" id="{2801C0EF-C078-44B0-AD01-4850E9A65EE0}"/>
               </a:ext>
             </a:extLst>
           </p:cNvPr>
@@ -21575,7 +21575,7 @@
           <p:cNvPr id="27" name="Content Placeholder 3">
             <a:extLst>
               <a:ext uri="{FF2B5EF4-FFF2-40B4-BE49-F238E27FC236}">
-                <a16:creationId xmlns:a16="http://schemas.microsoft.com/office/drawing/2014/main" xmlns="" id="{7C9DED91-45F6-4308-A085-1EFACA6468CF}"/>
+                <a16:creationId xmlns="" xmlns:a16="http://schemas.microsoft.com/office/drawing/2014/main" id="{7C9DED91-45F6-4308-A085-1EFACA6468CF}"/>
               </a:ext>
             </a:extLst>
           </p:cNvPr>
@@ -21675,7 +21675,7 @@
           <p:cNvPr id="28" name="Content Placeholder 5">
             <a:extLst>
               <a:ext uri="{FF2B5EF4-FFF2-40B4-BE49-F238E27FC236}">
-                <a16:creationId xmlns:a16="http://schemas.microsoft.com/office/drawing/2014/main" xmlns="" id="{0574B5E7-B666-439B-9278-67BE1EA6EBC5}"/>
+                <a16:creationId xmlns="" xmlns:a16="http://schemas.microsoft.com/office/drawing/2014/main" id="{0574B5E7-B666-439B-9278-67BE1EA6EBC5}"/>
               </a:ext>
             </a:extLst>
           </p:cNvPr>
@@ -21816,7 +21816,7 @@
           <p:cNvPr id="11" name="Rectangle 10">
             <a:extLst>
               <a:ext uri="{FF2B5EF4-FFF2-40B4-BE49-F238E27FC236}">
-                <a16:creationId xmlns:a16="http://schemas.microsoft.com/office/drawing/2014/main" xmlns="" id="{EB3E033F-4449-40FA-BC85-BD2712D313DD}"/>
+                <a16:creationId xmlns="" xmlns:a16="http://schemas.microsoft.com/office/drawing/2014/main" id="{EB3E033F-4449-40FA-BC85-BD2712D313DD}"/>
               </a:ext>
             </a:extLst>
           </p:cNvPr>
@@ -21870,7 +21870,7 @@
           <p:cNvPr id="10" name="Freeform: Shape 9">
             <a:extLst>
               <a:ext uri="{FF2B5EF4-FFF2-40B4-BE49-F238E27FC236}">
-                <a16:creationId xmlns:a16="http://schemas.microsoft.com/office/drawing/2014/main" xmlns="" id="{63D26743-0505-444C-80B3-E88EE87DF72B}"/>
+                <a16:creationId xmlns="" xmlns:a16="http://schemas.microsoft.com/office/drawing/2014/main" id="{63D26743-0505-444C-80B3-E88EE87DF72B}"/>
               </a:ext>
             </a:extLst>
           </p:cNvPr>
@@ -21993,7 +21993,7 @@
           <p:cNvPr id="18" name="Freeform: Shape 17">
             <a:extLst>
               <a:ext uri="{FF2B5EF4-FFF2-40B4-BE49-F238E27FC236}">
-                <a16:creationId xmlns:a16="http://schemas.microsoft.com/office/drawing/2014/main" xmlns="" id="{E37145E9-AC61-47D5-9288-8789940F81B6}"/>
+                <a16:creationId xmlns="" xmlns:a16="http://schemas.microsoft.com/office/drawing/2014/main" id="{E37145E9-AC61-47D5-9288-8789940F81B6}"/>
               </a:ext>
             </a:extLst>
           </p:cNvPr>
@@ -22145,7 +22145,7 @@
           <p:cNvPr id="12" name="Freeform: Shape 11">
             <a:extLst>
               <a:ext uri="{FF2B5EF4-FFF2-40B4-BE49-F238E27FC236}">
-                <a16:creationId xmlns:a16="http://schemas.microsoft.com/office/drawing/2014/main" xmlns="" id="{A5E2B3ED-9A49-40A7-B8A3-62595FE513F9}"/>
+                <a16:creationId xmlns="" xmlns:a16="http://schemas.microsoft.com/office/drawing/2014/main" id="{A5E2B3ED-9A49-40A7-B8A3-62595FE513F9}"/>
               </a:ext>
             </a:extLst>
           </p:cNvPr>
@@ -22295,7 +22295,7 @@
           <p:cNvPr id="8" name="Freeform: Shape 7">
             <a:extLst>
               <a:ext uri="{FF2B5EF4-FFF2-40B4-BE49-F238E27FC236}">
-                <a16:creationId xmlns:a16="http://schemas.microsoft.com/office/drawing/2014/main" xmlns="" id="{1599AF7E-3E34-4597-AA72-9373A7FDB020}"/>
+                <a16:creationId xmlns="" xmlns:a16="http://schemas.microsoft.com/office/drawing/2014/main" id="{1599AF7E-3E34-4597-AA72-9373A7FDB020}"/>
               </a:ext>
             </a:extLst>
           </p:cNvPr>
@@ -22441,7 +22441,7 @@
           <p:cNvPr id="2" name="Title 1">
             <a:extLst>
               <a:ext uri="{FF2B5EF4-FFF2-40B4-BE49-F238E27FC236}">
-                <a16:creationId xmlns:a16="http://schemas.microsoft.com/office/drawing/2014/main" xmlns="" id="{4A2DF563-7FAC-46B3-B24C-7E45CD89DA2B}"/>
+                <a16:creationId xmlns="" xmlns:a16="http://schemas.microsoft.com/office/drawing/2014/main" id="{4A2DF563-7FAC-46B3-B24C-7E45CD89DA2B}"/>
               </a:ext>
             </a:extLst>
           </p:cNvPr>
@@ -22487,7 +22487,7 @@
           <p:cNvPr id="15" name="Group 14">
             <a:extLst>
               <a:ext uri="{FF2B5EF4-FFF2-40B4-BE49-F238E27FC236}">
-                <a16:creationId xmlns:a16="http://schemas.microsoft.com/office/drawing/2014/main" xmlns="" id="{7732E1E7-45E3-4264-8F26-66758696DD1E}"/>
+                <a16:creationId xmlns="" xmlns:a16="http://schemas.microsoft.com/office/drawing/2014/main" id="{7732E1E7-45E3-4264-8F26-66758696DD1E}"/>
               </a:ext>
             </a:extLst>
           </p:cNvPr>
@@ -22507,7 +22507,7 @@
             <p:cNvPr id="16" name="Freeform: Shape 15">
               <a:extLst>
                 <a:ext uri="{FF2B5EF4-FFF2-40B4-BE49-F238E27FC236}">
-                  <a16:creationId xmlns:a16="http://schemas.microsoft.com/office/drawing/2014/main" xmlns="" id="{2E3DF883-8093-49FA-81E1-E5D77F086A25}"/>
+                  <a16:creationId xmlns="" xmlns:a16="http://schemas.microsoft.com/office/drawing/2014/main" id="{2E3DF883-8093-49FA-81E1-E5D77F086A25}"/>
                 </a:ext>
               </a:extLst>
             </p:cNvPr>
@@ -22597,7 +22597,7 @@
             <p:cNvPr id="17" name="Freeform: Shape 16">
               <a:extLst>
                 <a:ext uri="{FF2B5EF4-FFF2-40B4-BE49-F238E27FC236}">
-                  <a16:creationId xmlns:a16="http://schemas.microsoft.com/office/drawing/2014/main" xmlns="" id="{18944C90-37E5-4BBE-89FF-060627168050}"/>
+                  <a16:creationId xmlns="" xmlns:a16="http://schemas.microsoft.com/office/drawing/2014/main" id="{18944C90-37E5-4BBE-89FF-060627168050}"/>
                 </a:ext>
               </a:extLst>
             </p:cNvPr>
@@ -22696,7 +22696,7 @@
           <p:cNvPr id="6" name="Group 5">
             <a:extLst>
               <a:ext uri="{FF2B5EF4-FFF2-40B4-BE49-F238E27FC236}">
-                <a16:creationId xmlns:a16="http://schemas.microsoft.com/office/drawing/2014/main" xmlns="" id="{D9EBF8BB-A805-4DDB-B459-082F99815B95}"/>
+                <a16:creationId xmlns="" xmlns:a16="http://schemas.microsoft.com/office/drawing/2014/main" id="{D9EBF8BB-A805-4DDB-B459-082F99815B95}"/>
               </a:ext>
             </a:extLst>
           </p:cNvPr>
@@ -22716,7 +22716,7 @@
             <p:cNvPr id="19" name="Rectangle: Single Corner Snipped 18">
               <a:extLst>
                 <a:ext uri="{FF2B5EF4-FFF2-40B4-BE49-F238E27FC236}">
-                  <a16:creationId xmlns:a16="http://schemas.microsoft.com/office/drawing/2014/main" xmlns="" id="{5D638788-DD47-45E7-939A-FA108A818173}"/>
+                  <a16:creationId xmlns="" xmlns:a16="http://schemas.microsoft.com/office/drawing/2014/main" id="{5D638788-DD47-45E7-939A-FA108A818173}"/>
                 </a:ext>
               </a:extLst>
             </p:cNvPr>
@@ -22782,7 +22782,7 @@
             <p:cNvPr id="3" name="Rectangle: Single Corner Snipped 2">
               <a:extLst>
                 <a:ext uri="{FF2B5EF4-FFF2-40B4-BE49-F238E27FC236}">
-                  <a16:creationId xmlns:a16="http://schemas.microsoft.com/office/drawing/2014/main" xmlns="" id="{74BDECEF-EEFE-4332-B3B2-BDE4F82C10FC}"/>
+                  <a16:creationId xmlns="" xmlns:a16="http://schemas.microsoft.com/office/drawing/2014/main" id="{74BDECEF-EEFE-4332-B3B2-BDE4F82C10FC}"/>
                 </a:ext>
               </a:extLst>
             </p:cNvPr>
@@ -22839,7 +22839,7 @@
           <p:cNvPr id="24" name="Freeform: Shape 23">
             <a:extLst>
               <a:ext uri="{FF2B5EF4-FFF2-40B4-BE49-F238E27FC236}">
-                <a16:creationId xmlns:a16="http://schemas.microsoft.com/office/drawing/2014/main" xmlns="" id="{18103E00-7E4A-44CD-81AC-06433CAE1110}"/>
+                <a16:creationId xmlns="" xmlns:a16="http://schemas.microsoft.com/office/drawing/2014/main" id="{18103E00-7E4A-44CD-81AC-06433CAE1110}"/>
               </a:ext>
             </a:extLst>
           </p:cNvPr>
@@ -22934,7 +22934,7 @@
           <p:cNvPr id="5" name="Slide Number Placeholder 4">
             <a:extLst>
               <a:ext uri="{FF2B5EF4-FFF2-40B4-BE49-F238E27FC236}">
-                <a16:creationId xmlns:a16="http://schemas.microsoft.com/office/drawing/2014/main" xmlns="" id="{87B51822-97FF-47A7-8E4E-A0F79B4EB237}"/>
+                <a16:creationId xmlns="" xmlns:a16="http://schemas.microsoft.com/office/drawing/2014/main" id="{87B51822-97FF-47A7-8E4E-A0F79B4EB237}"/>
               </a:ext>
             </a:extLst>
           </p:cNvPr>
@@ -22979,7 +22979,7 @@
           <p:cNvPr id="20" name="Content Placeholder 2">
             <a:extLst>
               <a:ext uri="{FF2B5EF4-FFF2-40B4-BE49-F238E27FC236}">
-                <a16:creationId xmlns:a16="http://schemas.microsoft.com/office/drawing/2014/main" xmlns="" id="{FE796BFF-6E5F-4DE7-B193-F501FC094D63}"/>
+                <a16:creationId xmlns="" xmlns:a16="http://schemas.microsoft.com/office/drawing/2014/main" id="{FE796BFF-6E5F-4DE7-B193-F501FC094D63}"/>
               </a:ext>
             </a:extLst>
           </p:cNvPr>
@@ -23089,7 +23089,7 @@
           <p:cNvPr id="21" name="Content Placeholder 3">
             <a:extLst>
               <a:ext uri="{FF2B5EF4-FFF2-40B4-BE49-F238E27FC236}">
-                <a16:creationId xmlns:a16="http://schemas.microsoft.com/office/drawing/2014/main" xmlns="" id="{78622754-CA4D-4C27-A37F-B26E7B4C9CA2}"/>
+                <a16:creationId xmlns="" xmlns:a16="http://schemas.microsoft.com/office/drawing/2014/main" id="{78622754-CA4D-4C27-A37F-B26E7B4C9CA2}"/>
               </a:ext>
             </a:extLst>
           </p:cNvPr>
@@ -23227,7 +23227,7 @@
           <p:cNvPr id="2" name="Title Placeholder 1">
             <a:extLst>
               <a:ext uri="{FF2B5EF4-FFF2-40B4-BE49-F238E27FC236}">
-                <a16:creationId xmlns:a16="http://schemas.microsoft.com/office/drawing/2014/main" xmlns="" id="{761B0E15-6FC5-434E-8780-B186D9DB0CD0}"/>
+                <a16:creationId xmlns="" xmlns:a16="http://schemas.microsoft.com/office/drawing/2014/main" id="{761B0E15-6FC5-434E-8780-B186D9DB0CD0}"/>
               </a:ext>
             </a:extLst>
           </p:cNvPr>
@@ -23267,7 +23267,7 @@
           <p:cNvPr id="3" name="Text Placeholder 2">
             <a:extLst>
               <a:ext uri="{FF2B5EF4-FFF2-40B4-BE49-F238E27FC236}">
-                <a16:creationId xmlns:a16="http://schemas.microsoft.com/office/drawing/2014/main" xmlns="" id="{A9C7B128-34F3-405C-B601-8BAFDB43499C}"/>
+                <a16:creationId xmlns="" xmlns:a16="http://schemas.microsoft.com/office/drawing/2014/main" id="{A9C7B128-34F3-405C-B601-8BAFDB43499C}"/>
               </a:ext>
             </a:extLst>
           </p:cNvPr>
@@ -23334,7 +23334,7 @@
           <p:cNvPr id="6" name="Slide Number Placeholder 5">
             <a:extLst>
               <a:ext uri="{FF2B5EF4-FFF2-40B4-BE49-F238E27FC236}">
-                <a16:creationId xmlns:a16="http://schemas.microsoft.com/office/drawing/2014/main" xmlns="" id="{9F5A7754-E8C7-438B-922D-9027C6CF58E2}"/>
+                <a16:creationId xmlns="" xmlns:a16="http://schemas.microsoft.com/office/drawing/2014/main" id="{9F5A7754-E8C7-438B-922D-9027C6CF58E2}"/>
               </a:ext>
             </a:extLst>
           </p:cNvPr>
@@ -23383,7 +23383,7 @@
           <p:cNvPr id="5" name="Rectangle 4">
             <a:extLst>
               <a:ext uri="{FF2B5EF4-FFF2-40B4-BE49-F238E27FC236}">
-                <a16:creationId xmlns:a16="http://schemas.microsoft.com/office/drawing/2014/main" xmlns="" id="{7CDDDB7D-9189-9548-A2B9-81DC62C3C1A3}"/>
+                <a16:creationId xmlns="" xmlns:a16="http://schemas.microsoft.com/office/drawing/2014/main" id="{7CDDDB7D-9189-9548-A2B9-81DC62C3C1A3}"/>
               </a:ext>
             </a:extLst>
           </p:cNvPr>
@@ -23437,7 +23437,7 @@
           <p:cNvPr id="7" name="Freeform: Shape 9">
             <a:extLst>
               <a:ext uri="{FF2B5EF4-FFF2-40B4-BE49-F238E27FC236}">
-                <a16:creationId xmlns:a16="http://schemas.microsoft.com/office/drawing/2014/main" xmlns="" id="{096D8877-6B4A-4540-8927-767DD7401718}"/>
+                <a16:creationId xmlns="" xmlns:a16="http://schemas.microsoft.com/office/drawing/2014/main" id="{096D8877-6B4A-4540-8927-767DD7401718}"/>
               </a:ext>
             </a:extLst>
           </p:cNvPr>
@@ -23560,7 +23560,7 @@
           <p:cNvPr id="8" name="Freeform: Shape 17">
             <a:extLst>
               <a:ext uri="{FF2B5EF4-FFF2-40B4-BE49-F238E27FC236}">
-                <a16:creationId xmlns:a16="http://schemas.microsoft.com/office/drawing/2014/main" xmlns="" id="{5AF2E123-FE0F-8541-8E36-5030C450AA7E}"/>
+                <a16:creationId xmlns="" xmlns:a16="http://schemas.microsoft.com/office/drawing/2014/main" id="{5AF2E123-FE0F-8541-8E36-5030C450AA7E}"/>
               </a:ext>
             </a:extLst>
           </p:cNvPr>
@@ -23712,7 +23712,7 @@
           <p:cNvPr id="9" name="Freeform: Shape 11">
             <a:extLst>
               <a:ext uri="{FF2B5EF4-FFF2-40B4-BE49-F238E27FC236}">
-                <a16:creationId xmlns:a16="http://schemas.microsoft.com/office/drawing/2014/main" xmlns="" id="{E5519D99-3B68-924A-9CD0-14B911711CA8}"/>
+                <a16:creationId xmlns="" xmlns:a16="http://schemas.microsoft.com/office/drawing/2014/main" id="{E5519D99-3B68-924A-9CD0-14B911711CA8}"/>
               </a:ext>
             </a:extLst>
           </p:cNvPr>
@@ -23862,7 +23862,7 @@
           <p:cNvPr id="10" name="Freeform: Shape 7">
             <a:extLst>
               <a:ext uri="{FF2B5EF4-FFF2-40B4-BE49-F238E27FC236}">
-                <a16:creationId xmlns:a16="http://schemas.microsoft.com/office/drawing/2014/main" xmlns="" id="{A09E21A9-FBEF-144C-A152-FE484F3C55C1}"/>
+                <a16:creationId xmlns="" xmlns:a16="http://schemas.microsoft.com/office/drawing/2014/main" id="{A09E21A9-FBEF-144C-A152-FE484F3C55C1}"/>
               </a:ext>
             </a:extLst>
           </p:cNvPr>
@@ -24008,7 +24008,7 @@
           <p:cNvPr id="11" name="Title 1">
             <a:extLst>
               <a:ext uri="{FF2B5EF4-FFF2-40B4-BE49-F238E27FC236}">
-                <a16:creationId xmlns:a16="http://schemas.microsoft.com/office/drawing/2014/main" xmlns="" id="{70C7F2CB-A8CE-1545-A08D-93592C4BAEEA}"/>
+                <a16:creationId xmlns="" xmlns:a16="http://schemas.microsoft.com/office/drawing/2014/main" id="{70C7F2CB-A8CE-1545-A08D-93592C4BAEEA}"/>
               </a:ext>
             </a:extLst>
           </p:cNvPr>
@@ -24065,7 +24065,7 @@
           <p:cNvPr id="12" name="Group 11">
             <a:extLst>
               <a:ext uri="{FF2B5EF4-FFF2-40B4-BE49-F238E27FC236}">
-                <a16:creationId xmlns:a16="http://schemas.microsoft.com/office/drawing/2014/main" xmlns="" id="{7068FCE4-1B47-3C4B-B091-013120A97D09}"/>
+                <a16:creationId xmlns="" xmlns:a16="http://schemas.microsoft.com/office/drawing/2014/main" id="{7068FCE4-1B47-3C4B-B091-013120A97D09}"/>
               </a:ext>
             </a:extLst>
           </p:cNvPr>
@@ -24085,7 +24085,7 @@
             <p:cNvPr id="13" name="Freeform: Shape 15">
               <a:extLst>
                 <a:ext uri="{FF2B5EF4-FFF2-40B4-BE49-F238E27FC236}">
-                  <a16:creationId xmlns:a16="http://schemas.microsoft.com/office/drawing/2014/main" xmlns="" id="{FEC3FDE7-F27E-5E4E-8752-287CAB7792D4}"/>
+                  <a16:creationId xmlns="" xmlns:a16="http://schemas.microsoft.com/office/drawing/2014/main" id="{FEC3FDE7-F27E-5E4E-8752-287CAB7792D4}"/>
                 </a:ext>
               </a:extLst>
             </p:cNvPr>
@@ -24175,7 +24175,7 @@
             <p:cNvPr id="14" name="Freeform: Shape 16">
               <a:extLst>
                 <a:ext uri="{FF2B5EF4-FFF2-40B4-BE49-F238E27FC236}">
-                  <a16:creationId xmlns:a16="http://schemas.microsoft.com/office/drawing/2014/main" xmlns="" id="{81C902DB-0D21-5044-82B6-9E7A70A1BF62}"/>
+                  <a16:creationId xmlns="" xmlns:a16="http://schemas.microsoft.com/office/drawing/2014/main" id="{81C902DB-0D21-5044-82B6-9E7A70A1BF62}"/>
                 </a:ext>
               </a:extLst>
             </p:cNvPr>
@@ -24274,7 +24274,7 @@
           <p:cNvPr id="15" name="Group 14">
             <a:extLst>
               <a:ext uri="{FF2B5EF4-FFF2-40B4-BE49-F238E27FC236}">
-                <a16:creationId xmlns:a16="http://schemas.microsoft.com/office/drawing/2014/main" xmlns="" id="{BE1E08A0-195D-694F-947B-986A76FBB93E}"/>
+                <a16:creationId xmlns="" xmlns:a16="http://schemas.microsoft.com/office/drawing/2014/main" id="{BE1E08A0-195D-694F-947B-986A76FBB93E}"/>
               </a:ext>
             </a:extLst>
           </p:cNvPr>
@@ -24294,7 +24294,7 @@
             <p:cNvPr id="16" name="Rectangle: Single Corner Snipped 18">
               <a:extLst>
                 <a:ext uri="{FF2B5EF4-FFF2-40B4-BE49-F238E27FC236}">
-                  <a16:creationId xmlns:a16="http://schemas.microsoft.com/office/drawing/2014/main" xmlns="" id="{ED5DFFCD-1EE3-E64E-B51F-BD7D72413E0B}"/>
+                  <a16:creationId xmlns="" xmlns:a16="http://schemas.microsoft.com/office/drawing/2014/main" id="{ED5DFFCD-1EE3-E64E-B51F-BD7D72413E0B}"/>
                 </a:ext>
               </a:extLst>
             </p:cNvPr>
@@ -24360,7 +24360,7 @@
             <p:cNvPr id="17" name="Rectangle: Single Corner Snipped 2">
               <a:extLst>
                 <a:ext uri="{FF2B5EF4-FFF2-40B4-BE49-F238E27FC236}">
-                  <a16:creationId xmlns:a16="http://schemas.microsoft.com/office/drawing/2014/main" xmlns="" id="{C12DB3CA-8E64-AA43-BFBE-A2CA9A816DBE}"/>
+                  <a16:creationId xmlns="" xmlns:a16="http://schemas.microsoft.com/office/drawing/2014/main" id="{C12DB3CA-8E64-AA43-BFBE-A2CA9A816DBE}"/>
                 </a:ext>
               </a:extLst>
             </p:cNvPr>
@@ -24417,7 +24417,7 @@
           <p:cNvPr id="18" name="Freeform: Shape 23">
             <a:extLst>
               <a:ext uri="{FF2B5EF4-FFF2-40B4-BE49-F238E27FC236}">
-                <a16:creationId xmlns:a16="http://schemas.microsoft.com/office/drawing/2014/main" xmlns="" id="{A587DEFD-D470-4142-8E0D-A71DDB147C92}"/>
+                <a16:creationId xmlns="" xmlns:a16="http://schemas.microsoft.com/office/drawing/2014/main" id="{A587DEFD-D470-4142-8E0D-A71DDB147C92}"/>
               </a:ext>
             </a:extLst>
           </p:cNvPr>
@@ -24512,7 +24512,7 @@
           <p:cNvPr id="19" name="Slide Number Placeholder 4">
             <a:extLst>
               <a:ext uri="{FF2B5EF4-FFF2-40B4-BE49-F238E27FC236}">
-                <a16:creationId xmlns:a16="http://schemas.microsoft.com/office/drawing/2014/main" xmlns="" id="{7D9BF857-7910-734D-A217-5E3344220AA2}"/>
+                <a16:creationId xmlns="" xmlns:a16="http://schemas.microsoft.com/office/drawing/2014/main" id="{7D9BF857-7910-734D-A217-5E3344220AA2}"/>
               </a:ext>
             </a:extLst>
           </p:cNvPr>
@@ -24966,7 +24966,7 @@
   </p:txStyles>
   <p:extLst mod="1">
     <p:ext uri="{27BBF7A9-308A-43DC-89C8-2F10F3537804}">
-      <p15:sldGuideLst xmlns:p15="http://schemas.microsoft.com/office/powerpoint/2012/main" xmlns="">
+      <p15:sldGuideLst xmlns="" xmlns:p15="http://schemas.microsoft.com/office/powerpoint/2012/main">
         <p15:guide id="1" orient="horz" pos="2160" userDrawn="1">
           <p15:clr>
             <a:srgbClr val="F26B43"/>
@@ -25033,7 +25033,7 @@
           <p:cNvPr id="2" name="Title 1">
             <a:extLst>
               <a:ext uri="{FF2B5EF4-FFF2-40B4-BE49-F238E27FC236}">
-                <a16:creationId xmlns:a16="http://schemas.microsoft.com/office/drawing/2014/main" xmlns="" id="{632BE5BF-9922-45FB-8F3F-4446D40A051B}"/>
+                <a16:creationId xmlns="" xmlns:a16="http://schemas.microsoft.com/office/drawing/2014/main" id="{632BE5BF-9922-45FB-8F3F-4446D40A051B}"/>
               </a:ext>
             </a:extLst>
           </p:cNvPr>
@@ -25082,7 +25082,7 @@
           <p:cNvPr id="3" name="Subtitle 2">
             <a:extLst>
               <a:ext uri="{FF2B5EF4-FFF2-40B4-BE49-F238E27FC236}">
-                <a16:creationId xmlns:a16="http://schemas.microsoft.com/office/drawing/2014/main" xmlns="" id="{0D537F64-4C96-4AA8-BB21-E8053A3186DD}"/>
+                <a16:creationId xmlns="" xmlns:a16="http://schemas.microsoft.com/office/drawing/2014/main" id="{0D537F64-4C96-4AA8-BB21-E8053A3186DD}"/>
               </a:ext>
             </a:extLst>
           </p:cNvPr>
@@ -28075,21 +28075,15 @@
                 <a:latin typeface="Times New Roman" pitchFamily="18" charset="0"/>
                 <a:cs typeface="Times New Roman" pitchFamily="18" charset="0"/>
               </a:rPr>
-              <a:t>Currently developed for web platform</a:t>
+              <a:t>In my current system only admin can manages this system </a:t>
             </a:r>
-          </a:p>
-          <a:p>
-            <a:pPr marL="685800" lvl="2"/>
-            <a:r>
-              <a:rPr lang="en-US" sz="1800" dirty="0" smtClean="0">
-                <a:solidFill>
-                  <a:srgbClr val="FFFF00"/>
-                </a:solidFill>
-                <a:latin typeface="Times New Roman" pitchFamily="18" charset="0"/>
-                <a:cs typeface="Times New Roman" pitchFamily="18" charset="0"/>
-              </a:rPr>
-              <a:t>Will develop it for mobile apps</a:t>
-            </a:r>
+            <a:endParaRPr lang="en-US" sz="2000" dirty="0" smtClean="0">
+              <a:solidFill>
+                <a:srgbClr val="FFFF00"/>
+              </a:solidFill>
+              <a:latin typeface="Times New Roman" pitchFamily="18" charset="0"/>
+              <a:cs typeface="Times New Roman" pitchFamily="18" charset="0"/>
+            </a:endParaRPr>
           </a:p>
           <a:p>
             <a:r>
@@ -28100,8 +28094,15 @@
                 <a:latin typeface="Times New Roman" pitchFamily="18" charset="0"/>
                 <a:cs typeface="Times New Roman" pitchFamily="18" charset="0"/>
               </a:rPr>
-              <a:t>Admin cannot monitor the ownership change</a:t>
+              <a:t>In my future system I will develop user system also so that any use can take appointment for their vaccination.</a:t>
             </a:r>
+            <a:endParaRPr lang="en-US" sz="2000" dirty="0" smtClean="0">
+              <a:solidFill>
+                <a:srgbClr val="FFFF00"/>
+              </a:solidFill>
+              <a:latin typeface="Times New Roman" pitchFamily="18" charset="0"/>
+              <a:cs typeface="Times New Roman" pitchFamily="18" charset="0"/>
+            </a:endParaRPr>
           </a:p>
           <a:p>
             <a:r>
@@ -28112,10 +28113,8 @@
                 <a:latin typeface="Times New Roman" pitchFamily="18" charset="0"/>
                 <a:cs typeface="Times New Roman" pitchFamily="18" charset="0"/>
               </a:rPr>
-              <a:t>Will develop a chat system</a:t>
+              <a:t>Will develop a chat </a:t>
             </a:r>
-          </a:p>
-          <a:p>
             <a:r>
               <a:rPr lang="en-US" sz="2000" dirty="0" smtClean="0">
                 <a:solidFill>
@@ -28124,8 +28123,44 @@
                 <a:latin typeface="Times New Roman" pitchFamily="18" charset="0"/>
                 <a:cs typeface="Times New Roman" pitchFamily="18" charset="0"/>
               </a:rPr>
-              <a:t>Will integrate payment gateway</a:t>
+              <a:t>system so that user can communicate with vaccination center owner.</a:t>
             </a:r>
+            <a:endParaRPr lang="en-US" sz="2000" dirty="0" smtClean="0">
+              <a:solidFill>
+                <a:srgbClr val="FFFF00"/>
+              </a:solidFill>
+              <a:latin typeface="Times New Roman" pitchFamily="18" charset="0"/>
+              <a:cs typeface="Times New Roman" pitchFamily="18" charset="0"/>
+            </a:endParaRPr>
+          </a:p>
+          <a:p>
+            <a:r>
+              <a:rPr lang="en-US" sz="2000" dirty="0" smtClean="0">
+                <a:solidFill>
+                  <a:srgbClr val="FFFF00"/>
+                </a:solidFill>
+                <a:latin typeface="Times New Roman" pitchFamily="18" charset="0"/>
+                <a:cs typeface="Times New Roman" pitchFamily="18" charset="0"/>
+              </a:rPr>
+              <a:t>Will integrate payment </a:t>
+            </a:r>
+            <a:r>
+              <a:rPr lang="en-US" sz="2000" dirty="0" smtClean="0">
+                <a:solidFill>
+                  <a:srgbClr val="FFFF00"/>
+                </a:solidFill>
+                <a:latin typeface="Times New Roman" pitchFamily="18" charset="0"/>
+                <a:cs typeface="Times New Roman" pitchFamily="18" charset="0"/>
+              </a:rPr>
+              <a:t>gateway.</a:t>
+            </a:r>
+            <a:endParaRPr lang="en-US" sz="2000" dirty="0" smtClean="0">
+              <a:solidFill>
+                <a:srgbClr val="FFFF00"/>
+              </a:solidFill>
+              <a:latin typeface="Times New Roman" pitchFamily="18" charset="0"/>
+              <a:cs typeface="Times New Roman" pitchFamily="18" charset="0"/>
+            </a:endParaRPr>
           </a:p>
         </p:txBody>
       </p:sp>
@@ -28256,14 +28291,14 @@
           <a:lstStyle/>
           <a:p>
             <a:r>
-              <a:rPr lang="en-US" sz="2000" dirty="0" err="1" smtClean="0">
+              <a:rPr lang="en-US" sz="2000" dirty="0" smtClean="0">
                 <a:solidFill>
                   <a:srgbClr val="FFFF00"/>
                 </a:solidFill>
                 <a:latin typeface="Times New Roman" pitchFamily="18" charset="0"/>
                 <a:cs typeface="Times New Roman" pitchFamily="18" charset="0"/>
               </a:rPr>
-              <a:t>Wordpress</a:t>
+              <a:t>HTML</a:t>
             </a:r>
             <a:endParaRPr lang="en-US" sz="2000" dirty="0" smtClean="0">
               <a:solidFill>
@@ -28282,7 +28317,29 @@
                 <a:latin typeface="Times New Roman" pitchFamily="18" charset="0"/>
                 <a:cs typeface="Times New Roman" pitchFamily="18" charset="0"/>
               </a:rPr>
-              <a:t>PHP</a:t>
+              <a:t>CSS</a:t>
+            </a:r>
+          </a:p>
+          <a:p>
+            <a:r>
+              <a:rPr lang="en-US" sz="2000" dirty="0" smtClean="0">
+                <a:solidFill>
+                  <a:srgbClr val="FFFF00"/>
+                </a:solidFill>
+                <a:latin typeface="Times New Roman" pitchFamily="18" charset="0"/>
+                <a:cs typeface="Times New Roman" pitchFamily="18" charset="0"/>
+              </a:rPr>
+              <a:t>Bootstra</a:t>
+            </a:r>
+            <a:r>
+              <a:rPr lang="en-US" sz="2000" dirty="0" smtClean="0">
+                <a:solidFill>
+                  <a:srgbClr val="FFFF00"/>
+                </a:solidFill>
+                <a:latin typeface="Times New Roman" pitchFamily="18" charset="0"/>
+                <a:cs typeface="Times New Roman" pitchFamily="18" charset="0"/>
+              </a:rPr>
+              <a:t>p</a:t>
             </a:r>
           </a:p>
           <a:p>
@@ -28294,7 +28351,7 @@
                 <a:latin typeface="Times New Roman" pitchFamily="18" charset="0"/>
                 <a:cs typeface="Times New Roman" pitchFamily="18" charset="0"/>
               </a:rPr>
-              <a:t>MySQL</a:t>
+              <a:t>Laravel</a:t>
             </a:r>
             <a:endParaRPr lang="en-US" sz="2000" dirty="0" smtClean="0">
               <a:solidFill>
@@ -28306,15 +28363,22 @@
           </a:p>
           <a:p>
             <a:r>
-              <a:rPr lang="en-US" sz="2000" dirty="0" smtClean="0">
+              <a:rPr lang="en-US" sz="2000" dirty="0" err="1" smtClean="0">
                 <a:solidFill>
                   <a:srgbClr val="FFFF00"/>
                 </a:solidFill>
                 <a:latin typeface="Times New Roman" pitchFamily="18" charset="0"/>
                 <a:cs typeface="Times New Roman" pitchFamily="18" charset="0"/>
               </a:rPr>
-              <a:t>Vue.js</a:t>
+              <a:t>Jquery</a:t>
             </a:r>
+            <a:endParaRPr lang="en-US" sz="2000" dirty="0" smtClean="0">
+              <a:solidFill>
+                <a:srgbClr val="FFFF00"/>
+              </a:solidFill>
+              <a:latin typeface="Times New Roman" pitchFamily="18" charset="0"/>
+              <a:cs typeface="Times New Roman" pitchFamily="18" charset="0"/>
+            </a:endParaRPr>
           </a:p>
           <a:p>
             <a:r>
@@ -28325,8 +28389,34 @@
                 <a:latin typeface="Times New Roman" pitchFamily="18" charset="0"/>
                 <a:cs typeface="Times New Roman" pitchFamily="18" charset="0"/>
               </a:rPr>
-              <a:t>Tailwind</a:t>
+              <a:t>Ajax</a:t>
             </a:r>
+            <a:endParaRPr lang="en-US" sz="2000" dirty="0" smtClean="0">
+              <a:solidFill>
+                <a:srgbClr val="FFFF00"/>
+              </a:solidFill>
+              <a:latin typeface="Times New Roman" pitchFamily="18" charset="0"/>
+              <a:cs typeface="Times New Roman" pitchFamily="18" charset="0"/>
+            </a:endParaRPr>
+          </a:p>
+          <a:p>
+            <a:r>
+              <a:rPr lang="en-US" sz="2000" dirty="0" smtClean="0">
+                <a:solidFill>
+                  <a:srgbClr val="FFFF00"/>
+                </a:solidFill>
+                <a:latin typeface="Times New Roman" pitchFamily="18" charset="0"/>
+                <a:cs typeface="Times New Roman" pitchFamily="18" charset="0"/>
+              </a:rPr>
+              <a:t>MySQL</a:t>
+            </a:r>
+            <a:endParaRPr lang="en-US" sz="2000" dirty="0">
+              <a:solidFill>
+                <a:srgbClr val="FFFF00"/>
+              </a:solidFill>
+              <a:latin typeface="Times New Roman" pitchFamily="18" charset="0"/>
+              <a:cs typeface="Times New Roman" pitchFamily="18" charset="0"/>
+            </a:endParaRPr>
           </a:p>
           <a:p>
             <a:endParaRPr lang="en-US" dirty="0" smtClean="0"/>
@@ -29513,7 +29603,7 @@
           <p:cNvPr id="2" name="Title 1">
             <a:extLst>
               <a:ext uri="{FF2B5EF4-FFF2-40B4-BE49-F238E27FC236}">
-                <a16:creationId xmlns:a16="http://schemas.microsoft.com/office/drawing/2014/main" xmlns="" id="{632BE5BF-9922-45FB-8F3F-4446D40A051B}"/>
+                <a16:creationId xmlns="" xmlns:a16="http://schemas.microsoft.com/office/drawing/2014/main" id="{632BE5BF-9922-45FB-8F3F-4446D40A051B}"/>
               </a:ext>
             </a:extLst>
           </p:cNvPr>
@@ -30413,7 +30503,7 @@
           <p:cNvPr id="4" name="Title 3">
             <a:extLst>
               <a:ext uri="{FF2B5EF4-FFF2-40B4-BE49-F238E27FC236}">
-                <a16:creationId xmlns:a16="http://schemas.microsoft.com/office/drawing/2014/main" xmlns="" id="{E3BD8413-C238-49D7-A4E1-E8FEF1811A0E}"/>
+                <a16:creationId xmlns="" xmlns:a16="http://schemas.microsoft.com/office/drawing/2014/main" id="{E3BD8413-C238-49D7-A4E1-E8FEF1811A0E}"/>
               </a:ext>
             </a:extLst>
           </p:cNvPr>
@@ -30468,7 +30558,7 @@
           <p:cNvPr id="5" name="Text Placeholder 4">
             <a:extLst>
               <a:ext uri="{FF2B5EF4-FFF2-40B4-BE49-F238E27FC236}">
-                <a16:creationId xmlns:a16="http://schemas.microsoft.com/office/drawing/2014/main" xmlns="" id="{0A95F4DE-39B7-4CE2-BC1E-8B8AE662A895}"/>
+                <a16:creationId xmlns="" xmlns:a16="http://schemas.microsoft.com/office/drawing/2014/main" id="{0A95F4DE-39B7-4CE2-BC1E-8B8AE662A895}"/>
               </a:ext>
             </a:extLst>
           </p:cNvPr>
@@ -30544,7 +30634,7 @@
           <p:cNvPr id="2" name="Slide Number Placeholder 1">
             <a:extLst>
               <a:ext uri="{FF2B5EF4-FFF2-40B4-BE49-F238E27FC236}">
-                <a16:creationId xmlns:a16="http://schemas.microsoft.com/office/drawing/2014/main" xmlns="" id="{0B24BF10-2B55-43AB-9F77-F1A1410384A9}"/>
+                <a16:creationId xmlns="" xmlns:a16="http://schemas.microsoft.com/office/drawing/2014/main" id="{0B24BF10-2B55-43AB-9F77-F1A1410384A9}"/>
               </a:ext>
             </a:extLst>
           </p:cNvPr>
@@ -31032,7 +31122,7 @@
           <p:cNvPr id="4" name="Title 3">
             <a:extLst>
               <a:ext uri="{FF2B5EF4-FFF2-40B4-BE49-F238E27FC236}">
-                <a16:creationId xmlns:a16="http://schemas.microsoft.com/office/drawing/2014/main" xmlns="" id="{BD179B88-D43C-4A31-9A52-3498E9430782}"/>
+                <a16:creationId xmlns="" xmlns:a16="http://schemas.microsoft.com/office/drawing/2014/main" id="{BD179B88-D43C-4A31-9A52-3498E9430782}"/>
               </a:ext>
             </a:extLst>
           </p:cNvPr>
@@ -31083,7 +31173,7 @@
           <p:cNvPr id="5" name="Text Placeholder 4">
             <a:extLst>
               <a:ext uri="{FF2B5EF4-FFF2-40B4-BE49-F238E27FC236}">
-                <a16:creationId xmlns:a16="http://schemas.microsoft.com/office/drawing/2014/main" xmlns="" id="{DCDDBE65-9AB1-4989-AF86-726591A6A128}"/>
+                <a16:creationId xmlns="" xmlns:a16="http://schemas.microsoft.com/office/drawing/2014/main" id="{DCDDBE65-9AB1-4989-AF86-726591A6A128}"/>
               </a:ext>
             </a:extLst>
           </p:cNvPr>
@@ -31333,7 +31423,7 @@
           <p:cNvPr id="2" name="Slide Number Placeholder 1">
             <a:extLst>
               <a:ext uri="{FF2B5EF4-FFF2-40B4-BE49-F238E27FC236}">
-                <a16:creationId xmlns:a16="http://schemas.microsoft.com/office/drawing/2014/main" xmlns="" id="{8B065C75-272B-4BB5-BA23-D80E8654D621}"/>
+                <a16:creationId xmlns="" xmlns:a16="http://schemas.microsoft.com/office/drawing/2014/main" id="{8B065C75-272B-4BB5-BA23-D80E8654D621}"/>
               </a:ext>
             </a:extLst>
           </p:cNvPr>
@@ -31404,7 +31494,7 @@
           <p:cNvPr id="7" name="Title 6">
             <a:extLst>
               <a:ext uri="{FF2B5EF4-FFF2-40B4-BE49-F238E27FC236}">
-                <a16:creationId xmlns:a16="http://schemas.microsoft.com/office/drawing/2014/main" xmlns="" id="{7875C19A-1AAE-476A-A316-A2CF92D763D3}"/>
+                <a16:creationId xmlns="" xmlns:a16="http://schemas.microsoft.com/office/drawing/2014/main" id="{7875C19A-1AAE-476A-A316-A2CF92D763D3}"/>
               </a:ext>
             </a:extLst>
           </p:cNvPr>
@@ -31453,7 +31543,7 @@
           <p:cNvPr id="10" name="Text Placeholder 9">
             <a:extLst>
               <a:ext uri="{FF2B5EF4-FFF2-40B4-BE49-F238E27FC236}">
-                <a16:creationId xmlns:a16="http://schemas.microsoft.com/office/drawing/2014/main" xmlns="" id="{EF2BC084-E6DB-4DE7-B309-042A85EBA700}"/>
+                <a16:creationId xmlns="" xmlns:a16="http://schemas.microsoft.com/office/drawing/2014/main" id="{EF2BC084-E6DB-4DE7-B309-042A85EBA700}"/>
               </a:ext>
             </a:extLst>
           </p:cNvPr>
@@ -31489,7 +31579,7 @@
           <p:cNvPr id="2" name="Slide Number Placeholder 1">
             <a:extLst>
               <a:ext uri="{FF2B5EF4-FFF2-40B4-BE49-F238E27FC236}">
-                <a16:creationId xmlns:a16="http://schemas.microsoft.com/office/drawing/2014/main" xmlns="" id="{BE9800F6-D571-48C4-8466-12AA1ADB6599}"/>
+                <a16:creationId xmlns="" xmlns:a16="http://schemas.microsoft.com/office/drawing/2014/main" id="{BE9800F6-D571-48C4-8466-12AA1ADB6599}"/>
               </a:ext>
             </a:extLst>
           </p:cNvPr>
@@ -32538,7 +32628,7 @@
   <a:extraClrSchemeLst/>
   <a:extLst>
     <a:ext uri="{05A4C25C-085E-4340-85A3-A5531E510DB2}">
-      <thm15:themeFamily xmlns:thm15="http://schemas.microsoft.com/office/thememl/2012/main" xmlns="" name="Office_30677750_TF66687569" id="{5B888300-1273-41F5-A5CD-44107916CC14}" vid="{40518E2E-947D-4D54-9D53-AB7B73CA5CA9}"/>
+      <thm15:themeFamily xmlns="" xmlns:thm15="http://schemas.microsoft.com/office/thememl/2012/main" name="Office_30677750_TF66687569" id="{5B888300-1273-41F5-A5CD-44107916CC14}" vid="{40518E2E-947D-4D54-9D53-AB7B73CA5CA9}"/>
     </a:ext>
   </a:extLst>
 </a:theme>
@@ -32833,7 +32923,7 @@
   <a:extraClrSchemeLst/>
   <a:extLst>
     <a:ext uri="{05A4C25C-085E-4340-85A3-A5531E510DB2}">
-      <thm15:themeFamily xmlns:thm15="http://schemas.microsoft.com/office/thememl/2012/main" xmlns="" name="Office Theme" id="{62F939B6-93AF-4DB8-9C6B-D6C7DFDC589F}" vid="{4A3C46E8-61CC-4603-A589-7422A47A8E4A}"/>
+      <thm15:themeFamily xmlns="" xmlns:thm15="http://schemas.microsoft.com/office/thememl/2012/main" name="Office Theme" id="{62F939B6-93AF-4DB8-9C6B-D6C7DFDC589F}" vid="{4A3C46E8-61CC-4603-A589-7422A47A8E4A}"/>
     </a:ext>
   </a:extLst>
 </a:theme>
@@ -33128,13 +33218,31 @@
   <a:extraClrSchemeLst/>
   <a:extLst>
     <a:ext uri="{05A4C25C-085E-4340-85A3-A5531E510DB2}">
-      <thm15:themeFamily xmlns:thm15="http://schemas.microsoft.com/office/thememl/2012/main" xmlns="" name="Office Theme" id="{62F939B6-93AF-4DB8-9C6B-D6C7DFDC589F}" vid="{4A3C46E8-61CC-4603-A589-7422A47A8E4A}"/>
+      <thm15:themeFamily xmlns="" xmlns:thm15="http://schemas.microsoft.com/office/thememl/2012/main" name="Office Theme" id="{62F939B6-93AF-4DB8-9C6B-D6C7DFDC589F}" vid="{4A3C46E8-61CC-4603-A589-7422A47A8E4A}"/>
     </a:ext>
   </a:extLst>
 </a:theme>
 </file>
 
 <file path=customXml/item1.xml><?xml version="1.0" encoding="utf-8"?>
+<?mso-contentType ?>
+<FormTemplates xmlns="http://schemas.microsoft.com/sharepoint/v3/contenttype/forms">
+  <Display>DocumentLibraryForm</Display>
+  <Edit>DocumentLibraryForm</Edit>
+  <New>DocumentLibraryForm</New>
+</FormTemplates>
+</file>
+
+<file path=customXml/item2.xml><?xml version="1.0" encoding="utf-8"?>
+<p:properties xmlns:p="http://schemas.microsoft.com/office/2006/metadata/properties" xmlns:xsi="http://www.w3.org/2001/XMLSchema-instance" xmlns:pc="http://schemas.microsoft.com/office/infopath/2007/PartnerControls">
+  <documentManagement>
+    <_ip_UnifiedCompliancePolicyUIAction xmlns="http://schemas.microsoft.com/sharepoint/v3" xsi:nil="true"/>
+    <_ip_UnifiedCompliancePolicyProperties xmlns="http://schemas.microsoft.com/sharepoint/v3" xsi:nil="true"/>
+  </documentManagement>
+</p:properties>
+</file>
+
+<file path=customXml/item3.xml><?xml version="1.0" encoding="utf-8"?>
 <ct:contentTypeSchema xmlns:ct="http://schemas.microsoft.com/office/2006/metadata/contentType" xmlns:ma="http://schemas.microsoft.com/office/2006/metadata/properties/metaAttributes" ct:_="" ma:_="" ma:contentTypeName="Document" ma:contentTypeID="0x010100DEEA25CC0A0AC24199CDC46C25B8B0BC" ma:contentTypeVersion="10" ma:contentTypeDescription="Create a new document." ma:contentTypeScope="" ma:versionID="e3b47856d4cf355c0dacb39e1084d14f">
   <xsd:schema xmlns:xsd="http://www.w3.org/2001/XMLSchema" xmlns:xs="http://www.w3.org/2001/XMLSchema" xmlns:p="http://schemas.microsoft.com/office/2006/metadata/properties" xmlns:ns1="http://schemas.microsoft.com/sharepoint/v3" xmlns:ns2="6dc4bcd6-49db-4c07-9060-8acfc67cef9f" xmlns:ns3="fb0879af-3eba-417a-a55a-ffe6dcd6ca77" targetNamespace="http://schemas.microsoft.com/office/2006/metadata/properties" ma:root="true" ma:fieldsID="a845a615265fdb1f7b12cc65ac20ecbd" ns1:_="" ns2:_="" ns3:_="">
     <xsd:import namespace="http://schemas.microsoft.com/sharepoint/v3"/>
@@ -33342,40 +33450,10 @@
 </ct:contentTypeSchema>
 </file>
 
-<file path=customXml/item2.xml><?xml version="1.0" encoding="utf-8"?>
-<p:properties xmlns:p="http://schemas.microsoft.com/office/2006/metadata/properties" xmlns:xsi="http://www.w3.org/2001/XMLSchema-instance" xmlns:pc="http://schemas.microsoft.com/office/infopath/2007/PartnerControls">
-  <documentManagement>
-    <_ip_UnifiedCompliancePolicyUIAction xmlns="http://schemas.microsoft.com/sharepoint/v3" xsi:nil="true"/>
-    <_ip_UnifiedCompliancePolicyProperties xmlns="http://schemas.microsoft.com/sharepoint/v3" xsi:nil="true"/>
-  </documentManagement>
-</p:properties>
-</file>
-
-<file path=customXml/item3.xml><?xml version="1.0" encoding="utf-8"?>
-<?mso-contentType ?>
-<FormTemplates xmlns="http://schemas.microsoft.com/sharepoint/v3/contenttype/forms">
-  <Display>DocumentLibraryForm</Display>
-  <Edit>DocumentLibraryForm</Edit>
-  <New>DocumentLibraryForm</New>
-</FormTemplates>
-</file>
-
 <file path=customXml/itemProps1.xml><?xml version="1.0" encoding="utf-8"?>
-<ds:datastoreItem xmlns:ds="http://schemas.openxmlformats.org/officeDocument/2006/customXml" ds:itemID="{6B67ACAB-C3DC-429D-A23C-0723C084FEE5}">
+<ds:datastoreItem xmlns:ds="http://schemas.openxmlformats.org/officeDocument/2006/customXml" ds:itemID="{8A95DE24-D6C3-4A00-9085-D9594C193AE1}">
   <ds:schemaRefs>
-    <ds:schemaRef ds:uri="http://schemas.microsoft.com/office/2006/metadata/contentType"/>
-    <ds:schemaRef ds:uri="http://schemas.microsoft.com/office/2006/metadata/properties/metaAttributes"/>
-    <ds:schemaRef ds:uri="http://www.w3.org/2001/XMLSchema"/>
-    <ds:schemaRef ds:uri="http://schemas.microsoft.com/office/2006/metadata/properties"/>
-    <ds:schemaRef ds:uri="http://schemas.microsoft.com/sharepoint/v3"/>
-    <ds:schemaRef ds:uri="6dc4bcd6-49db-4c07-9060-8acfc67cef9f"/>
-    <ds:schemaRef ds:uri="fb0879af-3eba-417a-a55a-ffe6dcd6ca77"/>
-    <ds:schemaRef ds:uri="http://schemas.microsoft.com/office/2006/documentManagement/types"/>
-    <ds:schemaRef ds:uri="http://schemas.microsoft.com/office/infopath/2007/PartnerControls"/>
-    <ds:schemaRef ds:uri="http://schemas.openxmlformats.org/package/2006/metadata/core-properties"/>
-    <ds:schemaRef ds:uri="http://purl.org/dc/elements/1.1/"/>
-    <ds:schemaRef ds:uri="http://purl.org/dc/terms/"/>
-    <ds:schemaRef ds:uri="http://schemas.microsoft.com/internal/obd"/>
+    <ds:schemaRef ds:uri="http://schemas.microsoft.com/sharepoint/v3/contenttype/forms"/>
   </ds:schemaRefs>
 </ds:datastoreItem>
 </file>
@@ -33399,9 +33477,21 @@
 </file>
 
 <file path=customXml/itemProps3.xml><?xml version="1.0" encoding="utf-8"?>
-<ds:datastoreItem xmlns:ds="http://schemas.openxmlformats.org/officeDocument/2006/customXml" ds:itemID="{8A95DE24-D6C3-4A00-9085-D9594C193AE1}">
+<ds:datastoreItem xmlns:ds="http://schemas.openxmlformats.org/officeDocument/2006/customXml" ds:itemID="{6B67ACAB-C3DC-429D-A23C-0723C084FEE5}">
   <ds:schemaRefs>
-    <ds:schemaRef ds:uri="http://schemas.microsoft.com/sharepoint/v3/contenttype/forms"/>
+    <ds:schemaRef ds:uri="http://schemas.microsoft.com/office/2006/metadata/contentType"/>
+    <ds:schemaRef ds:uri="http://schemas.microsoft.com/office/2006/metadata/properties/metaAttributes"/>
+    <ds:schemaRef ds:uri="http://www.w3.org/2001/XMLSchema"/>
+    <ds:schemaRef ds:uri="http://schemas.microsoft.com/office/2006/metadata/properties"/>
+    <ds:schemaRef ds:uri="http://schemas.microsoft.com/sharepoint/v3"/>
+    <ds:schemaRef ds:uri="6dc4bcd6-49db-4c07-9060-8acfc67cef9f"/>
+    <ds:schemaRef ds:uri="fb0879af-3eba-417a-a55a-ffe6dcd6ca77"/>
+    <ds:schemaRef ds:uri="http://schemas.microsoft.com/office/2006/documentManagement/types"/>
+    <ds:schemaRef ds:uri="http://schemas.microsoft.com/office/infopath/2007/PartnerControls"/>
+    <ds:schemaRef ds:uri="http://schemas.openxmlformats.org/package/2006/metadata/core-properties"/>
+    <ds:schemaRef ds:uri="http://purl.org/dc/elements/1.1/"/>
+    <ds:schemaRef ds:uri="http://purl.org/dc/terms/"/>
+    <ds:schemaRef ds:uri="http://schemas.microsoft.com/internal/obd"/>
   </ds:schemaRefs>
 </ds:datastoreItem>
 </file>